--- a/docker orchestration day 2.pptx
+++ b/docker orchestration day 2.pptx
@@ -2,7 +2,7 @@
 <file path=ppt/presentation.xml><?xml version="1.0" encoding="utf-8"?>
 <p:presentation xmlns:a="http://schemas.openxmlformats.org/drawingml/2006/main" xmlns:r="http://schemas.openxmlformats.org/officeDocument/2006/relationships" xmlns:p="http://schemas.openxmlformats.org/presentationml/2006/main" saveSubsetFonts="1">
   <p:sldMasterIdLst>
-    <p:sldMasterId id="2147483648" r:id="rId1"/>
+    <p:sldMasterId id="2147483678" r:id="rId1"/>
   </p:sldMasterIdLst>
   <p:sldIdLst>
     <p:sldId id="256" r:id="rId2"/>
@@ -11,6 +11,9 @@
     <p:sldId id="259" r:id="rId5"/>
     <p:sldId id="260" r:id="rId6"/>
     <p:sldId id="261" r:id="rId7"/>
+    <p:sldId id="262" r:id="rId8"/>
+    <p:sldId id="263" r:id="rId9"/>
+    <p:sldId id="264" r:id="rId10"/>
   </p:sldIdLst>
   <p:sldSz cx="12192000" cy="6858000"/>
   <p:notesSz cx="6858000" cy="9144000"/>
@@ -131,13 +134,7 @@
       </p:grpSpPr>
       <p:sp>
         <p:nvSpPr>
-          <p:cNvPr id="2" name="Title 1">
-            <a:extLst>
-              <a:ext uri="{FF2B5EF4-FFF2-40B4-BE49-F238E27FC236}">
-                <a16:creationId xmlns:a16="http://schemas.microsoft.com/office/drawing/2014/main" id="{B1BF9879-5AC8-403B-AFE8-7BC4B57E4EBA}"/>
-              </a:ext>
-            </a:extLst>
-          </p:cNvPr>
+          <p:cNvPr id="2" name="Title 1"/>
           <p:cNvSpPr>
             <a:spLocks noGrp="1"/>
           </p:cNvSpPr>
@@ -147,15 +144,25 @@
         </p:nvSpPr>
         <p:spPr>
           <a:xfrm>
-            <a:off x="1524000" y="1122363"/>
-            <a:ext cx="9144000" cy="2387600"/>
+            <a:off x="3398292" y="2733508"/>
+            <a:ext cx="8311487" cy="2098445"/>
           </a:xfrm>
         </p:spPr>
         <p:txBody>
-          <a:bodyPr anchor="b"/>
+          <a:bodyPr anchor="b">
+            <a:normAutofit/>
+          </a:bodyPr>
           <a:lstStyle>
             <a:lvl1pPr algn="ctr">
-              <a:defRPr sz="6000"/>
+              <a:defRPr sz="4800">
+                <a:solidFill>
+                  <a:schemeClr val="tx1">
+                    <a:lumMod val="50000"/>
+                    <a:lumOff val="50000"/>
+                  </a:schemeClr>
+                </a:solidFill>
+                <a:latin typeface="Segoe UI Light" panose="020B0502040204020203" pitchFamily="34" charset="0"/>
+              </a:defRPr>
             </a:lvl1pPr>
           </a:lstStyle>
           <a:p>
@@ -163,19 +170,12 @@
               <a:rPr lang="en-US"/>
               <a:t>Click to edit Master title style</a:t>
             </a:r>
-            <a:endParaRPr lang="en-IN"/>
           </a:p>
         </p:txBody>
       </p:sp>
       <p:sp>
         <p:nvSpPr>
-          <p:cNvPr id="3" name="Subtitle 2">
-            <a:extLst>
-              <a:ext uri="{FF2B5EF4-FFF2-40B4-BE49-F238E27FC236}">
-                <a16:creationId xmlns:a16="http://schemas.microsoft.com/office/drawing/2014/main" id="{3E050CD6-3A7B-4543-8DAC-9377F937016F}"/>
-              </a:ext>
-            </a:extLst>
-          </p:cNvPr>
+          <p:cNvPr id="3" name="Subtitle 2"/>
           <p:cNvSpPr>
             <a:spLocks noGrp="1"/>
           </p:cNvSpPr>
@@ -185,16 +185,21 @@
         </p:nvSpPr>
         <p:spPr>
           <a:xfrm>
-            <a:off x="1524000" y="3602038"/>
-            <a:ext cx="9144000" cy="1655762"/>
+            <a:off x="3398292" y="5151110"/>
+            <a:ext cx="8311486" cy="969005"/>
           </a:xfrm>
         </p:spPr>
         <p:txBody>
-          <a:bodyPr/>
+          <a:bodyPr anchor="ctr"/>
           <a:lstStyle>
             <a:lvl1pPr marL="0" indent="0" algn="ctr">
               <a:buNone/>
-              <a:defRPr sz="2400"/>
+              <a:defRPr sz="2400">
+                <a:solidFill>
+                  <a:srgbClr val="0070C0"/>
+                </a:solidFill>
+                <a:latin typeface="Segoe UI Semibold" panose="020B0702040204020203" pitchFamily="34" charset="0"/>
+              </a:defRPr>
             </a:lvl1pPr>
             <a:lvl2pPr marL="457200" indent="0" algn="ctr">
               <a:buNone/>
@@ -234,19 +239,12 @@
               <a:rPr lang="en-US"/>
               <a:t>Click to edit Master subtitle style</a:t>
             </a:r>
-            <a:endParaRPr lang="en-IN"/>
           </a:p>
         </p:txBody>
       </p:sp>
       <p:sp>
         <p:nvSpPr>
-          <p:cNvPr id="4" name="Date Placeholder 3">
-            <a:extLst>
-              <a:ext uri="{FF2B5EF4-FFF2-40B4-BE49-F238E27FC236}">
-                <a16:creationId xmlns:a16="http://schemas.microsoft.com/office/drawing/2014/main" id="{B3C73A56-4E50-4E34-AB4F-31010694B6BE}"/>
-              </a:ext>
-            </a:extLst>
-          </p:cNvPr>
+          <p:cNvPr id="4" name="Date Placeholder 3"/>
           <p:cNvSpPr>
             <a:spLocks noGrp="1"/>
           </p:cNvSpPr>
@@ -269,13 +267,7 @@
       </p:sp>
       <p:sp>
         <p:nvSpPr>
-          <p:cNvPr id="5" name="Footer Placeholder 4">
-            <a:extLst>
-              <a:ext uri="{FF2B5EF4-FFF2-40B4-BE49-F238E27FC236}">
-                <a16:creationId xmlns:a16="http://schemas.microsoft.com/office/drawing/2014/main" id="{DF9ACF7B-2F75-4459-96E7-E57230AF77B3}"/>
-              </a:ext>
-            </a:extLst>
-          </p:cNvPr>
+          <p:cNvPr id="5" name="Footer Placeholder 4"/>
           <p:cNvSpPr>
             <a:spLocks noGrp="1"/>
           </p:cNvSpPr>
@@ -294,13 +286,437 @@
       </p:sp>
       <p:sp>
         <p:nvSpPr>
-          <p:cNvPr id="6" name="Slide Number Placeholder 5">
+          <p:cNvPr id="6" name="Slide Number Placeholder 5"/>
+          <p:cNvSpPr>
+            <a:spLocks noGrp="1"/>
+          </p:cNvSpPr>
+          <p:nvPr>
+            <p:ph type="sldNum" sz="quarter" idx="12"/>
+          </p:nvPr>
+        </p:nvSpPr>
+        <p:spPr>
+          <a:xfrm>
+            <a:off x="9239534" y="6341473"/>
+            <a:ext cx="2743200" cy="365125"/>
+          </a:xfrm>
+        </p:spPr>
+        <p:txBody>
+          <a:bodyPr/>
+          <a:lstStyle/>
+          <a:p>
+            <a:fld id="{3D842AAE-86FF-451A-B7C6-0D03DAE39848}" type="slidenum">
+              <a:rPr lang="en-IN" smtClean="0"/>
+              <a:t>‹#›</a:t>
+            </a:fld>
+            <a:endParaRPr lang="en-IN"/>
+          </a:p>
+        </p:txBody>
+      </p:sp>
+      <p:sp>
+        <p:nvSpPr>
+          <p:cNvPr id="7" name="Rectangle 6"/>
+          <p:cNvSpPr/>
+          <p:nvPr/>
+        </p:nvSpPr>
+        <p:spPr>
+          <a:xfrm>
+            <a:off x="245660" y="218364"/>
+            <a:ext cx="11737074" cy="6414448"/>
+          </a:xfrm>
+          <a:prstGeom prst="rect">
+            <a:avLst/>
+          </a:prstGeom>
+          <a:noFill/>
+          <a:ln>
+            <a:solidFill>
+              <a:schemeClr val="bg1">
+                <a:lumMod val="85000"/>
+              </a:schemeClr>
+            </a:solidFill>
+          </a:ln>
+        </p:spPr>
+        <p:style>
+          <a:lnRef idx="2">
+            <a:schemeClr val="accent1">
+              <a:shade val="50000"/>
+            </a:schemeClr>
+          </a:lnRef>
+          <a:fillRef idx="1">
+            <a:schemeClr val="accent1"/>
+          </a:fillRef>
+          <a:effectRef idx="0">
+            <a:schemeClr val="accent1"/>
+          </a:effectRef>
+          <a:fontRef idx="minor">
+            <a:schemeClr val="lt1"/>
+          </a:fontRef>
+        </p:style>
+        <p:txBody>
+          <a:bodyPr rtlCol="0" anchor="ctr"/>
+          <a:lstStyle/>
+          <a:p>
+            <a:pPr algn="ctr"/>
+            <a:endParaRPr lang="en-US"/>
+          </a:p>
+        </p:txBody>
+      </p:sp>
+      <p:sp>
+        <p:nvSpPr>
+          <p:cNvPr id="22" name="Rectangle 21"/>
+          <p:cNvSpPr/>
+          <p:nvPr/>
+        </p:nvSpPr>
+        <p:spPr>
+          <a:xfrm>
+            <a:off x="256725" y="218364"/>
+            <a:ext cx="3030816" cy="6414448"/>
+          </a:xfrm>
+          <a:prstGeom prst="rect">
+            <a:avLst/>
+          </a:prstGeom>
+          <a:ln>
+            <a:noFill/>
+          </a:ln>
+        </p:spPr>
+        <p:style>
+          <a:lnRef idx="2">
+            <a:schemeClr val="accent1">
+              <a:shade val="50000"/>
+            </a:schemeClr>
+          </a:lnRef>
+          <a:fillRef idx="1">
+            <a:schemeClr val="accent1"/>
+          </a:fillRef>
+          <a:effectRef idx="0">
+            <a:schemeClr val="accent1"/>
+          </a:effectRef>
+          <a:fontRef idx="minor">
+            <a:schemeClr val="lt1"/>
+          </a:fontRef>
+        </p:style>
+        <p:txBody>
+          <a:bodyPr rtlCol="0" anchor="ctr"/>
+          <a:lstStyle/>
+          <a:p>
+            <a:pPr algn="ctr"/>
+            <a:endParaRPr lang="en-US"/>
+          </a:p>
+        </p:txBody>
+      </p:sp>
+      <p:cxnSp>
+        <p:nvCxnSpPr>
+          <p:cNvPr id="24" name="Straight Connector 23"/>
+          <p:cNvCxnSpPr/>
+          <p:nvPr/>
+        </p:nvCxnSpPr>
+        <p:spPr>
+          <a:xfrm>
+            <a:off x="3398292" y="4995081"/>
+            <a:ext cx="8408041" cy="0"/>
+          </a:xfrm>
+          <a:prstGeom prst="line">
+            <a:avLst/>
+          </a:prstGeom>
+          <a:ln>
+            <a:solidFill>
+              <a:schemeClr val="bg1">
+                <a:lumMod val="75000"/>
+              </a:schemeClr>
+            </a:solidFill>
+          </a:ln>
+        </p:spPr>
+        <p:style>
+          <a:lnRef idx="1">
+            <a:schemeClr val="accent1"/>
+          </a:lnRef>
+          <a:fillRef idx="0">
+            <a:schemeClr val="accent1"/>
+          </a:fillRef>
+          <a:effectRef idx="0">
+            <a:schemeClr val="accent1"/>
+          </a:effectRef>
+          <a:fontRef idx="minor">
+            <a:schemeClr val="tx1"/>
+          </a:fontRef>
+        </p:style>
+      </p:cxnSp>
+      <p:pic>
+        <p:nvPicPr>
+          <p:cNvPr id="29" name="Picture 28"/>
+          <p:cNvPicPr>
+            <a:picLocks noChangeAspect="1"/>
+          </p:cNvPicPr>
+          <p:nvPr/>
+        </p:nvPicPr>
+        <p:blipFill>
+          <a:blip r:embed="rId2">
             <a:extLst>
-              <a:ext uri="{FF2B5EF4-FFF2-40B4-BE49-F238E27FC236}">
-                <a16:creationId xmlns:a16="http://schemas.microsoft.com/office/drawing/2014/main" id="{A31CA7EB-4BA0-4947-A936-59B94AB65653}"/>
+              <a:ext uri="{28A0092B-C50C-407E-A947-70E740481C1C}">
+                <a14:useLocalDpi xmlns:a14="http://schemas.microsoft.com/office/drawing/2010/main" val="0"/>
               </a:ext>
             </a:extLst>
-          </p:cNvPr>
+          </a:blip>
+          <a:stretch>
+            <a:fillRect/>
+          </a:stretch>
+        </p:blipFill>
+        <p:spPr>
+          <a:xfrm>
+            <a:off x="778704" y="2958487"/>
+            <a:ext cx="4693266" cy="632934"/>
+          </a:xfrm>
+          <a:prstGeom prst="rect">
+            <a:avLst/>
+          </a:prstGeom>
+        </p:spPr>
+      </p:pic>
+    </p:spTree>
+    <p:extLst>
+      <p:ext uri="{BB962C8B-B14F-4D97-AF65-F5344CB8AC3E}">
+        <p14:creationId xmlns:p14="http://schemas.microsoft.com/office/powerpoint/2010/main" val="757278551"/>
+      </p:ext>
+    </p:extLst>
+  </p:cSld>
+  <p:clrMapOvr>
+    <a:masterClrMapping/>
+  </p:clrMapOvr>
+  <mc:AlternateContent xmlns:mc="http://schemas.openxmlformats.org/markup-compatibility/2006" xmlns:p14="http://schemas.microsoft.com/office/powerpoint/2010/main">
+    <mc:Choice Requires="p14">
+      <p:transition spd="med" p14:dur="700">
+        <p:fade/>
+      </p:transition>
+    </mc:Choice>
+    <mc:Fallback xmlns="">
+      <p:transition spd="med">
+        <p:fade/>
+      </p:transition>
+    </mc:Fallback>
+  </mc:AlternateContent>
+</p:sldLayout>
+</file>
+
+<file path=ppt/slideLayouts/slideLayout10.xml><?xml version="1.0" encoding="utf-8"?>
+<p:sldLayout xmlns:a="http://schemas.openxmlformats.org/drawingml/2006/main" xmlns:r="http://schemas.openxmlformats.org/officeDocument/2006/relationships" xmlns:p="http://schemas.openxmlformats.org/presentationml/2006/main" type="picTx" preserve="1">
+  <p:cSld name="Picture with Caption">
+    <p:spTree>
+      <p:nvGrpSpPr>
+        <p:cNvPr id="1" name=""/>
+        <p:cNvGrpSpPr/>
+        <p:nvPr/>
+      </p:nvGrpSpPr>
+      <p:grpSpPr>
+        <a:xfrm>
+          <a:off x="0" y="0"/>
+          <a:ext cx="0" cy="0"/>
+          <a:chOff x="0" y="0"/>
+          <a:chExt cx="0" cy="0"/>
+        </a:xfrm>
+      </p:grpSpPr>
+      <p:sp>
+        <p:nvSpPr>
+          <p:cNvPr id="2" name="Title 1"/>
+          <p:cNvSpPr>
+            <a:spLocks noGrp="1"/>
+          </p:cNvSpPr>
+          <p:nvPr>
+            <p:ph type="title"/>
+          </p:nvPr>
+        </p:nvSpPr>
+        <p:spPr>
+          <a:xfrm>
+            <a:off x="839788" y="457200"/>
+            <a:ext cx="3932237" cy="1600200"/>
+          </a:xfrm>
+        </p:spPr>
+        <p:txBody>
+          <a:bodyPr anchor="b"/>
+          <a:lstStyle>
+            <a:lvl1pPr>
+              <a:defRPr sz="3200"/>
+            </a:lvl1pPr>
+          </a:lstStyle>
+          <a:p>
+            <a:r>
+              <a:rPr lang="en-US"/>
+              <a:t>Click to edit Master title style</a:t>
+            </a:r>
+          </a:p>
+        </p:txBody>
+      </p:sp>
+      <p:sp>
+        <p:nvSpPr>
+          <p:cNvPr id="3" name="Picture Placeholder 2"/>
+          <p:cNvSpPr>
+            <a:spLocks noGrp="1"/>
+          </p:cNvSpPr>
+          <p:nvPr>
+            <p:ph type="pic" idx="1"/>
+          </p:nvPr>
+        </p:nvSpPr>
+        <p:spPr>
+          <a:xfrm>
+            <a:off x="5183188" y="987425"/>
+            <a:ext cx="6172200" cy="4873625"/>
+          </a:xfrm>
+        </p:spPr>
+        <p:txBody>
+          <a:bodyPr/>
+          <a:lstStyle>
+            <a:lvl1pPr marL="0" indent="0">
+              <a:buNone/>
+              <a:defRPr sz="3200"/>
+            </a:lvl1pPr>
+            <a:lvl2pPr marL="457200" indent="0">
+              <a:buNone/>
+              <a:defRPr sz="2800"/>
+            </a:lvl2pPr>
+            <a:lvl3pPr marL="914400" indent="0">
+              <a:buNone/>
+              <a:defRPr sz="2400"/>
+            </a:lvl3pPr>
+            <a:lvl4pPr marL="1371600" indent="0">
+              <a:buNone/>
+              <a:defRPr sz="2000"/>
+            </a:lvl4pPr>
+            <a:lvl5pPr marL="1828800" indent="0">
+              <a:buNone/>
+              <a:defRPr sz="2000"/>
+            </a:lvl5pPr>
+            <a:lvl6pPr marL="2286000" indent="0">
+              <a:buNone/>
+              <a:defRPr sz="2000"/>
+            </a:lvl6pPr>
+            <a:lvl7pPr marL="2743200" indent="0">
+              <a:buNone/>
+              <a:defRPr sz="2000"/>
+            </a:lvl7pPr>
+            <a:lvl8pPr marL="3200400" indent="0">
+              <a:buNone/>
+              <a:defRPr sz="2000"/>
+            </a:lvl8pPr>
+            <a:lvl9pPr marL="3657600" indent="0">
+              <a:buNone/>
+              <a:defRPr sz="2000"/>
+            </a:lvl9pPr>
+          </a:lstStyle>
+          <a:p>
+            <a:r>
+              <a:rPr lang="en-US"/>
+              <a:t>Click icon to add picture</a:t>
+            </a:r>
+          </a:p>
+        </p:txBody>
+      </p:sp>
+      <p:sp>
+        <p:nvSpPr>
+          <p:cNvPr id="4" name="Text Placeholder 3"/>
+          <p:cNvSpPr>
+            <a:spLocks noGrp="1"/>
+          </p:cNvSpPr>
+          <p:nvPr>
+            <p:ph type="body" sz="half" idx="2"/>
+          </p:nvPr>
+        </p:nvSpPr>
+        <p:spPr>
+          <a:xfrm>
+            <a:off x="839788" y="2057400"/>
+            <a:ext cx="3932237" cy="3811588"/>
+          </a:xfrm>
+        </p:spPr>
+        <p:txBody>
+          <a:bodyPr/>
+          <a:lstStyle>
+            <a:lvl1pPr marL="0" indent="0">
+              <a:buNone/>
+              <a:defRPr sz="1600"/>
+            </a:lvl1pPr>
+            <a:lvl2pPr marL="457200" indent="0">
+              <a:buNone/>
+              <a:defRPr sz="1400"/>
+            </a:lvl2pPr>
+            <a:lvl3pPr marL="914400" indent="0">
+              <a:buNone/>
+              <a:defRPr sz="1200"/>
+            </a:lvl3pPr>
+            <a:lvl4pPr marL="1371600" indent="0">
+              <a:buNone/>
+              <a:defRPr sz="1000"/>
+            </a:lvl4pPr>
+            <a:lvl5pPr marL="1828800" indent="0">
+              <a:buNone/>
+              <a:defRPr sz="1000"/>
+            </a:lvl5pPr>
+            <a:lvl6pPr marL="2286000" indent="0">
+              <a:buNone/>
+              <a:defRPr sz="1000"/>
+            </a:lvl6pPr>
+            <a:lvl7pPr marL="2743200" indent="0">
+              <a:buNone/>
+              <a:defRPr sz="1000"/>
+            </a:lvl7pPr>
+            <a:lvl8pPr marL="3200400" indent="0">
+              <a:buNone/>
+              <a:defRPr sz="1000"/>
+            </a:lvl8pPr>
+            <a:lvl9pPr marL="3657600" indent="0">
+              <a:buNone/>
+              <a:defRPr sz="1000"/>
+            </a:lvl9pPr>
+          </a:lstStyle>
+          <a:p>
+            <a:pPr lvl="0"/>
+            <a:r>
+              <a:rPr lang="en-US"/>
+              <a:t>Edit Master text styles</a:t>
+            </a:r>
+          </a:p>
+        </p:txBody>
+      </p:sp>
+      <p:sp>
+        <p:nvSpPr>
+          <p:cNvPr id="5" name="Date Placeholder 4"/>
+          <p:cNvSpPr>
+            <a:spLocks noGrp="1"/>
+          </p:cNvSpPr>
+          <p:nvPr>
+            <p:ph type="dt" sz="half" idx="10"/>
+          </p:nvPr>
+        </p:nvSpPr>
+        <p:spPr/>
+        <p:txBody>
+          <a:bodyPr/>
+          <a:lstStyle/>
+          <a:p>
+            <a:fld id="{F07D9977-5870-4C30-A511-58E720754088}" type="datetimeFigureOut">
+              <a:rPr lang="en-IN" smtClean="0"/>
+              <a:t>04-06-2019</a:t>
+            </a:fld>
+            <a:endParaRPr lang="en-IN"/>
+          </a:p>
+        </p:txBody>
+      </p:sp>
+      <p:sp>
+        <p:nvSpPr>
+          <p:cNvPr id="6" name="Footer Placeholder 5"/>
+          <p:cNvSpPr>
+            <a:spLocks noGrp="1"/>
+          </p:cNvSpPr>
+          <p:nvPr>
+            <p:ph type="ftr" sz="quarter" idx="11"/>
+          </p:nvPr>
+        </p:nvSpPr>
+        <p:spPr/>
+        <p:txBody>
+          <a:bodyPr/>
+          <a:lstStyle/>
+          <a:p>
+            <a:endParaRPr lang="en-IN"/>
+          </a:p>
+        </p:txBody>
+      </p:sp>
+      <p:sp>
+        <p:nvSpPr>
+          <p:cNvPr id="7" name="Slide Number Placeholder 6"/>
           <p:cNvSpPr>
             <a:spLocks noGrp="1"/>
           </p:cNvSpPr>
@@ -324,17 +740,29 @@
     </p:spTree>
     <p:extLst>
       <p:ext uri="{BB962C8B-B14F-4D97-AF65-F5344CB8AC3E}">
-        <p14:creationId xmlns:p14="http://schemas.microsoft.com/office/powerpoint/2010/main" val="2027272076"/>
+        <p14:creationId xmlns:p14="http://schemas.microsoft.com/office/powerpoint/2010/main" val="679536446"/>
       </p:ext>
     </p:extLst>
   </p:cSld>
   <p:clrMapOvr>
     <a:masterClrMapping/>
   </p:clrMapOvr>
+  <mc:AlternateContent xmlns:mc="http://schemas.openxmlformats.org/markup-compatibility/2006" xmlns:p14="http://schemas.microsoft.com/office/powerpoint/2010/main">
+    <mc:Choice Requires="p14">
+      <p:transition spd="med" p14:dur="700">
+        <p:fade/>
+      </p:transition>
+    </mc:Choice>
+    <mc:Fallback xmlns="">
+      <p:transition spd="med">
+        <p:fade/>
+      </p:transition>
+    </mc:Fallback>
+  </mc:AlternateContent>
 </p:sldLayout>
 </file>
 
-<file path=ppt/slideLayouts/slideLayout10.xml><?xml version="1.0" encoding="utf-8"?>
+<file path=ppt/slideLayouts/slideLayout11.xml><?xml version="1.0" encoding="utf-8"?>
 <p:sldLayout xmlns:a="http://schemas.openxmlformats.org/drawingml/2006/main" xmlns:r="http://schemas.openxmlformats.org/officeDocument/2006/relationships" xmlns:p="http://schemas.openxmlformats.org/presentationml/2006/main" type="vertTx" preserve="1">
   <p:cSld name="Title and Vertical Text">
     <p:spTree>
@@ -353,13 +781,7 @@
       </p:grpSpPr>
       <p:sp>
         <p:nvSpPr>
-          <p:cNvPr id="2" name="Title 1">
-            <a:extLst>
-              <a:ext uri="{FF2B5EF4-FFF2-40B4-BE49-F238E27FC236}">
-                <a16:creationId xmlns:a16="http://schemas.microsoft.com/office/drawing/2014/main" id="{1E640BA1-90AA-4421-ACC7-F30E6042ABA0}"/>
-              </a:ext>
-            </a:extLst>
-          </p:cNvPr>
+          <p:cNvPr id="2" name="Title 1"/>
           <p:cNvSpPr>
             <a:spLocks noGrp="1"/>
           </p:cNvSpPr>
@@ -376,19 +798,12 @@
               <a:rPr lang="en-US"/>
               <a:t>Click to edit Master title style</a:t>
             </a:r>
-            <a:endParaRPr lang="en-IN"/>
           </a:p>
         </p:txBody>
       </p:sp>
       <p:sp>
         <p:nvSpPr>
-          <p:cNvPr id="3" name="Vertical Text Placeholder 2">
-            <a:extLst>
-              <a:ext uri="{FF2B5EF4-FFF2-40B4-BE49-F238E27FC236}">
-                <a16:creationId xmlns:a16="http://schemas.microsoft.com/office/drawing/2014/main" id="{36CBE4E8-E511-458B-89BE-75743C1A2CDF}"/>
-              </a:ext>
-            </a:extLst>
-          </p:cNvPr>
+          <p:cNvPr id="3" name="Vertical Text Placeholder 2"/>
           <p:cNvSpPr>
             <a:spLocks noGrp="1"/>
           </p:cNvSpPr>
@@ -434,19 +849,12 @@
               <a:rPr lang="en-US"/>
               <a:t>Fifth level</a:t>
             </a:r>
-            <a:endParaRPr lang="en-IN"/>
           </a:p>
         </p:txBody>
       </p:sp>
       <p:sp>
         <p:nvSpPr>
-          <p:cNvPr id="4" name="Date Placeholder 3">
-            <a:extLst>
-              <a:ext uri="{FF2B5EF4-FFF2-40B4-BE49-F238E27FC236}">
-                <a16:creationId xmlns:a16="http://schemas.microsoft.com/office/drawing/2014/main" id="{45722191-FBBC-45CD-8601-9E81711575B6}"/>
-              </a:ext>
-            </a:extLst>
-          </p:cNvPr>
+          <p:cNvPr id="4" name="Date Placeholder 3"/>
           <p:cNvSpPr>
             <a:spLocks noGrp="1"/>
           </p:cNvSpPr>
@@ -469,13 +877,7 @@
       </p:sp>
       <p:sp>
         <p:nvSpPr>
-          <p:cNvPr id="5" name="Footer Placeholder 4">
-            <a:extLst>
-              <a:ext uri="{FF2B5EF4-FFF2-40B4-BE49-F238E27FC236}">
-                <a16:creationId xmlns:a16="http://schemas.microsoft.com/office/drawing/2014/main" id="{0822F304-27B4-4B67-A845-D2A222587020}"/>
-              </a:ext>
-            </a:extLst>
-          </p:cNvPr>
+          <p:cNvPr id="5" name="Footer Placeholder 4"/>
           <p:cNvSpPr>
             <a:spLocks noGrp="1"/>
           </p:cNvSpPr>
@@ -494,13 +896,7 @@
       </p:sp>
       <p:sp>
         <p:nvSpPr>
-          <p:cNvPr id="6" name="Slide Number Placeholder 5">
-            <a:extLst>
-              <a:ext uri="{FF2B5EF4-FFF2-40B4-BE49-F238E27FC236}">
-                <a16:creationId xmlns:a16="http://schemas.microsoft.com/office/drawing/2014/main" id="{E3426415-BDCA-4C1D-A296-4715BCE0C2C1}"/>
-              </a:ext>
-            </a:extLst>
-          </p:cNvPr>
+          <p:cNvPr id="6" name="Slide Number Placeholder 5"/>
           <p:cNvSpPr>
             <a:spLocks noGrp="1"/>
           </p:cNvSpPr>
@@ -524,17 +920,29 @@
     </p:spTree>
     <p:extLst>
       <p:ext uri="{BB962C8B-B14F-4D97-AF65-F5344CB8AC3E}">
-        <p14:creationId xmlns:p14="http://schemas.microsoft.com/office/powerpoint/2010/main" val="1059314009"/>
+        <p14:creationId xmlns:p14="http://schemas.microsoft.com/office/powerpoint/2010/main" val="2856662239"/>
       </p:ext>
     </p:extLst>
   </p:cSld>
   <p:clrMapOvr>
     <a:masterClrMapping/>
   </p:clrMapOvr>
+  <mc:AlternateContent xmlns:mc="http://schemas.openxmlformats.org/markup-compatibility/2006" xmlns:p14="http://schemas.microsoft.com/office/powerpoint/2010/main">
+    <mc:Choice Requires="p14">
+      <p:transition spd="med" p14:dur="700">
+        <p:fade/>
+      </p:transition>
+    </mc:Choice>
+    <mc:Fallback xmlns="">
+      <p:transition spd="med">
+        <p:fade/>
+      </p:transition>
+    </mc:Fallback>
+  </mc:AlternateContent>
 </p:sldLayout>
 </file>
 
-<file path=ppt/slideLayouts/slideLayout11.xml><?xml version="1.0" encoding="utf-8"?>
+<file path=ppt/slideLayouts/slideLayout12.xml><?xml version="1.0" encoding="utf-8"?>
 <p:sldLayout xmlns:a="http://schemas.openxmlformats.org/drawingml/2006/main" xmlns:r="http://schemas.openxmlformats.org/officeDocument/2006/relationships" xmlns:p="http://schemas.openxmlformats.org/presentationml/2006/main" type="vertTitleAndTx" preserve="1">
   <p:cSld name="Vertical Title and Text">
     <p:spTree>
@@ -553,13 +961,7 @@
       </p:grpSpPr>
       <p:sp>
         <p:nvSpPr>
-          <p:cNvPr id="2" name="Vertical Title 1">
-            <a:extLst>
-              <a:ext uri="{FF2B5EF4-FFF2-40B4-BE49-F238E27FC236}">
-                <a16:creationId xmlns:a16="http://schemas.microsoft.com/office/drawing/2014/main" id="{25363B4C-6515-48C3-9C68-5A728EABDED7}"/>
-              </a:ext>
-            </a:extLst>
-          </p:cNvPr>
+          <p:cNvPr id="2" name="Vertical Title 1"/>
           <p:cNvSpPr>
             <a:spLocks noGrp="1"/>
           </p:cNvSpPr>
@@ -581,19 +983,12 @@
               <a:rPr lang="en-US"/>
               <a:t>Click to edit Master title style</a:t>
             </a:r>
-            <a:endParaRPr lang="en-IN"/>
           </a:p>
         </p:txBody>
       </p:sp>
       <p:sp>
         <p:nvSpPr>
-          <p:cNvPr id="3" name="Vertical Text Placeholder 2">
-            <a:extLst>
-              <a:ext uri="{FF2B5EF4-FFF2-40B4-BE49-F238E27FC236}">
-                <a16:creationId xmlns:a16="http://schemas.microsoft.com/office/drawing/2014/main" id="{48CBBCC8-550F-4E2C-8D3C-0282C397D1B3}"/>
-              </a:ext>
-            </a:extLst>
-          </p:cNvPr>
+          <p:cNvPr id="3" name="Vertical Text Placeholder 2"/>
           <p:cNvSpPr>
             <a:spLocks noGrp="1"/>
           </p:cNvSpPr>
@@ -644,19 +1039,12 @@
               <a:rPr lang="en-US"/>
               <a:t>Fifth level</a:t>
             </a:r>
-            <a:endParaRPr lang="en-IN"/>
           </a:p>
         </p:txBody>
       </p:sp>
       <p:sp>
         <p:nvSpPr>
-          <p:cNvPr id="4" name="Date Placeholder 3">
-            <a:extLst>
-              <a:ext uri="{FF2B5EF4-FFF2-40B4-BE49-F238E27FC236}">
-                <a16:creationId xmlns:a16="http://schemas.microsoft.com/office/drawing/2014/main" id="{D840527B-07A3-43BF-9CB3-BFB93FBEA19D}"/>
-              </a:ext>
-            </a:extLst>
-          </p:cNvPr>
+          <p:cNvPr id="4" name="Date Placeholder 3"/>
           <p:cNvSpPr>
             <a:spLocks noGrp="1"/>
           </p:cNvSpPr>
@@ -679,13 +1067,7 @@
       </p:sp>
       <p:sp>
         <p:nvSpPr>
-          <p:cNvPr id="5" name="Footer Placeholder 4">
-            <a:extLst>
-              <a:ext uri="{FF2B5EF4-FFF2-40B4-BE49-F238E27FC236}">
-                <a16:creationId xmlns:a16="http://schemas.microsoft.com/office/drawing/2014/main" id="{6C77C0A7-209A-4F1F-9AE5-4D2E00E16B00}"/>
-              </a:ext>
-            </a:extLst>
-          </p:cNvPr>
+          <p:cNvPr id="5" name="Footer Placeholder 4"/>
           <p:cNvSpPr>
             <a:spLocks noGrp="1"/>
           </p:cNvSpPr>
@@ -704,13 +1086,7 @@
       </p:sp>
       <p:sp>
         <p:nvSpPr>
-          <p:cNvPr id="6" name="Slide Number Placeholder 5">
-            <a:extLst>
-              <a:ext uri="{FF2B5EF4-FFF2-40B4-BE49-F238E27FC236}">
-                <a16:creationId xmlns:a16="http://schemas.microsoft.com/office/drawing/2014/main" id="{5125FAFD-A350-44A7-AD9F-1B978AC1B375}"/>
-              </a:ext>
-            </a:extLst>
-          </p:cNvPr>
+          <p:cNvPr id="6" name="Slide Number Placeholder 5"/>
           <p:cNvSpPr>
             <a:spLocks noGrp="1"/>
           </p:cNvSpPr>
@@ -734,13 +1110,399 @@
     </p:spTree>
     <p:extLst>
       <p:ext uri="{BB962C8B-B14F-4D97-AF65-F5344CB8AC3E}">
-        <p14:creationId xmlns:p14="http://schemas.microsoft.com/office/powerpoint/2010/main" val="2080195371"/>
+        <p14:creationId xmlns:p14="http://schemas.microsoft.com/office/powerpoint/2010/main" val="1685594386"/>
       </p:ext>
     </p:extLst>
   </p:cSld>
   <p:clrMapOvr>
     <a:masterClrMapping/>
   </p:clrMapOvr>
+  <mc:AlternateContent xmlns:mc="http://schemas.openxmlformats.org/markup-compatibility/2006" xmlns:p14="http://schemas.microsoft.com/office/powerpoint/2010/main">
+    <mc:Choice Requires="p14">
+      <p:transition spd="med" p14:dur="700">
+        <p:fade/>
+      </p:transition>
+    </mc:Choice>
+    <mc:Fallback xmlns="">
+      <p:transition spd="med">
+        <p:fade/>
+      </p:transition>
+    </mc:Fallback>
+  </mc:AlternateContent>
+</p:sldLayout>
+</file>
+
+<file path=ppt/slideLayouts/slideLayout13.xml><?xml version="1.0" encoding="utf-8"?>
+<p:sldLayout xmlns:a="http://schemas.openxmlformats.org/drawingml/2006/main" xmlns:r="http://schemas.openxmlformats.org/officeDocument/2006/relationships" xmlns:p="http://schemas.openxmlformats.org/presentationml/2006/main">
+  <p:cSld name="2_Title and Content">
+    <p:spTree>
+      <p:nvGrpSpPr>
+        <p:cNvPr id="1" name=""/>
+        <p:cNvGrpSpPr/>
+        <p:nvPr/>
+      </p:nvGrpSpPr>
+      <p:grpSpPr>
+        <a:xfrm>
+          <a:off x="0" y="0"/>
+          <a:ext cx="0" cy="0"/>
+          <a:chOff x="0" y="0"/>
+          <a:chExt cx="0" cy="0"/>
+        </a:xfrm>
+      </p:grpSpPr>
+      <p:sp>
+        <p:nvSpPr>
+          <p:cNvPr id="3" name="Content Placeholder 2"/>
+          <p:cNvSpPr>
+            <a:spLocks noGrp="1"/>
+          </p:cNvSpPr>
+          <p:nvPr>
+            <p:ph idx="1"/>
+          </p:nvPr>
+        </p:nvSpPr>
+        <p:spPr>
+          <a:xfrm>
+            <a:off x="609601" y="1295401"/>
+            <a:ext cx="11264900" cy="5022623"/>
+          </a:xfrm>
+          <a:prstGeom prst="rect">
+            <a:avLst/>
+          </a:prstGeom>
+        </p:spPr>
+        <p:txBody>
+          <a:bodyPr>
+            <a:normAutofit/>
+          </a:bodyPr>
+          <a:lstStyle>
+            <a:lvl1pPr>
+              <a:defRPr sz="2400">
+                <a:solidFill>
+                  <a:schemeClr val="tx1">
+                    <a:lumMod val="65000"/>
+                    <a:lumOff val="35000"/>
+                  </a:schemeClr>
+                </a:solidFill>
+                <a:latin typeface="Segoe UI" panose="020B0502040204020203" pitchFamily="34" charset="0"/>
+                <a:ea typeface="Segoe UI" panose="020B0502040204020203" pitchFamily="34" charset="0"/>
+                <a:cs typeface="Segoe UI" panose="020B0502040204020203" pitchFamily="34" charset="0"/>
+              </a:defRPr>
+            </a:lvl1pPr>
+            <a:lvl2pPr>
+              <a:defRPr sz="2000">
+                <a:solidFill>
+                  <a:schemeClr val="tx1">
+                    <a:lumMod val="65000"/>
+                    <a:lumOff val="35000"/>
+                  </a:schemeClr>
+                </a:solidFill>
+                <a:latin typeface="Segoe UI" panose="020B0502040204020203" pitchFamily="34" charset="0"/>
+                <a:ea typeface="Segoe UI" panose="020B0502040204020203" pitchFamily="34" charset="0"/>
+                <a:cs typeface="Segoe UI" panose="020B0502040204020203" pitchFamily="34" charset="0"/>
+              </a:defRPr>
+            </a:lvl2pPr>
+            <a:lvl3pPr>
+              <a:defRPr sz="1800">
+                <a:solidFill>
+                  <a:schemeClr val="tx1">
+                    <a:lumMod val="65000"/>
+                    <a:lumOff val="35000"/>
+                  </a:schemeClr>
+                </a:solidFill>
+                <a:latin typeface="Segoe UI" panose="020B0502040204020203" pitchFamily="34" charset="0"/>
+                <a:ea typeface="Segoe UI" panose="020B0502040204020203" pitchFamily="34" charset="0"/>
+                <a:cs typeface="Segoe UI" panose="020B0502040204020203" pitchFamily="34" charset="0"/>
+              </a:defRPr>
+            </a:lvl3pPr>
+            <a:lvl4pPr>
+              <a:defRPr sz="1600">
+                <a:solidFill>
+                  <a:schemeClr val="tx1">
+                    <a:lumMod val="65000"/>
+                    <a:lumOff val="35000"/>
+                  </a:schemeClr>
+                </a:solidFill>
+                <a:latin typeface="Segoe UI" panose="020B0502040204020203" pitchFamily="34" charset="0"/>
+                <a:ea typeface="Segoe UI" panose="020B0502040204020203" pitchFamily="34" charset="0"/>
+                <a:cs typeface="Segoe UI" panose="020B0502040204020203" pitchFamily="34" charset="0"/>
+              </a:defRPr>
+            </a:lvl4pPr>
+            <a:lvl5pPr>
+              <a:defRPr sz="1600">
+                <a:solidFill>
+                  <a:schemeClr val="tx1">
+                    <a:lumMod val="65000"/>
+                    <a:lumOff val="35000"/>
+                  </a:schemeClr>
+                </a:solidFill>
+                <a:latin typeface="Segoe UI" panose="020B0502040204020203" pitchFamily="34" charset="0"/>
+                <a:ea typeface="Segoe UI" panose="020B0502040204020203" pitchFamily="34" charset="0"/>
+                <a:cs typeface="Segoe UI" panose="020B0502040204020203" pitchFamily="34" charset="0"/>
+              </a:defRPr>
+            </a:lvl5pPr>
+          </a:lstStyle>
+          <a:p>
+            <a:pPr lvl="0"/>
+            <a:r>
+              <a:rPr lang="en-US"/>
+              <a:t>Edit Master text styles</a:t>
+            </a:r>
+          </a:p>
+          <a:p>
+            <a:pPr lvl="1"/>
+            <a:r>
+              <a:rPr lang="en-US"/>
+              <a:t>Second level</a:t>
+            </a:r>
+          </a:p>
+          <a:p>
+            <a:pPr lvl="2"/>
+            <a:r>
+              <a:rPr lang="en-US"/>
+              <a:t>Third level</a:t>
+            </a:r>
+          </a:p>
+          <a:p>
+            <a:pPr lvl="3"/>
+            <a:r>
+              <a:rPr lang="en-US"/>
+              <a:t>Fourth level</a:t>
+            </a:r>
+          </a:p>
+          <a:p>
+            <a:pPr lvl="4"/>
+            <a:r>
+              <a:rPr lang="en-US"/>
+              <a:t>Fifth level</a:t>
+            </a:r>
+            <a:endParaRPr lang="en-US" dirty="0"/>
+          </a:p>
+        </p:txBody>
+      </p:sp>
+      <p:pic>
+        <p:nvPicPr>
+          <p:cNvPr id="16" name="Picture 15"/>
+          <p:cNvPicPr>
+            <a:picLocks noChangeAspect="1"/>
+          </p:cNvPicPr>
+          <p:nvPr/>
+        </p:nvPicPr>
+        <p:blipFill>
+          <a:blip r:embed="rId2" cstate="print">
+            <a:extLst>
+              <a:ext uri="{28A0092B-C50C-407E-A947-70E740481C1C}">
+                <a14:useLocalDpi xmlns:a14="http://schemas.microsoft.com/office/drawing/2010/main" val="0"/>
+              </a:ext>
+            </a:extLst>
+          </a:blip>
+          <a:stretch>
+            <a:fillRect/>
+          </a:stretch>
+        </p:blipFill>
+        <p:spPr>
+          <a:xfrm>
+            <a:off x="9448352" y="584200"/>
+            <a:ext cx="2642049" cy="510069"/>
+          </a:xfrm>
+          <a:prstGeom prst="rect">
+            <a:avLst/>
+          </a:prstGeom>
+        </p:spPr>
+      </p:pic>
+      <p:cxnSp>
+        <p:nvCxnSpPr>
+          <p:cNvPr id="17" name="Straight Connector 16"/>
+          <p:cNvCxnSpPr/>
+          <p:nvPr/>
+        </p:nvCxnSpPr>
+        <p:spPr>
+          <a:xfrm>
+            <a:off x="0" y="990600"/>
+            <a:ext cx="9245600" cy="0"/>
+          </a:xfrm>
+          <a:prstGeom prst="line">
+            <a:avLst/>
+          </a:prstGeom>
+          <a:ln>
+            <a:solidFill>
+              <a:srgbClr val="00B0F0"/>
+            </a:solidFill>
+          </a:ln>
+        </p:spPr>
+        <p:style>
+          <a:lnRef idx="1">
+            <a:schemeClr val="accent1"/>
+          </a:lnRef>
+          <a:fillRef idx="0">
+            <a:schemeClr val="accent1"/>
+          </a:fillRef>
+          <a:effectRef idx="0">
+            <a:schemeClr val="accent1"/>
+          </a:effectRef>
+          <a:fontRef idx="minor">
+            <a:schemeClr val="tx1"/>
+          </a:fontRef>
+        </p:style>
+      </p:cxnSp>
+      <p:pic>
+        <p:nvPicPr>
+          <p:cNvPr id="19" name="Picture 18"/>
+          <p:cNvPicPr>
+            <a:picLocks noChangeAspect="1"/>
+          </p:cNvPicPr>
+          <p:nvPr/>
+        </p:nvPicPr>
+        <p:blipFill>
+          <a:blip r:embed="rId3" cstate="print">
+            <a:extLst>
+              <a:ext uri="{28A0092B-C50C-407E-A947-70E740481C1C}">
+                <a14:useLocalDpi xmlns:a14="http://schemas.microsoft.com/office/drawing/2010/main" val="0"/>
+              </a:ext>
+            </a:extLst>
+          </a:blip>
+          <a:stretch>
+            <a:fillRect/>
+          </a:stretch>
+        </p:blipFill>
+        <p:spPr>
+          <a:xfrm>
+            <a:off x="10566400" y="6221282"/>
+            <a:ext cx="1524000" cy="357319"/>
+          </a:xfrm>
+          <a:prstGeom prst="rect">
+            <a:avLst/>
+          </a:prstGeom>
+        </p:spPr>
+      </p:pic>
+      <p:grpSp>
+        <p:nvGrpSpPr>
+          <p:cNvPr id="22" name="Group 21"/>
+          <p:cNvGrpSpPr/>
+          <p:nvPr/>
+        </p:nvGrpSpPr>
+        <p:grpSpPr>
+          <a:xfrm flipH="1">
+            <a:off x="0" y="6445079"/>
+            <a:ext cx="12192000" cy="406400"/>
+            <a:chOff x="0" y="4833809"/>
+            <a:chExt cx="9144000" cy="304800"/>
+          </a:xfrm>
+        </p:grpSpPr>
+        <p:sp>
+          <p:nvSpPr>
+            <p:cNvPr id="20" name="Rectangle 19"/>
+            <p:cNvSpPr/>
+            <p:nvPr/>
+          </p:nvSpPr>
+          <p:spPr>
+            <a:xfrm>
+              <a:off x="0" y="4986209"/>
+              <a:ext cx="6477000" cy="152400"/>
+            </a:xfrm>
+            <a:prstGeom prst="rect">
+              <a:avLst/>
+            </a:prstGeom>
+            <a:solidFill>
+              <a:schemeClr val="bg1">
+                <a:lumMod val="85000"/>
+              </a:schemeClr>
+            </a:solidFill>
+            <a:ln>
+              <a:noFill/>
+            </a:ln>
+          </p:spPr>
+          <p:style>
+            <a:lnRef idx="2">
+              <a:schemeClr val="accent1">
+                <a:shade val="50000"/>
+              </a:schemeClr>
+            </a:lnRef>
+            <a:fillRef idx="1">
+              <a:schemeClr val="accent1"/>
+            </a:fillRef>
+            <a:effectRef idx="0">
+              <a:schemeClr val="accent1"/>
+            </a:effectRef>
+            <a:fontRef idx="minor">
+              <a:schemeClr val="lt1"/>
+            </a:fontRef>
+          </p:style>
+          <p:txBody>
+            <a:bodyPr rtlCol="0" anchor="ctr"/>
+            <a:lstStyle/>
+            <a:p>
+              <a:pPr algn="ctr"/>
+              <a:endParaRPr lang="en-US" sz="2400"/>
+            </a:p>
+          </p:txBody>
+        </p:sp>
+        <p:sp>
+          <p:nvSpPr>
+            <p:cNvPr id="21" name="Rectangle 20"/>
+            <p:cNvSpPr/>
+            <p:nvPr/>
+          </p:nvSpPr>
+          <p:spPr>
+            <a:xfrm>
+              <a:off x="4876800" y="4833809"/>
+              <a:ext cx="4267200" cy="304800"/>
+            </a:xfrm>
+            <a:prstGeom prst="rect">
+              <a:avLst/>
+            </a:prstGeom>
+            <a:solidFill>
+              <a:srgbClr val="00B0F0"/>
+            </a:solidFill>
+            <a:ln>
+              <a:noFill/>
+            </a:ln>
+          </p:spPr>
+          <p:style>
+            <a:lnRef idx="2">
+              <a:schemeClr val="accent1">
+                <a:shade val="50000"/>
+              </a:schemeClr>
+            </a:lnRef>
+            <a:fillRef idx="1">
+              <a:schemeClr val="accent1"/>
+            </a:fillRef>
+            <a:effectRef idx="0">
+              <a:schemeClr val="accent1"/>
+            </a:effectRef>
+            <a:fontRef idx="minor">
+              <a:schemeClr val="lt1"/>
+            </a:fontRef>
+          </p:style>
+          <p:txBody>
+            <a:bodyPr rtlCol="0" anchor="ctr"/>
+            <a:lstStyle/>
+            <a:p>
+              <a:pPr algn="ctr"/>
+              <a:endParaRPr lang="en-US" sz="2400" dirty="0"/>
+            </a:p>
+          </p:txBody>
+        </p:sp>
+      </p:grpSp>
+    </p:spTree>
+    <p:extLst>
+      <p:ext uri="{BB962C8B-B14F-4D97-AF65-F5344CB8AC3E}">
+        <p14:creationId xmlns:p14="http://schemas.microsoft.com/office/powerpoint/2010/main" val="3287278479"/>
+      </p:ext>
+    </p:extLst>
+  </p:cSld>
+  <p:clrMapOvr>
+    <a:masterClrMapping/>
+  </p:clrMapOvr>
+  <mc:AlternateContent xmlns:mc="http://schemas.openxmlformats.org/markup-compatibility/2006" xmlns:p14="http://schemas.microsoft.com/office/powerpoint/2010/main">
+    <mc:Choice Requires="p14">
+      <p:transition spd="med" p14:dur="700">
+        <p:fade/>
+      </p:transition>
+    </mc:Choice>
+    <mc:Fallback xmlns="">
+      <p:transition spd="med">
+        <p:fade/>
+      </p:transition>
+    </mc:Fallback>
+  </mc:AlternateContent>
 </p:sldLayout>
 </file>
 
@@ -763,13 +1525,7 @@
       </p:grpSpPr>
       <p:sp>
         <p:nvSpPr>
-          <p:cNvPr id="2" name="Title 1">
-            <a:extLst>
-              <a:ext uri="{FF2B5EF4-FFF2-40B4-BE49-F238E27FC236}">
-                <a16:creationId xmlns:a16="http://schemas.microsoft.com/office/drawing/2014/main" id="{784C6312-B36B-4653-B991-FD9E86CDA118}"/>
-              </a:ext>
-            </a:extLst>
-          </p:cNvPr>
+          <p:cNvPr id="2" name="Title 1"/>
           <p:cNvSpPr>
             <a:spLocks noGrp="1"/>
           </p:cNvSpPr>
@@ -777,28 +1533,39 @@
             <p:ph type="title"/>
           </p:nvPr>
         </p:nvSpPr>
-        <p:spPr/>
+        <p:spPr>
+          <a:xfrm>
+            <a:off x="395785" y="365125"/>
+            <a:ext cx="11382233" cy="767639"/>
+          </a:xfrm>
+        </p:spPr>
         <p:txBody>
-          <a:bodyPr/>
-          <a:lstStyle/>
+          <a:bodyPr>
+            <a:normAutofit/>
+          </a:bodyPr>
+          <a:lstStyle>
+            <a:lvl1pPr>
+              <a:defRPr sz="2400">
+                <a:solidFill>
+                  <a:srgbClr val="0070C0"/>
+                </a:solidFill>
+                <a:latin typeface="Segoe UI Semibold" panose="020B0702040204020203" pitchFamily="34" charset="0"/>
+                <a:ea typeface="Segoe UI" panose="020B0502040204020203" pitchFamily="34" charset="0"/>
+                <a:cs typeface="Segoe UI" panose="020B0502040204020203" pitchFamily="34" charset="0"/>
+              </a:defRPr>
+            </a:lvl1pPr>
+          </a:lstStyle>
           <a:p>
             <a:r>
               <a:rPr lang="en-US"/>
               <a:t>Click to edit Master title style</a:t>
             </a:r>
-            <a:endParaRPr lang="en-IN"/>
           </a:p>
         </p:txBody>
       </p:sp>
       <p:sp>
         <p:nvSpPr>
-          <p:cNvPr id="3" name="Content Placeholder 2">
-            <a:extLst>
-              <a:ext uri="{FF2B5EF4-FFF2-40B4-BE49-F238E27FC236}">
-                <a16:creationId xmlns:a16="http://schemas.microsoft.com/office/drawing/2014/main" id="{B68DFD8A-8700-4FAA-8619-BE2C438C480F}"/>
-              </a:ext>
-            </a:extLst>
-          </p:cNvPr>
+          <p:cNvPr id="3" name="Content Placeholder 2"/>
           <p:cNvSpPr>
             <a:spLocks noGrp="1"/>
           </p:cNvSpPr>
@@ -806,10 +1573,83 @@
             <p:ph idx="1"/>
           </p:nvPr>
         </p:nvSpPr>
-        <p:spPr/>
+        <p:spPr>
+          <a:xfrm>
+            <a:off x="395785" y="1443897"/>
+            <a:ext cx="11382233" cy="5045554"/>
+          </a:xfrm>
+        </p:spPr>
         <p:txBody>
-          <a:bodyPr/>
-          <a:lstStyle/>
+          <a:bodyPr>
+            <a:normAutofit/>
+          </a:bodyPr>
+          <a:lstStyle>
+            <a:lvl1pPr>
+              <a:defRPr sz="2400">
+                <a:solidFill>
+                  <a:schemeClr val="tx1">
+                    <a:lumMod val="75000"/>
+                    <a:lumOff val="25000"/>
+                  </a:schemeClr>
+                </a:solidFill>
+                <a:latin typeface="Segoe UI" panose="020B0502040204020203" pitchFamily="34" charset="0"/>
+                <a:ea typeface="Segoe UI" panose="020B0502040204020203" pitchFamily="34" charset="0"/>
+                <a:cs typeface="Segoe UI" panose="020B0502040204020203" pitchFamily="34" charset="0"/>
+              </a:defRPr>
+            </a:lvl1pPr>
+            <a:lvl2pPr>
+              <a:defRPr sz="2000">
+                <a:solidFill>
+                  <a:schemeClr val="tx1">
+                    <a:lumMod val="75000"/>
+                    <a:lumOff val="25000"/>
+                  </a:schemeClr>
+                </a:solidFill>
+                <a:latin typeface="Segoe UI" panose="020B0502040204020203" pitchFamily="34" charset="0"/>
+                <a:ea typeface="Segoe UI" panose="020B0502040204020203" pitchFamily="34" charset="0"/>
+                <a:cs typeface="Segoe UI" panose="020B0502040204020203" pitchFamily="34" charset="0"/>
+              </a:defRPr>
+            </a:lvl2pPr>
+            <a:lvl3pPr>
+              <a:defRPr sz="1800">
+                <a:solidFill>
+                  <a:schemeClr val="tx1">
+                    <a:lumMod val="75000"/>
+                    <a:lumOff val="25000"/>
+                  </a:schemeClr>
+                </a:solidFill>
+                <a:latin typeface="Segoe UI" panose="020B0502040204020203" pitchFamily="34" charset="0"/>
+                <a:ea typeface="Segoe UI" panose="020B0502040204020203" pitchFamily="34" charset="0"/>
+                <a:cs typeface="Segoe UI" panose="020B0502040204020203" pitchFamily="34" charset="0"/>
+              </a:defRPr>
+            </a:lvl3pPr>
+            <a:lvl4pPr>
+              <a:defRPr sz="1600">
+                <a:solidFill>
+                  <a:schemeClr val="tx1">
+                    <a:lumMod val="75000"/>
+                    <a:lumOff val="25000"/>
+                  </a:schemeClr>
+                </a:solidFill>
+                <a:latin typeface="Segoe UI" panose="020B0502040204020203" pitchFamily="34" charset="0"/>
+                <a:ea typeface="Segoe UI" panose="020B0502040204020203" pitchFamily="34" charset="0"/>
+                <a:cs typeface="Segoe UI" panose="020B0502040204020203" pitchFamily="34" charset="0"/>
+              </a:defRPr>
+            </a:lvl4pPr>
+            <a:lvl5pPr>
+              <a:defRPr sz="1600">
+                <a:solidFill>
+                  <a:schemeClr val="tx1">
+                    <a:lumMod val="75000"/>
+                    <a:lumOff val="25000"/>
+                  </a:schemeClr>
+                </a:solidFill>
+                <a:latin typeface="Segoe UI" panose="020B0502040204020203" pitchFamily="34" charset="0"/>
+                <a:ea typeface="Segoe UI" panose="020B0502040204020203" pitchFamily="34" charset="0"/>
+                <a:cs typeface="Segoe UI" panose="020B0502040204020203" pitchFamily="34" charset="0"/>
+              </a:defRPr>
+            </a:lvl5pPr>
+          </a:lstStyle>
           <a:p>
             <a:pPr lvl="0"/>
             <a:r>
@@ -844,19 +1684,12 @@
               <a:rPr lang="en-US"/>
               <a:t>Fifth level</a:t>
             </a:r>
-            <a:endParaRPr lang="en-IN"/>
           </a:p>
         </p:txBody>
       </p:sp>
       <p:sp>
         <p:nvSpPr>
-          <p:cNvPr id="4" name="Date Placeholder 3">
-            <a:extLst>
-              <a:ext uri="{FF2B5EF4-FFF2-40B4-BE49-F238E27FC236}">
-                <a16:creationId xmlns:a16="http://schemas.microsoft.com/office/drawing/2014/main" id="{DA9E89E0-4CCB-4289-8347-28DAE446778C}"/>
-              </a:ext>
-            </a:extLst>
-          </p:cNvPr>
+          <p:cNvPr id="4" name="Date Placeholder 3"/>
           <p:cNvSpPr>
             <a:spLocks noGrp="1"/>
           </p:cNvSpPr>
@@ -879,13 +1712,7 @@
       </p:sp>
       <p:sp>
         <p:nvSpPr>
-          <p:cNvPr id="5" name="Footer Placeholder 4">
-            <a:extLst>
-              <a:ext uri="{FF2B5EF4-FFF2-40B4-BE49-F238E27FC236}">
-                <a16:creationId xmlns:a16="http://schemas.microsoft.com/office/drawing/2014/main" id="{E64A3C7C-7DE4-4B62-BF3C-D6D891CBDDDF}"/>
-              </a:ext>
-            </a:extLst>
-          </p:cNvPr>
+          <p:cNvPr id="5" name="Footer Placeholder 4"/>
           <p:cNvSpPr>
             <a:spLocks noGrp="1"/>
           </p:cNvSpPr>
@@ -904,13 +1731,1247 @@
       </p:sp>
       <p:sp>
         <p:nvSpPr>
-          <p:cNvPr id="6" name="Slide Number Placeholder 5">
+          <p:cNvPr id="7" name="Rectangle 6"/>
+          <p:cNvSpPr/>
+          <p:nvPr/>
+        </p:nvSpPr>
+        <p:spPr>
+          <a:xfrm>
+            <a:off x="245660" y="218364"/>
+            <a:ext cx="11737074" cy="6414448"/>
+          </a:xfrm>
+          <a:prstGeom prst="rect">
+            <a:avLst/>
+          </a:prstGeom>
+          <a:noFill/>
+          <a:ln>
+            <a:solidFill>
+              <a:schemeClr val="bg1">
+                <a:lumMod val="85000"/>
+              </a:schemeClr>
+            </a:solidFill>
+          </a:ln>
+        </p:spPr>
+        <p:style>
+          <a:lnRef idx="2">
+            <a:schemeClr val="accent1">
+              <a:shade val="50000"/>
+            </a:schemeClr>
+          </a:lnRef>
+          <a:fillRef idx="1">
+            <a:schemeClr val="accent1"/>
+          </a:fillRef>
+          <a:effectRef idx="0">
+            <a:schemeClr val="accent1"/>
+          </a:effectRef>
+          <a:fontRef idx="minor">
+            <a:schemeClr val="lt1"/>
+          </a:fontRef>
+        </p:style>
+        <p:txBody>
+          <a:bodyPr rtlCol="0" anchor="ctr"/>
+          <a:lstStyle/>
+          <a:p>
+            <a:pPr algn="ctr"/>
+            <a:endParaRPr lang="en-US"/>
+          </a:p>
+        </p:txBody>
+      </p:sp>
+      <p:sp>
+        <p:nvSpPr>
+          <p:cNvPr id="8" name="Rectangle 7"/>
+          <p:cNvSpPr/>
+          <p:nvPr/>
+        </p:nvSpPr>
+        <p:spPr>
+          <a:xfrm>
+            <a:off x="8965566" y="6226649"/>
+            <a:ext cx="3030816" cy="423081"/>
+          </a:xfrm>
+          <a:prstGeom prst="rect">
+            <a:avLst/>
+          </a:prstGeom>
+          <a:ln>
+            <a:noFill/>
+          </a:ln>
+        </p:spPr>
+        <p:style>
+          <a:lnRef idx="2">
+            <a:schemeClr val="accent1">
+              <a:shade val="50000"/>
+            </a:schemeClr>
+          </a:lnRef>
+          <a:fillRef idx="1">
+            <a:schemeClr val="accent1"/>
+          </a:fillRef>
+          <a:effectRef idx="0">
+            <a:schemeClr val="accent1"/>
+          </a:effectRef>
+          <a:fontRef idx="minor">
+            <a:schemeClr val="lt1"/>
+          </a:fontRef>
+        </p:style>
+        <p:txBody>
+          <a:bodyPr rtlCol="0" anchor="ctr"/>
+          <a:lstStyle/>
+          <a:p>
+            <a:pPr algn="ctr"/>
+            <a:endParaRPr lang="en-US"/>
+          </a:p>
+        </p:txBody>
+      </p:sp>
+      <p:sp>
+        <p:nvSpPr>
+          <p:cNvPr id="9" name="Rectangle 8"/>
+          <p:cNvSpPr/>
+          <p:nvPr/>
+        </p:nvSpPr>
+        <p:spPr>
+          <a:xfrm>
+            <a:off x="8726100" y="6226115"/>
+            <a:ext cx="143808" cy="423081"/>
+          </a:xfrm>
+          <a:prstGeom prst="rect">
+            <a:avLst/>
+          </a:prstGeom>
+          <a:solidFill>
+            <a:srgbClr val="B2B2B2"/>
+          </a:solidFill>
+          <a:ln>
+            <a:noFill/>
+          </a:ln>
+        </p:spPr>
+        <p:style>
+          <a:lnRef idx="2">
+            <a:schemeClr val="accent1">
+              <a:shade val="50000"/>
+            </a:schemeClr>
+          </a:lnRef>
+          <a:fillRef idx="1">
+            <a:schemeClr val="accent1"/>
+          </a:fillRef>
+          <a:effectRef idx="0">
+            <a:schemeClr val="accent1"/>
+          </a:effectRef>
+          <a:fontRef idx="minor">
+            <a:schemeClr val="lt1"/>
+          </a:fontRef>
+        </p:style>
+        <p:txBody>
+          <a:bodyPr rtlCol="0" anchor="ctr"/>
+          <a:lstStyle/>
+          <a:p>
+            <a:pPr algn="ctr"/>
+            <a:endParaRPr lang="en-US"/>
+          </a:p>
+        </p:txBody>
+      </p:sp>
+      <p:cxnSp>
+        <p:nvCxnSpPr>
+          <p:cNvPr id="11" name="Straight Connector 10"/>
+          <p:cNvCxnSpPr/>
+          <p:nvPr/>
+        </p:nvCxnSpPr>
+        <p:spPr>
+          <a:xfrm>
+            <a:off x="245660" y="1279525"/>
+            <a:ext cx="5036024" cy="0"/>
+          </a:xfrm>
+          <a:prstGeom prst="line">
+            <a:avLst/>
+          </a:prstGeom>
+          <a:ln>
+            <a:solidFill>
+              <a:schemeClr val="bg1">
+                <a:lumMod val="75000"/>
+              </a:schemeClr>
+            </a:solidFill>
+          </a:ln>
+        </p:spPr>
+        <p:style>
+          <a:lnRef idx="1">
+            <a:schemeClr val="accent1"/>
+          </a:lnRef>
+          <a:fillRef idx="0">
+            <a:schemeClr val="accent1"/>
+          </a:fillRef>
+          <a:effectRef idx="0">
+            <a:schemeClr val="accent1"/>
+          </a:effectRef>
+          <a:fontRef idx="minor">
+            <a:schemeClr val="tx1"/>
+          </a:fontRef>
+        </p:style>
+      </p:cxnSp>
+      <p:sp>
+        <p:nvSpPr>
+          <p:cNvPr id="12" name="Rectangle 11"/>
+          <p:cNvSpPr/>
+          <p:nvPr/>
+        </p:nvSpPr>
+        <p:spPr>
+          <a:xfrm>
+            <a:off x="5281684" y="1215190"/>
+            <a:ext cx="124326" cy="124326"/>
+          </a:xfrm>
+          <a:prstGeom prst="rect">
+            <a:avLst/>
+          </a:prstGeom>
+          <a:ln>
+            <a:noFill/>
+          </a:ln>
+        </p:spPr>
+        <p:style>
+          <a:lnRef idx="2">
+            <a:schemeClr val="accent1">
+              <a:shade val="50000"/>
+            </a:schemeClr>
+          </a:lnRef>
+          <a:fillRef idx="1">
+            <a:schemeClr val="accent1"/>
+          </a:fillRef>
+          <a:effectRef idx="0">
+            <a:schemeClr val="accent1"/>
+          </a:effectRef>
+          <a:fontRef idx="minor">
+            <a:schemeClr val="lt1"/>
+          </a:fontRef>
+        </p:style>
+        <p:txBody>
+          <a:bodyPr rtlCol="0" anchor="ctr"/>
+          <a:lstStyle/>
+          <a:p>
+            <a:pPr algn="ctr"/>
+            <a:endParaRPr lang="en-US"/>
+          </a:p>
+        </p:txBody>
+      </p:sp>
+      <p:grpSp>
+        <p:nvGrpSpPr>
+          <p:cNvPr id="13" name="Group 12"/>
+          <p:cNvGrpSpPr/>
+          <p:nvPr/>
+        </p:nvGrpSpPr>
+        <p:grpSpPr>
+          <a:xfrm>
+            <a:off x="6827001" y="313900"/>
+            <a:ext cx="5073845" cy="2478445"/>
+            <a:chOff x="6635933" y="200380"/>
+            <a:chExt cx="5073845" cy="2478445"/>
+          </a:xfrm>
+        </p:grpSpPr>
+        <p:sp>
+          <p:nvSpPr>
+            <p:cNvPr id="14" name="Rectangle: Rounded Corners 13"/>
+            <p:cNvSpPr/>
+            <p:nvPr/>
+          </p:nvSpPr>
+          <p:spPr>
+            <a:xfrm>
+              <a:off x="7305607" y="200380"/>
+              <a:ext cx="796212" cy="771330"/>
+            </a:xfrm>
+            <a:prstGeom prst="roundRect">
+              <a:avLst>
+                <a:gd name="adj" fmla="val 3764"/>
+              </a:avLst>
+            </a:prstGeom>
+            <a:solidFill>
+              <a:srgbClr val="B2B2B2">
+                <a:alpha val="16078"/>
+              </a:srgbClr>
+            </a:solidFill>
+            <a:ln>
+              <a:noFill/>
+            </a:ln>
+          </p:spPr>
+          <p:style>
+            <a:lnRef idx="2">
+              <a:schemeClr val="accent1">
+                <a:shade val="50000"/>
+              </a:schemeClr>
+            </a:lnRef>
+            <a:fillRef idx="1">
+              <a:schemeClr val="accent1"/>
+            </a:fillRef>
+            <a:effectRef idx="0">
+              <a:schemeClr val="accent1"/>
+            </a:effectRef>
+            <a:fontRef idx="minor">
+              <a:schemeClr val="lt1"/>
+            </a:fontRef>
+          </p:style>
+          <p:txBody>
+            <a:bodyPr rtlCol="0" anchor="ctr"/>
+            <a:lstStyle/>
+            <a:p>
+              <a:pPr algn="ctr"/>
+              <a:endParaRPr lang="en-US"/>
+            </a:p>
+          </p:txBody>
+        </p:sp>
+        <p:sp>
+          <p:nvSpPr>
+            <p:cNvPr id="15" name="Rectangle: Rounded Corners 14"/>
+            <p:cNvSpPr/>
+            <p:nvPr/>
+          </p:nvSpPr>
+          <p:spPr>
+            <a:xfrm>
+              <a:off x="8804725" y="458140"/>
+              <a:ext cx="796212" cy="771330"/>
+            </a:xfrm>
+            <a:prstGeom prst="roundRect">
+              <a:avLst>
+                <a:gd name="adj" fmla="val 3764"/>
+              </a:avLst>
+            </a:prstGeom>
+            <a:solidFill>
+              <a:srgbClr val="B2B2B2">
+                <a:alpha val="36078"/>
+              </a:srgbClr>
+            </a:solidFill>
+            <a:ln>
+              <a:noFill/>
+            </a:ln>
+          </p:spPr>
+          <p:style>
+            <a:lnRef idx="2">
+              <a:schemeClr val="accent1">
+                <a:shade val="50000"/>
+              </a:schemeClr>
+            </a:lnRef>
+            <a:fillRef idx="1">
+              <a:schemeClr val="accent1"/>
+            </a:fillRef>
+            <a:effectRef idx="0">
+              <a:schemeClr val="accent1"/>
+            </a:effectRef>
+            <a:fontRef idx="minor">
+              <a:schemeClr val="lt1"/>
+            </a:fontRef>
+          </p:style>
+          <p:txBody>
+            <a:bodyPr rtlCol="0" anchor="ctr"/>
+            <a:lstStyle/>
+            <a:p>
+              <a:pPr algn="ctr"/>
+              <a:endParaRPr lang="en-US"/>
+            </a:p>
+          </p:txBody>
+        </p:sp>
+        <p:sp>
+          <p:nvSpPr>
+            <p:cNvPr id="16" name="Rectangle: Rounded Corners 15"/>
+            <p:cNvSpPr/>
+            <p:nvPr/>
+          </p:nvSpPr>
+          <p:spPr>
+            <a:xfrm>
+              <a:off x="8462603" y="1907495"/>
+              <a:ext cx="796212" cy="771330"/>
+            </a:xfrm>
+            <a:prstGeom prst="roundRect">
+              <a:avLst>
+                <a:gd name="adj" fmla="val 3764"/>
+              </a:avLst>
+            </a:prstGeom>
+            <a:solidFill>
+              <a:srgbClr val="B2B2B2">
+                <a:alpha val="35686"/>
+              </a:srgbClr>
+            </a:solidFill>
+            <a:ln>
+              <a:noFill/>
+            </a:ln>
+          </p:spPr>
+          <p:style>
+            <a:lnRef idx="2">
+              <a:schemeClr val="accent1">
+                <a:shade val="50000"/>
+              </a:schemeClr>
+            </a:lnRef>
+            <a:fillRef idx="1">
+              <a:schemeClr val="accent1"/>
+            </a:fillRef>
+            <a:effectRef idx="0">
+              <a:schemeClr val="accent1"/>
+            </a:effectRef>
+            <a:fontRef idx="minor">
+              <a:schemeClr val="lt1"/>
+            </a:fontRef>
+          </p:style>
+          <p:txBody>
+            <a:bodyPr rtlCol="0" anchor="ctr"/>
+            <a:lstStyle/>
+            <a:p>
+              <a:pPr algn="ctr"/>
+              <a:endParaRPr lang="en-US"/>
+            </a:p>
+          </p:txBody>
+        </p:sp>
+        <p:sp>
+          <p:nvSpPr>
+            <p:cNvPr id="17" name="Rectangle: Rounded Corners 16"/>
+            <p:cNvSpPr/>
+            <p:nvPr/>
+          </p:nvSpPr>
+          <p:spPr>
+            <a:xfrm>
+              <a:off x="9146848" y="1282506"/>
+              <a:ext cx="796212" cy="771330"/>
+            </a:xfrm>
+            <a:prstGeom prst="roundRect">
+              <a:avLst>
+                <a:gd name="adj" fmla="val 3764"/>
+              </a:avLst>
+            </a:prstGeom>
+            <a:solidFill>
+              <a:srgbClr val="B2B2B2">
+                <a:alpha val="36078"/>
+              </a:srgbClr>
+            </a:solidFill>
+            <a:ln>
+              <a:noFill/>
+            </a:ln>
+          </p:spPr>
+          <p:style>
+            <a:lnRef idx="2">
+              <a:schemeClr val="accent1">
+                <a:shade val="50000"/>
+              </a:schemeClr>
+            </a:lnRef>
+            <a:fillRef idx="1">
+              <a:schemeClr val="accent1"/>
+            </a:fillRef>
+            <a:effectRef idx="0">
+              <a:schemeClr val="accent1"/>
+            </a:effectRef>
+            <a:fontRef idx="minor">
+              <a:schemeClr val="lt1"/>
+            </a:fontRef>
+          </p:style>
+          <p:txBody>
+            <a:bodyPr rtlCol="0" anchor="ctr"/>
+            <a:lstStyle/>
+            <a:p>
+              <a:pPr algn="ctr"/>
+              <a:endParaRPr lang="en-US"/>
+            </a:p>
+          </p:txBody>
+        </p:sp>
+        <p:sp>
+          <p:nvSpPr>
+            <p:cNvPr id="18" name="Rectangle: Rounded Corners 17"/>
+            <p:cNvSpPr/>
+            <p:nvPr/>
+          </p:nvSpPr>
+          <p:spPr>
+            <a:xfrm>
+              <a:off x="7941410" y="792047"/>
+              <a:ext cx="639381" cy="619400"/>
+            </a:xfrm>
+            <a:prstGeom prst="roundRect">
+              <a:avLst>
+                <a:gd name="adj" fmla="val 3764"/>
+              </a:avLst>
+            </a:prstGeom>
+            <a:solidFill>
+              <a:srgbClr val="B2B2B2">
+                <a:alpha val="36078"/>
+              </a:srgbClr>
+            </a:solidFill>
+            <a:ln>
+              <a:noFill/>
+            </a:ln>
+          </p:spPr>
+          <p:style>
+            <a:lnRef idx="2">
+              <a:schemeClr val="accent1">
+                <a:shade val="50000"/>
+              </a:schemeClr>
+            </a:lnRef>
+            <a:fillRef idx="1">
+              <a:schemeClr val="accent1"/>
+            </a:fillRef>
+            <a:effectRef idx="0">
+              <a:schemeClr val="accent1"/>
+            </a:effectRef>
+            <a:fontRef idx="minor">
+              <a:schemeClr val="lt1"/>
+            </a:fontRef>
+          </p:style>
+          <p:txBody>
+            <a:bodyPr rtlCol="0" anchor="ctr"/>
+            <a:lstStyle/>
+            <a:p>
+              <a:pPr algn="ctr"/>
+              <a:endParaRPr lang="en-US"/>
+            </a:p>
+          </p:txBody>
+        </p:sp>
+        <p:sp>
+          <p:nvSpPr>
+            <p:cNvPr id="19" name="Rectangle: Rounded Corners 18"/>
+            <p:cNvSpPr/>
+            <p:nvPr/>
+          </p:nvSpPr>
+          <p:spPr>
+            <a:xfrm>
+              <a:off x="7716153" y="1605650"/>
+              <a:ext cx="639381" cy="619400"/>
+            </a:xfrm>
+            <a:prstGeom prst="roundRect">
+              <a:avLst>
+                <a:gd name="adj" fmla="val 3764"/>
+              </a:avLst>
+            </a:prstGeom>
+            <a:solidFill>
+              <a:srgbClr val="B2B2B2">
+                <a:alpha val="16078"/>
+              </a:srgbClr>
+            </a:solidFill>
+            <a:ln>
+              <a:noFill/>
+            </a:ln>
+          </p:spPr>
+          <p:style>
+            <a:lnRef idx="2">
+              <a:schemeClr val="accent1">
+                <a:shade val="50000"/>
+              </a:schemeClr>
+            </a:lnRef>
+            <a:fillRef idx="1">
+              <a:schemeClr val="accent1"/>
+            </a:fillRef>
+            <a:effectRef idx="0">
+              <a:schemeClr val="accent1"/>
+            </a:effectRef>
+            <a:fontRef idx="minor">
+              <a:schemeClr val="lt1"/>
+            </a:fontRef>
+          </p:style>
+          <p:txBody>
+            <a:bodyPr rtlCol="0" anchor="ctr"/>
+            <a:lstStyle/>
+            <a:p>
+              <a:pPr algn="ctr"/>
+              <a:endParaRPr lang="en-US"/>
+            </a:p>
+          </p:txBody>
+        </p:sp>
+        <p:sp>
+          <p:nvSpPr>
+            <p:cNvPr id="20" name="Rectangle: Rounded Corners 19"/>
+            <p:cNvSpPr/>
+            <p:nvPr/>
+          </p:nvSpPr>
+          <p:spPr>
+            <a:xfrm>
+              <a:off x="8507467" y="1171388"/>
+              <a:ext cx="564845" cy="547193"/>
+            </a:xfrm>
+            <a:prstGeom prst="roundRect">
+              <a:avLst>
+                <a:gd name="adj" fmla="val 3764"/>
+              </a:avLst>
+            </a:prstGeom>
+            <a:solidFill>
+              <a:schemeClr val="tx1">
+                <a:alpha val="16078"/>
+              </a:schemeClr>
+            </a:solidFill>
+            <a:ln>
+              <a:noFill/>
+            </a:ln>
+          </p:spPr>
+          <p:style>
+            <a:lnRef idx="2">
+              <a:schemeClr val="accent1">
+                <a:shade val="50000"/>
+              </a:schemeClr>
+            </a:lnRef>
+            <a:fillRef idx="1">
+              <a:schemeClr val="accent1"/>
+            </a:fillRef>
+            <a:effectRef idx="0">
+              <a:schemeClr val="accent1"/>
+            </a:effectRef>
+            <a:fontRef idx="minor">
+              <a:schemeClr val="lt1"/>
+            </a:fontRef>
+          </p:style>
+          <p:txBody>
+            <a:bodyPr rtlCol="0" anchor="ctr"/>
+            <a:lstStyle/>
+            <a:p>
+              <a:pPr algn="ctr"/>
+              <a:endParaRPr lang="en-US"/>
+            </a:p>
+          </p:txBody>
+        </p:sp>
+        <p:sp>
+          <p:nvSpPr>
+            <p:cNvPr id="21" name="Rectangle: Rounded Corners 20"/>
+            <p:cNvSpPr/>
+            <p:nvPr/>
+          </p:nvSpPr>
+          <p:spPr>
+            <a:xfrm>
+              <a:off x="10432141" y="824398"/>
+              <a:ext cx="446465" cy="432512"/>
+            </a:xfrm>
+            <a:prstGeom prst="roundRect">
+              <a:avLst>
+                <a:gd name="adj" fmla="val 3764"/>
+              </a:avLst>
+            </a:prstGeom>
+            <a:solidFill>
+              <a:schemeClr val="tx1">
+                <a:alpha val="16078"/>
+              </a:schemeClr>
+            </a:solidFill>
+            <a:ln>
+              <a:noFill/>
+            </a:ln>
+          </p:spPr>
+          <p:style>
+            <a:lnRef idx="2">
+              <a:schemeClr val="accent1">
+                <a:shade val="50000"/>
+              </a:schemeClr>
+            </a:lnRef>
+            <a:fillRef idx="1">
+              <a:schemeClr val="accent1"/>
+            </a:fillRef>
+            <a:effectRef idx="0">
+              <a:schemeClr val="accent1"/>
+            </a:effectRef>
+            <a:fontRef idx="minor">
+              <a:schemeClr val="lt1"/>
+            </a:fontRef>
+          </p:style>
+          <p:txBody>
+            <a:bodyPr rtlCol="0" anchor="ctr"/>
+            <a:lstStyle/>
+            <a:p>
+              <a:pPr algn="ctr"/>
+              <a:endParaRPr lang="en-US"/>
+            </a:p>
+          </p:txBody>
+        </p:sp>
+        <p:sp>
+          <p:nvSpPr>
+            <p:cNvPr id="22" name="Rectangle: Rounded Corners 21"/>
+            <p:cNvSpPr/>
+            <p:nvPr/>
+          </p:nvSpPr>
+          <p:spPr>
+            <a:xfrm>
+              <a:off x="9980380" y="1137850"/>
+              <a:ext cx="564845" cy="547193"/>
+            </a:xfrm>
+            <a:prstGeom prst="roundRect">
+              <a:avLst>
+                <a:gd name="adj" fmla="val 3764"/>
+              </a:avLst>
+            </a:prstGeom>
+            <a:solidFill>
+              <a:srgbClr val="B2B2B2">
+                <a:alpha val="16078"/>
+              </a:srgbClr>
+            </a:solidFill>
+            <a:ln>
+              <a:noFill/>
+            </a:ln>
+          </p:spPr>
+          <p:style>
+            <a:lnRef idx="2">
+              <a:schemeClr val="accent1">
+                <a:shade val="50000"/>
+              </a:schemeClr>
+            </a:lnRef>
+            <a:fillRef idx="1">
+              <a:schemeClr val="accent1"/>
+            </a:fillRef>
+            <a:effectRef idx="0">
+              <a:schemeClr val="accent1"/>
+            </a:effectRef>
+            <a:fontRef idx="minor">
+              <a:schemeClr val="lt1"/>
+            </a:fontRef>
+          </p:style>
+          <p:txBody>
+            <a:bodyPr rtlCol="0" anchor="ctr"/>
+            <a:lstStyle/>
+            <a:p>
+              <a:pPr algn="ctr"/>
+              <a:endParaRPr lang="en-US"/>
+            </a:p>
+          </p:txBody>
+        </p:sp>
+        <p:sp>
+          <p:nvSpPr>
+            <p:cNvPr id="23" name="Rectangle: Rounded Corners 22"/>
+            <p:cNvSpPr/>
+            <p:nvPr/>
+          </p:nvSpPr>
+          <p:spPr>
+            <a:xfrm>
+              <a:off x="9767706" y="1872314"/>
+              <a:ext cx="629444" cy="609773"/>
+            </a:xfrm>
+            <a:prstGeom prst="roundRect">
+              <a:avLst>
+                <a:gd name="adj" fmla="val 3764"/>
+              </a:avLst>
+            </a:prstGeom>
+            <a:solidFill>
+              <a:schemeClr val="tx1">
+                <a:alpha val="16078"/>
+              </a:schemeClr>
+            </a:solidFill>
+            <a:ln>
+              <a:noFill/>
+            </a:ln>
+          </p:spPr>
+          <p:style>
+            <a:lnRef idx="2">
+              <a:schemeClr val="accent1">
+                <a:shade val="50000"/>
+              </a:schemeClr>
+            </a:lnRef>
+            <a:fillRef idx="1">
+              <a:schemeClr val="accent1"/>
+            </a:fillRef>
+            <a:effectRef idx="0">
+              <a:schemeClr val="accent1"/>
+            </a:effectRef>
+            <a:fontRef idx="minor">
+              <a:schemeClr val="lt1"/>
+            </a:fontRef>
+          </p:style>
+          <p:txBody>
+            <a:bodyPr rtlCol="0" anchor="ctr"/>
+            <a:lstStyle/>
+            <a:p>
+              <a:pPr algn="ctr"/>
+              <a:endParaRPr lang="en-US"/>
+            </a:p>
+          </p:txBody>
+        </p:sp>
+        <p:sp>
+          <p:nvSpPr>
+            <p:cNvPr id="24" name="Rectangle: Rounded Corners 23"/>
+            <p:cNvSpPr/>
+            <p:nvPr/>
+          </p:nvSpPr>
+          <p:spPr>
+            <a:xfrm>
+              <a:off x="6964281" y="782202"/>
+              <a:ext cx="533580" cy="516905"/>
+            </a:xfrm>
+            <a:prstGeom prst="roundRect">
+              <a:avLst>
+                <a:gd name="adj" fmla="val 3764"/>
+              </a:avLst>
+            </a:prstGeom>
+            <a:solidFill>
+              <a:srgbClr val="B2B2B2">
+                <a:alpha val="34902"/>
+              </a:srgbClr>
+            </a:solidFill>
+            <a:ln>
+              <a:noFill/>
+            </a:ln>
+          </p:spPr>
+          <p:style>
+            <a:lnRef idx="2">
+              <a:schemeClr val="accent1">
+                <a:shade val="50000"/>
+              </a:schemeClr>
+            </a:lnRef>
+            <a:fillRef idx="1">
+              <a:schemeClr val="accent1"/>
+            </a:fillRef>
+            <a:effectRef idx="0">
+              <a:schemeClr val="accent1"/>
+            </a:effectRef>
+            <a:fontRef idx="minor">
+              <a:schemeClr val="lt1"/>
+            </a:fontRef>
+          </p:style>
+          <p:txBody>
+            <a:bodyPr rtlCol="0" anchor="ctr"/>
+            <a:lstStyle/>
+            <a:p>
+              <a:pPr algn="ctr"/>
+              <a:endParaRPr lang="en-US"/>
+            </a:p>
+          </p:txBody>
+        </p:sp>
+        <p:sp>
+          <p:nvSpPr>
+            <p:cNvPr id="25" name="Rectangle: Rounded Corners 24"/>
+            <p:cNvSpPr/>
+            <p:nvPr/>
+          </p:nvSpPr>
+          <p:spPr>
+            <a:xfrm>
+              <a:off x="6635933" y="471069"/>
+              <a:ext cx="452249" cy="438116"/>
+            </a:xfrm>
+            <a:prstGeom prst="roundRect">
+              <a:avLst>
+                <a:gd name="adj" fmla="val 3764"/>
+              </a:avLst>
+            </a:prstGeom>
+            <a:solidFill>
+              <a:srgbClr val="B2B2B2">
+                <a:alpha val="16078"/>
+              </a:srgbClr>
+            </a:solidFill>
+            <a:ln>
+              <a:noFill/>
+            </a:ln>
+          </p:spPr>
+          <p:style>
+            <a:lnRef idx="2">
+              <a:schemeClr val="accent1">
+                <a:shade val="50000"/>
+              </a:schemeClr>
+            </a:lnRef>
+            <a:fillRef idx="1">
+              <a:schemeClr val="accent1"/>
+            </a:fillRef>
+            <a:effectRef idx="0">
+              <a:schemeClr val="accent1"/>
+            </a:effectRef>
+            <a:fontRef idx="minor">
+              <a:schemeClr val="lt1"/>
+            </a:fontRef>
+          </p:style>
+          <p:txBody>
+            <a:bodyPr rtlCol="0" anchor="ctr"/>
+            <a:lstStyle/>
+            <a:p>
+              <a:pPr algn="ctr"/>
+              <a:endParaRPr lang="en-US"/>
+            </a:p>
+          </p:txBody>
+        </p:sp>
+        <p:sp>
+          <p:nvSpPr>
+            <p:cNvPr id="26" name="Rectangle: Rounded Corners 25"/>
+            <p:cNvSpPr/>
+            <p:nvPr/>
+          </p:nvSpPr>
+          <p:spPr>
+            <a:xfrm>
+              <a:off x="10913566" y="1332916"/>
+              <a:ext cx="796212" cy="771330"/>
+            </a:xfrm>
+            <a:prstGeom prst="roundRect">
+              <a:avLst>
+                <a:gd name="adj" fmla="val 3764"/>
+              </a:avLst>
+            </a:prstGeom>
+            <a:solidFill>
+              <a:srgbClr val="B2B2B2">
+                <a:alpha val="36078"/>
+              </a:srgbClr>
+            </a:solidFill>
+            <a:ln>
+              <a:noFill/>
+            </a:ln>
+          </p:spPr>
+          <p:style>
+            <a:lnRef idx="2">
+              <a:schemeClr val="accent1">
+                <a:shade val="50000"/>
+              </a:schemeClr>
+            </a:lnRef>
+            <a:fillRef idx="1">
+              <a:schemeClr val="accent1"/>
+            </a:fillRef>
+            <a:effectRef idx="0">
+              <a:schemeClr val="accent1"/>
+            </a:effectRef>
+            <a:fontRef idx="minor">
+              <a:schemeClr val="lt1"/>
+            </a:fontRef>
+          </p:style>
+          <p:txBody>
+            <a:bodyPr rtlCol="0" anchor="ctr"/>
+            <a:lstStyle/>
+            <a:p>
+              <a:pPr algn="ctr"/>
+              <a:endParaRPr lang="en-US"/>
+            </a:p>
+          </p:txBody>
+        </p:sp>
+        <p:sp>
+          <p:nvSpPr>
+            <p:cNvPr id="27" name="Rectangle: Rounded Corners 26"/>
+            <p:cNvSpPr/>
+            <p:nvPr/>
+          </p:nvSpPr>
+          <p:spPr>
+            <a:xfrm>
+              <a:off x="10505113" y="1949547"/>
+              <a:ext cx="555406" cy="538049"/>
+            </a:xfrm>
+            <a:prstGeom prst="roundRect">
+              <a:avLst>
+                <a:gd name="adj" fmla="val 3764"/>
+              </a:avLst>
+            </a:prstGeom>
+            <a:solidFill>
+              <a:srgbClr val="B2B2B2">
+                <a:alpha val="36078"/>
+              </a:srgbClr>
+            </a:solidFill>
+            <a:ln>
+              <a:noFill/>
+            </a:ln>
+          </p:spPr>
+          <p:style>
+            <a:lnRef idx="2">
+              <a:schemeClr val="accent1">
+                <a:shade val="50000"/>
+              </a:schemeClr>
+            </a:lnRef>
+            <a:fillRef idx="1">
+              <a:schemeClr val="accent1"/>
+            </a:fillRef>
+            <a:effectRef idx="0">
+              <a:schemeClr val="accent1"/>
+            </a:effectRef>
+            <a:fontRef idx="minor">
+              <a:schemeClr val="lt1"/>
+            </a:fontRef>
+          </p:style>
+          <p:txBody>
+            <a:bodyPr rtlCol="0" anchor="ctr"/>
+            <a:lstStyle/>
+            <a:p>
+              <a:pPr algn="ctr"/>
+              <a:endParaRPr lang="en-US"/>
+            </a:p>
+          </p:txBody>
+        </p:sp>
+      </p:grpSp>
+      <p:sp>
+        <p:nvSpPr>
+          <p:cNvPr id="29" name="Rectangle 28"/>
+          <p:cNvSpPr/>
+          <p:nvPr/>
+        </p:nvSpPr>
+        <p:spPr>
+          <a:xfrm>
+            <a:off x="6509982" y="297516"/>
+            <a:ext cx="5472752" cy="2868765"/>
+          </a:xfrm>
+          <a:prstGeom prst="rect">
+            <a:avLst/>
+          </a:prstGeom>
+          <a:solidFill>
+            <a:srgbClr val="FFFFFF">
+              <a:alpha val="47843"/>
+            </a:srgbClr>
+          </a:solidFill>
+          <a:ln>
+            <a:noFill/>
+          </a:ln>
+        </p:spPr>
+        <p:style>
+          <a:lnRef idx="2">
+            <a:schemeClr val="accent1">
+              <a:shade val="50000"/>
+            </a:schemeClr>
+          </a:lnRef>
+          <a:fillRef idx="1">
+            <a:schemeClr val="accent1"/>
+          </a:fillRef>
+          <a:effectRef idx="0">
+            <a:schemeClr val="accent1"/>
+          </a:effectRef>
+          <a:fontRef idx="minor">
+            <a:schemeClr val="lt1"/>
+          </a:fontRef>
+        </p:style>
+        <p:txBody>
+          <a:bodyPr rtlCol="0" anchor="ctr"/>
+          <a:lstStyle/>
+          <a:p>
+            <a:pPr algn="ctr"/>
+            <a:endParaRPr lang="en-US"/>
+          </a:p>
+        </p:txBody>
+      </p:sp>
+      <p:pic>
+        <p:nvPicPr>
+          <p:cNvPr id="28" name="Picture 27"/>
+          <p:cNvPicPr>
+            <a:picLocks noChangeAspect="1"/>
+          </p:cNvPicPr>
+          <p:nvPr/>
+        </p:nvPicPr>
+        <p:blipFill>
+          <a:blip r:embed="rId2">
             <a:extLst>
-              <a:ext uri="{FF2B5EF4-FFF2-40B4-BE49-F238E27FC236}">
-                <a16:creationId xmlns:a16="http://schemas.microsoft.com/office/drawing/2014/main" id="{85C818CA-803A-4D1E-BE61-0316B5C0A578}"/>
+              <a:ext uri="{28A0092B-C50C-407E-A947-70E740481C1C}">
+                <a14:useLocalDpi xmlns:a14="http://schemas.microsoft.com/office/drawing/2010/main" val="0"/>
               </a:ext>
             </a:extLst>
-          </p:cNvPr>
+          </a:blip>
+          <a:stretch>
+            <a:fillRect/>
+          </a:stretch>
+        </p:blipFill>
+        <p:spPr>
+          <a:xfrm>
+            <a:off x="8727059" y="297516"/>
+            <a:ext cx="3189796" cy="430176"/>
+          </a:xfrm>
+          <a:prstGeom prst="rect">
+            <a:avLst/>
+          </a:prstGeom>
+        </p:spPr>
+      </p:pic>
+      <p:grpSp>
+        <p:nvGrpSpPr>
+          <p:cNvPr id="30" name="Group 29"/>
+          <p:cNvGrpSpPr/>
+          <p:nvPr/>
+        </p:nvGrpSpPr>
+        <p:grpSpPr>
+          <a:xfrm>
+            <a:off x="10530273" y="5880370"/>
+            <a:ext cx="1301885" cy="606738"/>
+            <a:chOff x="10717834" y="5953476"/>
+            <a:chExt cx="1051094" cy="489858"/>
+          </a:xfrm>
+        </p:grpSpPr>
+        <p:sp>
+          <p:nvSpPr>
+            <p:cNvPr id="31" name="Oval 30"/>
+            <p:cNvSpPr/>
+            <p:nvPr/>
+          </p:nvSpPr>
+          <p:spPr>
+            <a:xfrm>
+              <a:off x="10917283" y="5953476"/>
+              <a:ext cx="489858" cy="489858"/>
+            </a:xfrm>
+            <a:prstGeom prst="ellipse">
+              <a:avLst/>
+            </a:prstGeom>
+            <a:ln>
+              <a:noFill/>
+            </a:ln>
+          </p:spPr>
+          <p:style>
+            <a:lnRef idx="2">
+              <a:schemeClr val="accent1">
+                <a:shade val="50000"/>
+              </a:schemeClr>
+            </a:lnRef>
+            <a:fillRef idx="1">
+              <a:schemeClr val="accent1"/>
+            </a:fillRef>
+            <a:effectRef idx="0">
+              <a:schemeClr val="accent1"/>
+            </a:effectRef>
+            <a:fontRef idx="minor">
+              <a:schemeClr val="lt1"/>
+            </a:fontRef>
+          </p:style>
+          <p:txBody>
+            <a:bodyPr rtlCol="0" anchor="ctr"/>
+            <a:lstStyle/>
+            <a:p>
+              <a:pPr algn="ctr"/>
+              <a:endParaRPr lang="en-US"/>
+            </a:p>
+          </p:txBody>
+        </p:sp>
+        <p:sp>
+          <p:nvSpPr>
+            <p:cNvPr id="32" name="Oval 31"/>
+            <p:cNvSpPr/>
+            <p:nvPr/>
+          </p:nvSpPr>
+          <p:spPr>
+            <a:xfrm>
+              <a:off x="10717834" y="6137674"/>
+              <a:ext cx="247262" cy="247262"/>
+            </a:xfrm>
+            <a:prstGeom prst="ellipse">
+              <a:avLst/>
+            </a:prstGeom>
+            <a:ln>
+              <a:noFill/>
+            </a:ln>
+          </p:spPr>
+          <p:style>
+            <a:lnRef idx="2">
+              <a:schemeClr val="accent1">
+                <a:shade val="50000"/>
+              </a:schemeClr>
+            </a:lnRef>
+            <a:fillRef idx="1">
+              <a:schemeClr val="accent1"/>
+            </a:fillRef>
+            <a:effectRef idx="0">
+              <a:schemeClr val="accent1"/>
+            </a:effectRef>
+            <a:fontRef idx="minor">
+              <a:schemeClr val="lt1"/>
+            </a:fontRef>
+          </p:style>
+          <p:txBody>
+            <a:bodyPr rtlCol="0" anchor="ctr"/>
+            <a:lstStyle/>
+            <a:p>
+              <a:pPr algn="ctr"/>
+              <a:endParaRPr lang="en-US"/>
+            </a:p>
+          </p:txBody>
+        </p:sp>
+        <p:sp>
+          <p:nvSpPr>
+            <p:cNvPr id="33" name="Oval 32"/>
+            <p:cNvSpPr/>
+            <p:nvPr/>
+          </p:nvSpPr>
+          <p:spPr>
+            <a:xfrm>
+              <a:off x="11335295" y="6087370"/>
+              <a:ext cx="192599" cy="192599"/>
+            </a:xfrm>
+            <a:prstGeom prst="ellipse">
+              <a:avLst/>
+            </a:prstGeom>
+            <a:ln>
+              <a:noFill/>
+            </a:ln>
+          </p:spPr>
+          <p:style>
+            <a:lnRef idx="2">
+              <a:schemeClr val="accent1">
+                <a:shade val="50000"/>
+              </a:schemeClr>
+            </a:lnRef>
+            <a:fillRef idx="1">
+              <a:schemeClr val="accent1"/>
+            </a:fillRef>
+            <a:effectRef idx="0">
+              <a:schemeClr val="accent1"/>
+            </a:effectRef>
+            <a:fontRef idx="minor">
+              <a:schemeClr val="lt1"/>
+            </a:fontRef>
+          </p:style>
+          <p:txBody>
+            <a:bodyPr rtlCol="0" anchor="ctr"/>
+            <a:lstStyle/>
+            <a:p>
+              <a:pPr algn="ctr"/>
+              <a:endParaRPr lang="en-US"/>
+            </a:p>
+          </p:txBody>
+        </p:sp>
+        <p:sp>
+          <p:nvSpPr>
+            <p:cNvPr id="34" name="Oval 33"/>
+            <p:cNvSpPr/>
+            <p:nvPr/>
+          </p:nvSpPr>
+          <p:spPr>
+            <a:xfrm>
+              <a:off x="11482959" y="6098840"/>
+              <a:ext cx="285969" cy="285969"/>
+            </a:xfrm>
+            <a:prstGeom prst="ellipse">
+              <a:avLst/>
+            </a:prstGeom>
+            <a:ln>
+              <a:noFill/>
+            </a:ln>
+          </p:spPr>
+          <p:style>
+            <a:lnRef idx="2">
+              <a:schemeClr val="accent1">
+                <a:shade val="50000"/>
+              </a:schemeClr>
+            </a:lnRef>
+            <a:fillRef idx="1">
+              <a:schemeClr val="accent1"/>
+            </a:fillRef>
+            <a:effectRef idx="0">
+              <a:schemeClr val="accent1"/>
+            </a:effectRef>
+            <a:fontRef idx="minor">
+              <a:schemeClr val="lt1"/>
+            </a:fontRef>
+          </p:style>
+          <p:txBody>
+            <a:bodyPr rtlCol="0" anchor="ctr"/>
+            <a:lstStyle/>
+            <a:p>
+              <a:pPr algn="ctr"/>
+              <a:endParaRPr lang="en-US"/>
+            </a:p>
+          </p:txBody>
+        </p:sp>
+        <p:sp>
+          <p:nvSpPr>
+            <p:cNvPr id="35" name="Oval 34"/>
+            <p:cNvSpPr/>
+            <p:nvPr/>
+          </p:nvSpPr>
+          <p:spPr>
+            <a:xfrm>
+              <a:off x="10841465" y="6087370"/>
+              <a:ext cx="100608" cy="100608"/>
+            </a:xfrm>
+            <a:prstGeom prst="ellipse">
+              <a:avLst/>
+            </a:prstGeom>
+            <a:ln>
+              <a:noFill/>
+            </a:ln>
+          </p:spPr>
+          <p:style>
+            <a:lnRef idx="2">
+              <a:schemeClr val="accent1">
+                <a:shade val="50000"/>
+              </a:schemeClr>
+            </a:lnRef>
+            <a:fillRef idx="1">
+              <a:schemeClr val="accent1"/>
+            </a:fillRef>
+            <a:effectRef idx="0">
+              <a:schemeClr val="accent1"/>
+            </a:effectRef>
+            <a:fontRef idx="minor">
+              <a:schemeClr val="lt1"/>
+            </a:fontRef>
+          </p:style>
+          <p:txBody>
+            <a:bodyPr rtlCol="0" anchor="ctr"/>
+            <a:lstStyle/>
+            <a:p>
+              <a:pPr algn="ctr"/>
+              <a:endParaRPr lang="en-US"/>
+            </a:p>
+          </p:txBody>
+        </p:sp>
+      </p:grpSp>
+      <p:sp>
+        <p:nvSpPr>
+          <p:cNvPr id="6" name="Slide Number Placeholder 5"/>
           <p:cNvSpPr>
             <a:spLocks noGrp="1"/>
           </p:cNvSpPr>
@@ -918,10 +2979,23 @@
             <p:ph type="sldNum" sz="quarter" idx="12"/>
           </p:nvPr>
         </p:nvSpPr>
-        <p:spPr/>
+        <p:spPr>
+          <a:xfrm>
+            <a:off x="9088958" y="6247025"/>
+            <a:ext cx="2743200" cy="365125"/>
+          </a:xfrm>
+        </p:spPr>
         <p:txBody>
           <a:bodyPr/>
-          <a:lstStyle/>
+          <a:lstStyle>
+            <a:lvl1pPr>
+              <a:defRPr>
+                <a:solidFill>
+                  <a:schemeClr val="bg1"/>
+                </a:solidFill>
+              </a:defRPr>
+            </a:lvl1pPr>
+          </a:lstStyle>
           <a:p>
             <a:fld id="{3D842AAE-86FF-451A-B7C6-0D03DAE39848}" type="slidenum">
               <a:rPr lang="en-IN" smtClean="0"/>
@@ -934,17 +3008,1598 @@
     </p:spTree>
     <p:extLst>
       <p:ext uri="{BB962C8B-B14F-4D97-AF65-F5344CB8AC3E}">
-        <p14:creationId xmlns:p14="http://schemas.microsoft.com/office/powerpoint/2010/main" val="1897316484"/>
+        <p14:creationId xmlns:p14="http://schemas.microsoft.com/office/powerpoint/2010/main" val="1564132192"/>
       </p:ext>
     </p:extLst>
   </p:cSld>
   <p:clrMapOvr>
     <a:masterClrMapping/>
   </p:clrMapOvr>
+  <mc:AlternateContent xmlns:mc="http://schemas.openxmlformats.org/markup-compatibility/2006" xmlns:p14="http://schemas.microsoft.com/office/powerpoint/2010/main">
+    <mc:Choice Requires="p14">
+      <p:transition spd="med" p14:dur="700">
+        <p:fade/>
+      </p:transition>
+    </mc:Choice>
+    <mc:Fallback xmlns="">
+      <p:transition spd="med">
+        <p:fade/>
+      </p:transition>
+    </mc:Fallback>
+  </mc:AlternateContent>
 </p:sldLayout>
 </file>
 
 <file path=ppt/slideLayouts/slideLayout3.xml><?xml version="1.0" encoding="utf-8"?>
+<p:sldLayout xmlns:a="http://schemas.openxmlformats.org/drawingml/2006/main" xmlns:r="http://schemas.openxmlformats.org/officeDocument/2006/relationships" xmlns:p="http://schemas.openxmlformats.org/presentationml/2006/main" type="obj" preserve="1">
+  <p:cSld name="1_Title and Content">
+    <p:spTree>
+      <p:nvGrpSpPr>
+        <p:cNvPr id="1" name=""/>
+        <p:cNvGrpSpPr/>
+        <p:nvPr/>
+      </p:nvGrpSpPr>
+      <p:grpSpPr>
+        <a:xfrm>
+          <a:off x="0" y="0"/>
+          <a:ext cx="0" cy="0"/>
+          <a:chOff x="0" y="0"/>
+          <a:chExt cx="0" cy="0"/>
+        </a:xfrm>
+      </p:grpSpPr>
+      <p:sp>
+        <p:nvSpPr>
+          <p:cNvPr id="2" name="Title 1"/>
+          <p:cNvSpPr>
+            <a:spLocks noGrp="1"/>
+          </p:cNvSpPr>
+          <p:nvPr>
+            <p:ph type="title"/>
+          </p:nvPr>
+        </p:nvSpPr>
+        <p:spPr>
+          <a:xfrm>
+            <a:off x="3439236" y="365125"/>
+            <a:ext cx="8338782" cy="767639"/>
+          </a:xfrm>
+        </p:spPr>
+        <p:txBody>
+          <a:bodyPr>
+            <a:normAutofit/>
+          </a:bodyPr>
+          <a:lstStyle>
+            <a:lvl1pPr>
+              <a:defRPr sz="2400">
+                <a:solidFill>
+                  <a:srgbClr val="0070C0"/>
+                </a:solidFill>
+                <a:latin typeface="Segoe UI Semibold" panose="020B0702040204020203" pitchFamily="34" charset="0"/>
+                <a:ea typeface="Segoe UI" panose="020B0502040204020203" pitchFamily="34" charset="0"/>
+                <a:cs typeface="Segoe UI" panose="020B0502040204020203" pitchFamily="34" charset="0"/>
+              </a:defRPr>
+            </a:lvl1pPr>
+          </a:lstStyle>
+          <a:p>
+            <a:r>
+              <a:rPr lang="en-US"/>
+              <a:t>Click to edit Master title style</a:t>
+            </a:r>
+          </a:p>
+        </p:txBody>
+      </p:sp>
+      <p:sp>
+        <p:nvSpPr>
+          <p:cNvPr id="3" name="Content Placeholder 2"/>
+          <p:cNvSpPr>
+            <a:spLocks noGrp="1"/>
+          </p:cNvSpPr>
+          <p:nvPr>
+            <p:ph idx="1"/>
+          </p:nvPr>
+        </p:nvSpPr>
+        <p:spPr>
+          <a:xfrm>
+            <a:off x="3439236" y="1443897"/>
+            <a:ext cx="8338782" cy="5045554"/>
+          </a:xfrm>
+        </p:spPr>
+        <p:txBody>
+          <a:bodyPr>
+            <a:normAutofit/>
+          </a:bodyPr>
+          <a:lstStyle>
+            <a:lvl1pPr>
+              <a:defRPr sz="2400">
+                <a:solidFill>
+                  <a:schemeClr val="tx1">
+                    <a:lumMod val="75000"/>
+                    <a:lumOff val="25000"/>
+                  </a:schemeClr>
+                </a:solidFill>
+                <a:latin typeface="Segoe UI" panose="020B0502040204020203" pitchFamily="34" charset="0"/>
+                <a:ea typeface="Segoe UI" panose="020B0502040204020203" pitchFamily="34" charset="0"/>
+                <a:cs typeface="Segoe UI" panose="020B0502040204020203" pitchFamily="34" charset="0"/>
+              </a:defRPr>
+            </a:lvl1pPr>
+            <a:lvl2pPr>
+              <a:defRPr sz="2000">
+                <a:solidFill>
+                  <a:schemeClr val="tx1">
+                    <a:lumMod val="75000"/>
+                    <a:lumOff val="25000"/>
+                  </a:schemeClr>
+                </a:solidFill>
+                <a:latin typeface="Segoe UI" panose="020B0502040204020203" pitchFamily="34" charset="0"/>
+                <a:ea typeface="Segoe UI" panose="020B0502040204020203" pitchFamily="34" charset="0"/>
+                <a:cs typeface="Segoe UI" panose="020B0502040204020203" pitchFamily="34" charset="0"/>
+              </a:defRPr>
+            </a:lvl2pPr>
+            <a:lvl3pPr>
+              <a:defRPr sz="1800">
+                <a:solidFill>
+                  <a:schemeClr val="tx1">
+                    <a:lumMod val="75000"/>
+                    <a:lumOff val="25000"/>
+                  </a:schemeClr>
+                </a:solidFill>
+                <a:latin typeface="Segoe UI" panose="020B0502040204020203" pitchFamily="34" charset="0"/>
+                <a:ea typeface="Segoe UI" panose="020B0502040204020203" pitchFamily="34" charset="0"/>
+                <a:cs typeface="Segoe UI" panose="020B0502040204020203" pitchFamily="34" charset="0"/>
+              </a:defRPr>
+            </a:lvl3pPr>
+            <a:lvl4pPr>
+              <a:defRPr sz="1600">
+                <a:solidFill>
+                  <a:schemeClr val="tx1">
+                    <a:lumMod val="75000"/>
+                    <a:lumOff val="25000"/>
+                  </a:schemeClr>
+                </a:solidFill>
+                <a:latin typeface="Segoe UI" panose="020B0502040204020203" pitchFamily="34" charset="0"/>
+                <a:ea typeface="Segoe UI" panose="020B0502040204020203" pitchFamily="34" charset="0"/>
+                <a:cs typeface="Segoe UI" panose="020B0502040204020203" pitchFamily="34" charset="0"/>
+              </a:defRPr>
+            </a:lvl4pPr>
+            <a:lvl5pPr>
+              <a:defRPr sz="1600">
+                <a:solidFill>
+                  <a:schemeClr val="tx1">
+                    <a:lumMod val="75000"/>
+                    <a:lumOff val="25000"/>
+                  </a:schemeClr>
+                </a:solidFill>
+                <a:latin typeface="Segoe UI" panose="020B0502040204020203" pitchFamily="34" charset="0"/>
+                <a:ea typeface="Segoe UI" panose="020B0502040204020203" pitchFamily="34" charset="0"/>
+                <a:cs typeface="Segoe UI" panose="020B0502040204020203" pitchFamily="34" charset="0"/>
+              </a:defRPr>
+            </a:lvl5pPr>
+          </a:lstStyle>
+          <a:p>
+            <a:pPr lvl="0"/>
+            <a:r>
+              <a:rPr lang="en-US"/>
+              <a:t>Edit Master text styles</a:t>
+            </a:r>
+          </a:p>
+          <a:p>
+            <a:pPr lvl="1"/>
+            <a:r>
+              <a:rPr lang="en-US"/>
+              <a:t>Second level</a:t>
+            </a:r>
+          </a:p>
+          <a:p>
+            <a:pPr lvl="2"/>
+            <a:r>
+              <a:rPr lang="en-US"/>
+              <a:t>Third level</a:t>
+            </a:r>
+          </a:p>
+          <a:p>
+            <a:pPr lvl="3"/>
+            <a:r>
+              <a:rPr lang="en-US"/>
+              <a:t>Fourth level</a:t>
+            </a:r>
+          </a:p>
+          <a:p>
+            <a:pPr lvl="4"/>
+            <a:r>
+              <a:rPr lang="en-US"/>
+              <a:t>Fifth level</a:t>
+            </a:r>
+            <a:endParaRPr lang="en-US" dirty="0"/>
+          </a:p>
+        </p:txBody>
+      </p:sp>
+      <p:sp>
+        <p:nvSpPr>
+          <p:cNvPr id="4" name="Date Placeholder 3"/>
+          <p:cNvSpPr>
+            <a:spLocks noGrp="1"/>
+          </p:cNvSpPr>
+          <p:nvPr>
+            <p:ph type="dt" sz="half" idx="10"/>
+          </p:nvPr>
+        </p:nvSpPr>
+        <p:spPr/>
+        <p:txBody>
+          <a:bodyPr/>
+          <a:lstStyle/>
+          <a:p>
+            <a:fld id="{F07D9977-5870-4C30-A511-58E720754088}" type="datetimeFigureOut">
+              <a:rPr lang="en-IN" smtClean="0"/>
+              <a:t>04-06-2019</a:t>
+            </a:fld>
+            <a:endParaRPr lang="en-IN"/>
+          </a:p>
+        </p:txBody>
+      </p:sp>
+      <p:sp>
+        <p:nvSpPr>
+          <p:cNvPr id="5" name="Footer Placeholder 4"/>
+          <p:cNvSpPr>
+            <a:spLocks noGrp="1"/>
+          </p:cNvSpPr>
+          <p:nvPr>
+            <p:ph type="ftr" sz="quarter" idx="11"/>
+          </p:nvPr>
+        </p:nvSpPr>
+        <p:spPr/>
+        <p:txBody>
+          <a:bodyPr/>
+          <a:lstStyle/>
+          <a:p>
+            <a:endParaRPr lang="en-IN"/>
+          </a:p>
+        </p:txBody>
+      </p:sp>
+      <p:sp>
+        <p:nvSpPr>
+          <p:cNvPr id="7" name="Rectangle 6"/>
+          <p:cNvSpPr/>
+          <p:nvPr/>
+        </p:nvSpPr>
+        <p:spPr>
+          <a:xfrm>
+            <a:off x="245660" y="218364"/>
+            <a:ext cx="11737074" cy="6414448"/>
+          </a:xfrm>
+          <a:prstGeom prst="rect">
+            <a:avLst/>
+          </a:prstGeom>
+          <a:noFill/>
+          <a:ln>
+            <a:solidFill>
+              <a:schemeClr val="bg1">
+                <a:lumMod val="85000"/>
+              </a:schemeClr>
+            </a:solidFill>
+          </a:ln>
+        </p:spPr>
+        <p:style>
+          <a:lnRef idx="2">
+            <a:schemeClr val="accent1">
+              <a:shade val="50000"/>
+            </a:schemeClr>
+          </a:lnRef>
+          <a:fillRef idx="1">
+            <a:schemeClr val="accent1"/>
+          </a:fillRef>
+          <a:effectRef idx="0">
+            <a:schemeClr val="accent1"/>
+          </a:effectRef>
+          <a:fontRef idx="minor">
+            <a:schemeClr val="lt1"/>
+          </a:fontRef>
+        </p:style>
+        <p:txBody>
+          <a:bodyPr rtlCol="0" anchor="ctr"/>
+          <a:lstStyle/>
+          <a:p>
+            <a:pPr algn="ctr"/>
+            <a:endParaRPr lang="en-US"/>
+          </a:p>
+        </p:txBody>
+      </p:sp>
+      <p:sp>
+        <p:nvSpPr>
+          <p:cNvPr id="8" name="Rectangle 7"/>
+          <p:cNvSpPr/>
+          <p:nvPr/>
+        </p:nvSpPr>
+        <p:spPr>
+          <a:xfrm>
+            <a:off x="8965566" y="6226649"/>
+            <a:ext cx="3030816" cy="423081"/>
+          </a:xfrm>
+          <a:prstGeom prst="rect">
+            <a:avLst/>
+          </a:prstGeom>
+          <a:ln>
+            <a:noFill/>
+          </a:ln>
+        </p:spPr>
+        <p:style>
+          <a:lnRef idx="2">
+            <a:schemeClr val="accent1">
+              <a:shade val="50000"/>
+            </a:schemeClr>
+          </a:lnRef>
+          <a:fillRef idx="1">
+            <a:schemeClr val="accent1"/>
+          </a:fillRef>
+          <a:effectRef idx="0">
+            <a:schemeClr val="accent1"/>
+          </a:effectRef>
+          <a:fontRef idx="minor">
+            <a:schemeClr val="lt1"/>
+          </a:fontRef>
+        </p:style>
+        <p:txBody>
+          <a:bodyPr rtlCol="0" anchor="ctr"/>
+          <a:lstStyle/>
+          <a:p>
+            <a:pPr algn="ctr"/>
+            <a:endParaRPr lang="en-US"/>
+          </a:p>
+        </p:txBody>
+      </p:sp>
+      <p:sp>
+        <p:nvSpPr>
+          <p:cNvPr id="9" name="Rectangle 8"/>
+          <p:cNvSpPr/>
+          <p:nvPr/>
+        </p:nvSpPr>
+        <p:spPr>
+          <a:xfrm>
+            <a:off x="8726100" y="6226115"/>
+            <a:ext cx="143808" cy="423081"/>
+          </a:xfrm>
+          <a:prstGeom prst="rect">
+            <a:avLst/>
+          </a:prstGeom>
+          <a:solidFill>
+            <a:srgbClr val="B2B2B2"/>
+          </a:solidFill>
+          <a:ln>
+            <a:noFill/>
+          </a:ln>
+        </p:spPr>
+        <p:style>
+          <a:lnRef idx="2">
+            <a:schemeClr val="accent1">
+              <a:shade val="50000"/>
+            </a:schemeClr>
+          </a:lnRef>
+          <a:fillRef idx="1">
+            <a:schemeClr val="accent1"/>
+          </a:fillRef>
+          <a:effectRef idx="0">
+            <a:schemeClr val="accent1"/>
+          </a:effectRef>
+          <a:fontRef idx="minor">
+            <a:schemeClr val="lt1"/>
+          </a:fontRef>
+        </p:style>
+        <p:txBody>
+          <a:bodyPr rtlCol="0" anchor="ctr"/>
+          <a:lstStyle/>
+          <a:p>
+            <a:pPr algn="ctr"/>
+            <a:endParaRPr lang="en-US"/>
+          </a:p>
+        </p:txBody>
+      </p:sp>
+      <p:cxnSp>
+        <p:nvCxnSpPr>
+          <p:cNvPr id="11" name="Straight Connector 10"/>
+          <p:cNvCxnSpPr/>
+          <p:nvPr/>
+        </p:nvCxnSpPr>
+        <p:spPr>
+          <a:xfrm>
+            <a:off x="2811446" y="1279525"/>
+            <a:ext cx="5036024" cy="0"/>
+          </a:xfrm>
+          <a:prstGeom prst="line">
+            <a:avLst/>
+          </a:prstGeom>
+          <a:ln>
+            <a:solidFill>
+              <a:schemeClr val="bg1">
+                <a:lumMod val="75000"/>
+              </a:schemeClr>
+            </a:solidFill>
+          </a:ln>
+        </p:spPr>
+        <p:style>
+          <a:lnRef idx="1">
+            <a:schemeClr val="accent1"/>
+          </a:lnRef>
+          <a:fillRef idx="0">
+            <a:schemeClr val="accent1"/>
+          </a:fillRef>
+          <a:effectRef idx="0">
+            <a:schemeClr val="accent1"/>
+          </a:effectRef>
+          <a:fontRef idx="minor">
+            <a:schemeClr val="tx1"/>
+          </a:fontRef>
+        </p:style>
+      </p:cxnSp>
+      <p:sp>
+        <p:nvSpPr>
+          <p:cNvPr id="12" name="Rectangle 11"/>
+          <p:cNvSpPr/>
+          <p:nvPr/>
+        </p:nvSpPr>
+        <p:spPr>
+          <a:xfrm>
+            <a:off x="7847470" y="1215190"/>
+            <a:ext cx="124326" cy="124326"/>
+          </a:xfrm>
+          <a:prstGeom prst="rect">
+            <a:avLst/>
+          </a:prstGeom>
+          <a:ln>
+            <a:noFill/>
+          </a:ln>
+        </p:spPr>
+        <p:style>
+          <a:lnRef idx="2">
+            <a:schemeClr val="accent1">
+              <a:shade val="50000"/>
+            </a:schemeClr>
+          </a:lnRef>
+          <a:fillRef idx="1">
+            <a:schemeClr val="accent1"/>
+          </a:fillRef>
+          <a:effectRef idx="0">
+            <a:schemeClr val="accent1"/>
+          </a:effectRef>
+          <a:fontRef idx="minor">
+            <a:schemeClr val="lt1"/>
+          </a:fontRef>
+        </p:style>
+        <p:txBody>
+          <a:bodyPr rtlCol="0" anchor="ctr"/>
+          <a:lstStyle/>
+          <a:p>
+            <a:pPr algn="ctr"/>
+            <a:endParaRPr lang="en-US"/>
+          </a:p>
+        </p:txBody>
+      </p:sp>
+      <p:grpSp>
+        <p:nvGrpSpPr>
+          <p:cNvPr id="13" name="Group 12"/>
+          <p:cNvGrpSpPr/>
+          <p:nvPr/>
+        </p:nvGrpSpPr>
+        <p:grpSpPr>
+          <a:xfrm>
+            <a:off x="6827001" y="313900"/>
+            <a:ext cx="5073845" cy="2478445"/>
+            <a:chOff x="6635933" y="200380"/>
+            <a:chExt cx="5073845" cy="2478445"/>
+          </a:xfrm>
+        </p:grpSpPr>
+        <p:sp>
+          <p:nvSpPr>
+            <p:cNvPr id="14" name="Rectangle: Rounded Corners 13"/>
+            <p:cNvSpPr/>
+            <p:nvPr/>
+          </p:nvSpPr>
+          <p:spPr>
+            <a:xfrm>
+              <a:off x="7305607" y="200380"/>
+              <a:ext cx="796212" cy="771330"/>
+            </a:xfrm>
+            <a:prstGeom prst="roundRect">
+              <a:avLst>
+                <a:gd name="adj" fmla="val 3764"/>
+              </a:avLst>
+            </a:prstGeom>
+            <a:solidFill>
+              <a:srgbClr val="B2B2B2">
+                <a:alpha val="16078"/>
+              </a:srgbClr>
+            </a:solidFill>
+            <a:ln>
+              <a:noFill/>
+            </a:ln>
+          </p:spPr>
+          <p:style>
+            <a:lnRef idx="2">
+              <a:schemeClr val="accent1">
+                <a:shade val="50000"/>
+              </a:schemeClr>
+            </a:lnRef>
+            <a:fillRef idx="1">
+              <a:schemeClr val="accent1"/>
+            </a:fillRef>
+            <a:effectRef idx="0">
+              <a:schemeClr val="accent1"/>
+            </a:effectRef>
+            <a:fontRef idx="minor">
+              <a:schemeClr val="lt1"/>
+            </a:fontRef>
+          </p:style>
+          <p:txBody>
+            <a:bodyPr rtlCol="0" anchor="ctr"/>
+            <a:lstStyle/>
+            <a:p>
+              <a:pPr algn="ctr"/>
+              <a:endParaRPr lang="en-US"/>
+            </a:p>
+          </p:txBody>
+        </p:sp>
+        <p:sp>
+          <p:nvSpPr>
+            <p:cNvPr id="15" name="Rectangle: Rounded Corners 14"/>
+            <p:cNvSpPr/>
+            <p:nvPr/>
+          </p:nvSpPr>
+          <p:spPr>
+            <a:xfrm>
+              <a:off x="8804725" y="458140"/>
+              <a:ext cx="796212" cy="771330"/>
+            </a:xfrm>
+            <a:prstGeom prst="roundRect">
+              <a:avLst>
+                <a:gd name="adj" fmla="val 3764"/>
+              </a:avLst>
+            </a:prstGeom>
+            <a:solidFill>
+              <a:srgbClr val="B2B2B2">
+                <a:alpha val="36078"/>
+              </a:srgbClr>
+            </a:solidFill>
+            <a:ln>
+              <a:noFill/>
+            </a:ln>
+          </p:spPr>
+          <p:style>
+            <a:lnRef idx="2">
+              <a:schemeClr val="accent1">
+                <a:shade val="50000"/>
+              </a:schemeClr>
+            </a:lnRef>
+            <a:fillRef idx="1">
+              <a:schemeClr val="accent1"/>
+            </a:fillRef>
+            <a:effectRef idx="0">
+              <a:schemeClr val="accent1"/>
+            </a:effectRef>
+            <a:fontRef idx="minor">
+              <a:schemeClr val="lt1"/>
+            </a:fontRef>
+          </p:style>
+          <p:txBody>
+            <a:bodyPr rtlCol="0" anchor="ctr"/>
+            <a:lstStyle/>
+            <a:p>
+              <a:pPr algn="ctr"/>
+              <a:endParaRPr lang="en-US"/>
+            </a:p>
+          </p:txBody>
+        </p:sp>
+        <p:sp>
+          <p:nvSpPr>
+            <p:cNvPr id="16" name="Rectangle: Rounded Corners 15"/>
+            <p:cNvSpPr/>
+            <p:nvPr/>
+          </p:nvSpPr>
+          <p:spPr>
+            <a:xfrm>
+              <a:off x="8462603" y="1907495"/>
+              <a:ext cx="796212" cy="771330"/>
+            </a:xfrm>
+            <a:prstGeom prst="roundRect">
+              <a:avLst>
+                <a:gd name="adj" fmla="val 3764"/>
+              </a:avLst>
+            </a:prstGeom>
+            <a:solidFill>
+              <a:srgbClr val="B2B2B2">
+                <a:alpha val="35686"/>
+              </a:srgbClr>
+            </a:solidFill>
+            <a:ln>
+              <a:noFill/>
+            </a:ln>
+          </p:spPr>
+          <p:style>
+            <a:lnRef idx="2">
+              <a:schemeClr val="accent1">
+                <a:shade val="50000"/>
+              </a:schemeClr>
+            </a:lnRef>
+            <a:fillRef idx="1">
+              <a:schemeClr val="accent1"/>
+            </a:fillRef>
+            <a:effectRef idx="0">
+              <a:schemeClr val="accent1"/>
+            </a:effectRef>
+            <a:fontRef idx="minor">
+              <a:schemeClr val="lt1"/>
+            </a:fontRef>
+          </p:style>
+          <p:txBody>
+            <a:bodyPr rtlCol="0" anchor="ctr"/>
+            <a:lstStyle/>
+            <a:p>
+              <a:pPr algn="ctr"/>
+              <a:endParaRPr lang="en-US"/>
+            </a:p>
+          </p:txBody>
+        </p:sp>
+        <p:sp>
+          <p:nvSpPr>
+            <p:cNvPr id="17" name="Rectangle: Rounded Corners 16"/>
+            <p:cNvSpPr/>
+            <p:nvPr/>
+          </p:nvSpPr>
+          <p:spPr>
+            <a:xfrm>
+              <a:off x="9146848" y="1282506"/>
+              <a:ext cx="796212" cy="771330"/>
+            </a:xfrm>
+            <a:prstGeom prst="roundRect">
+              <a:avLst>
+                <a:gd name="adj" fmla="val 3764"/>
+              </a:avLst>
+            </a:prstGeom>
+            <a:solidFill>
+              <a:srgbClr val="B2B2B2">
+                <a:alpha val="36078"/>
+              </a:srgbClr>
+            </a:solidFill>
+            <a:ln>
+              <a:noFill/>
+            </a:ln>
+          </p:spPr>
+          <p:style>
+            <a:lnRef idx="2">
+              <a:schemeClr val="accent1">
+                <a:shade val="50000"/>
+              </a:schemeClr>
+            </a:lnRef>
+            <a:fillRef idx="1">
+              <a:schemeClr val="accent1"/>
+            </a:fillRef>
+            <a:effectRef idx="0">
+              <a:schemeClr val="accent1"/>
+            </a:effectRef>
+            <a:fontRef idx="minor">
+              <a:schemeClr val="lt1"/>
+            </a:fontRef>
+          </p:style>
+          <p:txBody>
+            <a:bodyPr rtlCol="0" anchor="ctr"/>
+            <a:lstStyle/>
+            <a:p>
+              <a:pPr algn="ctr"/>
+              <a:endParaRPr lang="en-US"/>
+            </a:p>
+          </p:txBody>
+        </p:sp>
+        <p:sp>
+          <p:nvSpPr>
+            <p:cNvPr id="18" name="Rectangle: Rounded Corners 17"/>
+            <p:cNvSpPr/>
+            <p:nvPr/>
+          </p:nvSpPr>
+          <p:spPr>
+            <a:xfrm>
+              <a:off x="7941410" y="792047"/>
+              <a:ext cx="639381" cy="619400"/>
+            </a:xfrm>
+            <a:prstGeom prst="roundRect">
+              <a:avLst>
+                <a:gd name="adj" fmla="val 3764"/>
+              </a:avLst>
+            </a:prstGeom>
+            <a:solidFill>
+              <a:srgbClr val="B2B2B2">
+                <a:alpha val="36078"/>
+              </a:srgbClr>
+            </a:solidFill>
+            <a:ln>
+              <a:noFill/>
+            </a:ln>
+          </p:spPr>
+          <p:style>
+            <a:lnRef idx="2">
+              <a:schemeClr val="accent1">
+                <a:shade val="50000"/>
+              </a:schemeClr>
+            </a:lnRef>
+            <a:fillRef idx="1">
+              <a:schemeClr val="accent1"/>
+            </a:fillRef>
+            <a:effectRef idx="0">
+              <a:schemeClr val="accent1"/>
+            </a:effectRef>
+            <a:fontRef idx="minor">
+              <a:schemeClr val="lt1"/>
+            </a:fontRef>
+          </p:style>
+          <p:txBody>
+            <a:bodyPr rtlCol="0" anchor="ctr"/>
+            <a:lstStyle/>
+            <a:p>
+              <a:pPr algn="ctr"/>
+              <a:endParaRPr lang="en-US"/>
+            </a:p>
+          </p:txBody>
+        </p:sp>
+        <p:sp>
+          <p:nvSpPr>
+            <p:cNvPr id="19" name="Rectangle: Rounded Corners 18"/>
+            <p:cNvSpPr/>
+            <p:nvPr/>
+          </p:nvSpPr>
+          <p:spPr>
+            <a:xfrm>
+              <a:off x="7716153" y="1605650"/>
+              <a:ext cx="639381" cy="619400"/>
+            </a:xfrm>
+            <a:prstGeom prst="roundRect">
+              <a:avLst>
+                <a:gd name="adj" fmla="val 3764"/>
+              </a:avLst>
+            </a:prstGeom>
+            <a:solidFill>
+              <a:srgbClr val="B2B2B2">
+                <a:alpha val="16078"/>
+              </a:srgbClr>
+            </a:solidFill>
+            <a:ln>
+              <a:noFill/>
+            </a:ln>
+          </p:spPr>
+          <p:style>
+            <a:lnRef idx="2">
+              <a:schemeClr val="accent1">
+                <a:shade val="50000"/>
+              </a:schemeClr>
+            </a:lnRef>
+            <a:fillRef idx="1">
+              <a:schemeClr val="accent1"/>
+            </a:fillRef>
+            <a:effectRef idx="0">
+              <a:schemeClr val="accent1"/>
+            </a:effectRef>
+            <a:fontRef idx="minor">
+              <a:schemeClr val="lt1"/>
+            </a:fontRef>
+          </p:style>
+          <p:txBody>
+            <a:bodyPr rtlCol="0" anchor="ctr"/>
+            <a:lstStyle/>
+            <a:p>
+              <a:pPr algn="ctr"/>
+              <a:endParaRPr lang="en-US"/>
+            </a:p>
+          </p:txBody>
+        </p:sp>
+        <p:sp>
+          <p:nvSpPr>
+            <p:cNvPr id="20" name="Rectangle: Rounded Corners 19"/>
+            <p:cNvSpPr/>
+            <p:nvPr/>
+          </p:nvSpPr>
+          <p:spPr>
+            <a:xfrm>
+              <a:off x="8507467" y="1171388"/>
+              <a:ext cx="564845" cy="547193"/>
+            </a:xfrm>
+            <a:prstGeom prst="roundRect">
+              <a:avLst>
+                <a:gd name="adj" fmla="val 3764"/>
+              </a:avLst>
+            </a:prstGeom>
+            <a:solidFill>
+              <a:schemeClr val="tx1">
+                <a:alpha val="16078"/>
+              </a:schemeClr>
+            </a:solidFill>
+            <a:ln>
+              <a:noFill/>
+            </a:ln>
+          </p:spPr>
+          <p:style>
+            <a:lnRef idx="2">
+              <a:schemeClr val="accent1">
+                <a:shade val="50000"/>
+              </a:schemeClr>
+            </a:lnRef>
+            <a:fillRef idx="1">
+              <a:schemeClr val="accent1"/>
+            </a:fillRef>
+            <a:effectRef idx="0">
+              <a:schemeClr val="accent1"/>
+            </a:effectRef>
+            <a:fontRef idx="minor">
+              <a:schemeClr val="lt1"/>
+            </a:fontRef>
+          </p:style>
+          <p:txBody>
+            <a:bodyPr rtlCol="0" anchor="ctr"/>
+            <a:lstStyle/>
+            <a:p>
+              <a:pPr algn="ctr"/>
+              <a:endParaRPr lang="en-US"/>
+            </a:p>
+          </p:txBody>
+        </p:sp>
+        <p:sp>
+          <p:nvSpPr>
+            <p:cNvPr id="21" name="Rectangle: Rounded Corners 20"/>
+            <p:cNvSpPr/>
+            <p:nvPr/>
+          </p:nvSpPr>
+          <p:spPr>
+            <a:xfrm>
+              <a:off x="10432141" y="824398"/>
+              <a:ext cx="446465" cy="432512"/>
+            </a:xfrm>
+            <a:prstGeom prst="roundRect">
+              <a:avLst>
+                <a:gd name="adj" fmla="val 3764"/>
+              </a:avLst>
+            </a:prstGeom>
+            <a:solidFill>
+              <a:schemeClr val="tx1">
+                <a:alpha val="16078"/>
+              </a:schemeClr>
+            </a:solidFill>
+            <a:ln>
+              <a:noFill/>
+            </a:ln>
+          </p:spPr>
+          <p:style>
+            <a:lnRef idx="2">
+              <a:schemeClr val="accent1">
+                <a:shade val="50000"/>
+              </a:schemeClr>
+            </a:lnRef>
+            <a:fillRef idx="1">
+              <a:schemeClr val="accent1"/>
+            </a:fillRef>
+            <a:effectRef idx="0">
+              <a:schemeClr val="accent1"/>
+            </a:effectRef>
+            <a:fontRef idx="minor">
+              <a:schemeClr val="lt1"/>
+            </a:fontRef>
+          </p:style>
+          <p:txBody>
+            <a:bodyPr rtlCol="0" anchor="ctr"/>
+            <a:lstStyle/>
+            <a:p>
+              <a:pPr algn="ctr"/>
+              <a:endParaRPr lang="en-US"/>
+            </a:p>
+          </p:txBody>
+        </p:sp>
+        <p:sp>
+          <p:nvSpPr>
+            <p:cNvPr id="22" name="Rectangle: Rounded Corners 21"/>
+            <p:cNvSpPr/>
+            <p:nvPr/>
+          </p:nvSpPr>
+          <p:spPr>
+            <a:xfrm>
+              <a:off x="9980380" y="1137850"/>
+              <a:ext cx="564845" cy="547193"/>
+            </a:xfrm>
+            <a:prstGeom prst="roundRect">
+              <a:avLst>
+                <a:gd name="adj" fmla="val 3764"/>
+              </a:avLst>
+            </a:prstGeom>
+            <a:solidFill>
+              <a:srgbClr val="B2B2B2">
+                <a:alpha val="16078"/>
+              </a:srgbClr>
+            </a:solidFill>
+            <a:ln>
+              <a:noFill/>
+            </a:ln>
+          </p:spPr>
+          <p:style>
+            <a:lnRef idx="2">
+              <a:schemeClr val="accent1">
+                <a:shade val="50000"/>
+              </a:schemeClr>
+            </a:lnRef>
+            <a:fillRef idx="1">
+              <a:schemeClr val="accent1"/>
+            </a:fillRef>
+            <a:effectRef idx="0">
+              <a:schemeClr val="accent1"/>
+            </a:effectRef>
+            <a:fontRef idx="minor">
+              <a:schemeClr val="lt1"/>
+            </a:fontRef>
+          </p:style>
+          <p:txBody>
+            <a:bodyPr rtlCol="0" anchor="ctr"/>
+            <a:lstStyle/>
+            <a:p>
+              <a:pPr algn="ctr"/>
+              <a:endParaRPr lang="en-US"/>
+            </a:p>
+          </p:txBody>
+        </p:sp>
+        <p:sp>
+          <p:nvSpPr>
+            <p:cNvPr id="23" name="Rectangle: Rounded Corners 22"/>
+            <p:cNvSpPr/>
+            <p:nvPr/>
+          </p:nvSpPr>
+          <p:spPr>
+            <a:xfrm>
+              <a:off x="9767706" y="1872314"/>
+              <a:ext cx="629444" cy="609773"/>
+            </a:xfrm>
+            <a:prstGeom prst="roundRect">
+              <a:avLst>
+                <a:gd name="adj" fmla="val 3764"/>
+              </a:avLst>
+            </a:prstGeom>
+            <a:solidFill>
+              <a:schemeClr val="tx1">
+                <a:alpha val="16078"/>
+              </a:schemeClr>
+            </a:solidFill>
+            <a:ln>
+              <a:noFill/>
+            </a:ln>
+          </p:spPr>
+          <p:style>
+            <a:lnRef idx="2">
+              <a:schemeClr val="accent1">
+                <a:shade val="50000"/>
+              </a:schemeClr>
+            </a:lnRef>
+            <a:fillRef idx="1">
+              <a:schemeClr val="accent1"/>
+            </a:fillRef>
+            <a:effectRef idx="0">
+              <a:schemeClr val="accent1"/>
+            </a:effectRef>
+            <a:fontRef idx="minor">
+              <a:schemeClr val="lt1"/>
+            </a:fontRef>
+          </p:style>
+          <p:txBody>
+            <a:bodyPr rtlCol="0" anchor="ctr"/>
+            <a:lstStyle/>
+            <a:p>
+              <a:pPr algn="ctr"/>
+              <a:endParaRPr lang="en-US"/>
+            </a:p>
+          </p:txBody>
+        </p:sp>
+        <p:sp>
+          <p:nvSpPr>
+            <p:cNvPr id="24" name="Rectangle: Rounded Corners 23"/>
+            <p:cNvSpPr/>
+            <p:nvPr/>
+          </p:nvSpPr>
+          <p:spPr>
+            <a:xfrm>
+              <a:off x="6964281" y="782202"/>
+              <a:ext cx="533580" cy="516905"/>
+            </a:xfrm>
+            <a:prstGeom prst="roundRect">
+              <a:avLst>
+                <a:gd name="adj" fmla="val 3764"/>
+              </a:avLst>
+            </a:prstGeom>
+            <a:solidFill>
+              <a:srgbClr val="B2B2B2">
+                <a:alpha val="34902"/>
+              </a:srgbClr>
+            </a:solidFill>
+            <a:ln>
+              <a:noFill/>
+            </a:ln>
+          </p:spPr>
+          <p:style>
+            <a:lnRef idx="2">
+              <a:schemeClr val="accent1">
+                <a:shade val="50000"/>
+              </a:schemeClr>
+            </a:lnRef>
+            <a:fillRef idx="1">
+              <a:schemeClr val="accent1"/>
+            </a:fillRef>
+            <a:effectRef idx="0">
+              <a:schemeClr val="accent1"/>
+            </a:effectRef>
+            <a:fontRef idx="minor">
+              <a:schemeClr val="lt1"/>
+            </a:fontRef>
+          </p:style>
+          <p:txBody>
+            <a:bodyPr rtlCol="0" anchor="ctr"/>
+            <a:lstStyle/>
+            <a:p>
+              <a:pPr algn="ctr"/>
+              <a:endParaRPr lang="en-US"/>
+            </a:p>
+          </p:txBody>
+        </p:sp>
+        <p:sp>
+          <p:nvSpPr>
+            <p:cNvPr id="25" name="Rectangle: Rounded Corners 24"/>
+            <p:cNvSpPr/>
+            <p:nvPr/>
+          </p:nvSpPr>
+          <p:spPr>
+            <a:xfrm>
+              <a:off x="6635933" y="471069"/>
+              <a:ext cx="452249" cy="438116"/>
+            </a:xfrm>
+            <a:prstGeom prst="roundRect">
+              <a:avLst>
+                <a:gd name="adj" fmla="val 3764"/>
+              </a:avLst>
+            </a:prstGeom>
+            <a:solidFill>
+              <a:srgbClr val="B2B2B2">
+                <a:alpha val="16078"/>
+              </a:srgbClr>
+            </a:solidFill>
+            <a:ln>
+              <a:noFill/>
+            </a:ln>
+          </p:spPr>
+          <p:style>
+            <a:lnRef idx="2">
+              <a:schemeClr val="accent1">
+                <a:shade val="50000"/>
+              </a:schemeClr>
+            </a:lnRef>
+            <a:fillRef idx="1">
+              <a:schemeClr val="accent1"/>
+            </a:fillRef>
+            <a:effectRef idx="0">
+              <a:schemeClr val="accent1"/>
+            </a:effectRef>
+            <a:fontRef idx="minor">
+              <a:schemeClr val="lt1"/>
+            </a:fontRef>
+          </p:style>
+          <p:txBody>
+            <a:bodyPr rtlCol="0" anchor="ctr"/>
+            <a:lstStyle/>
+            <a:p>
+              <a:pPr algn="ctr"/>
+              <a:endParaRPr lang="en-US"/>
+            </a:p>
+          </p:txBody>
+        </p:sp>
+        <p:sp>
+          <p:nvSpPr>
+            <p:cNvPr id="26" name="Rectangle: Rounded Corners 25"/>
+            <p:cNvSpPr/>
+            <p:nvPr/>
+          </p:nvSpPr>
+          <p:spPr>
+            <a:xfrm>
+              <a:off x="10913566" y="1332916"/>
+              <a:ext cx="796212" cy="771330"/>
+            </a:xfrm>
+            <a:prstGeom prst="roundRect">
+              <a:avLst>
+                <a:gd name="adj" fmla="val 3764"/>
+              </a:avLst>
+            </a:prstGeom>
+            <a:solidFill>
+              <a:srgbClr val="B2B2B2">
+                <a:alpha val="36078"/>
+              </a:srgbClr>
+            </a:solidFill>
+            <a:ln>
+              <a:noFill/>
+            </a:ln>
+          </p:spPr>
+          <p:style>
+            <a:lnRef idx="2">
+              <a:schemeClr val="accent1">
+                <a:shade val="50000"/>
+              </a:schemeClr>
+            </a:lnRef>
+            <a:fillRef idx="1">
+              <a:schemeClr val="accent1"/>
+            </a:fillRef>
+            <a:effectRef idx="0">
+              <a:schemeClr val="accent1"/>
+            </a:effectRef>
+            <a:fontRef idx="minor">
+              <a:schemeClr val="lt1"/>
+            </a:fontRef>
+          </p:style>
+          <p:txBody>
+            <a:bodyPr rtlCol="0" anchor="ctr"/>
+            <a:lstStyle/>
+            <a:p>
+              <a:pPr algn="ctr"/>
+              <a:endParaRPr lang="en-US"/>
+            </a:p>
+          </p:txBody>
+        </p:sp>
+        <p:sp>
+          <p:nvSpPr>
+            <p:cNvPr id="27" name="Rectangle: Rounded Corners 26"/>
+            <p:cNvSpPr/>
+            <p:nvPr/>
+          </p:nvSpPr>
+          <p:spPr>
+            <a:xfrm>
+              <a:off x="10505113" y="1949547"/>
+              <a:ext cx="555406" cy="538049"/>
+            </a:xfrm>
+            <a:prstGeom prst="roundRect">
+              <a:avLst>
+                <a:gd name="adj" fmla="val 3764"/>
+              </a:avLst>
+            </a:prstGeom>
+            <a:solidFill>
+              <a:srgbClr val="B2B2B2">
+                <a:alpha val="36078"/>
+              </a:srgbClr>
+            </a:solidFill>
+            <a:ln>
+              <a:noFill/>
+            </a:ln>
+          </p:spPr>
+          <p:style>
+            <a:lnRef idx="2">
+              <a:schemeClr val="accent1">
+                <a:shade val="50000"/>
+              </a:schemeClr>
+            </a:lnRef>
+            <a:fillRef idx="1">
+              <a:schemeClr val="accent1"/>
+            </a:fillRef>
+            <a:effectRef idx="0">
+              <a:schemeClr val="accent1"/>
+            </a:effectRef>
+            <a:fontRef idx="minor">
+              <a:schemeClr val="lt1"/>
+            </a:fontRef>
+          </p:style>
+          <p:txBody>
+            <a:bodyPr rtlCol="0" anchor="ctr"/>
+            <a:lstStyle/>
+            <a:p>
+              <a:pPr algn="ctr"/>
+              <a:endParaRPr lang="en-US"/>
+            </a:p>
+          </p:txBody>
+        </p:sp>
+      </p:grpSp>
+      <p:sp>
+        <p:nvSpPr>
+          <p:cNvPr id="29" name="Rectangle 28"/>
+          <p:cNvSpPr/>
+          <p:nvPr/>
+        </p:nvSpPr>
+        <p:spPr>
+          <a:xfrm>
+            <a:off x="255621" y="218364"/>
+            <a:ext cx="3030816" cy="6414448"/>
+          </a:xfrm>
+          <a:prstGeom prst="rect">
+            <a:avLst/>
+          </a:prstGeom>
+          <a:ln>
+            <a:noFill/>
+          </a:ln>
+        </p:spPr>
+        <p:style>
+          <a:lnRef idx="2">
+            <a:schemeClr val="accent1">
+              <a:shade val="50000"/>
+            </a:schemeClr>
+          </a:lnRef>
+          <a:fillRef idx="1">
+            <a:schemeClr val="accent1"/>
+          </a:fillRef>
+          <a:effectRef idx="0">
+            <a:schemeClr val="accent1"/>
+          </a:effectRef>
+          <a:fontRef idx="minor">
+            <a:schemeClr val="lt1"/>
+          </a:fontRef>
+        </p:style>
+        <p:txBody>
+          <a:bodyPr rtlCol="0" anchor="ctr"/>
+          <a:lstStyle/>
+          <a:p>
+            <a:pPr algn="ctr"/>
+            <a:endParaRPr lang="en-US"/>
+          </a:p>
+        </p:txBody>
+      </p:sp>
+      <p:sp>
+        <p:nvSpPr>
+          <p:cNvPr id="30" name="Rectangle 29"/>
+          <p:cNvSpPr/>
+          <p:nvPr/>
+        </p:nvSpPr>
+        <p:spPr>
+          <a:xfrm>
+            <a:off x="6509982" y="297516"/>
+            <a:ext cx="5472752" cy="2868765"/>
+          </a:xfrm>
+          <a:prstGeom prst="rect">
+            <a:avLst/>
+          </a:prstGeom>
+          <a:solidFill>
+            <a:srgbClr val="FFFFFF">
+              <a:alpha val="47843"/>
+            </a:srgbClr>
+          </a:solidFill>
+          <a:ln>
+            <a:noFill/>
+          </a:ln>
+        </p:spPr>
+        <p:style>
+          <a:lnRef idx="2">
+            <a:schemeClr val="accent1">
+              <a:shade val="50000"/>
+            </a:schemeClr>
+          </a:lnRef>
+          <a:fillRef idx="1">
+            <a:schemeClr val="accent1"/>
+          </a:fillRef>
+          <a:effectRef idx="0">
+            <a:schemeClr val="accent1"/>
+          </a:effectRef>
+          <a:fontRef idx="minor">
+            <a:schemeClr val="lt1"/>
+          </a:fontRef>
+        </p:style>
+        <p:txBody>
+          <a:bodyPr rtlCol="0" anchor="ctr"/>
+          <a:lstStyle/>
+          <a:p>
+            <a:pPr algn="ctr"/>
+            <a:endParaRPr lang="en-US"/>
+          </a:p>
+        </p:txBody>
+      </p:sp>
+      <p:pic>
+        <p:nvPicPr>
+          <p:cNvPr id="28" name="Picture 27"/>
+          <p:cNvPicPr>
+            <a:picLocks noChangeAspect="1"/>
+          </p:cNvPicPr>
+          <p:nvPr/>
+        </p:nvPicPr>
+        <p:blipFill>
+          <a:blip r:embed="rId2">
+            <a:extLst>
+              <a:ext uri="{28A0092B-C50C-407E-A947-70E740481C1C}">
+                <a14:useLocalDpi xmlns:a14="http://schemas.microsoft.com/office/drawing/2010/main" val="0"/>
+              </a:ext>
+            </a:extLst>
+          </a:blip>
+          <a:stretch>
+            <a:fillRect/>
+          </a:stretch>
+        </p:blipFill>
+        <p:spPr>
+          <a:xfrm>
+            <a:off x="8727059" y="297516"/>
+            <a:ext cx="3189796" cy="430176"/>
+          </a:xfrm>
+          <a:prstGeom prst="rect">
+            <a:avLst/>
+          </a:prstGeom>
+        </p:spPr>
+      </p:pic>
+      <p:sp>
+        <p:nvSpPr>
+          <p:cNvPr id="6" name="Slide Number Placeholder 5"/>
+          <p:cNvSpPr>
+            <a:spLocks noGrp="1"/>
+          </p:cNvSpPr>
+          <p:nvPr>
+            <p:ph type="sldNum" sz="quarter" idx="12"/>
+          </p:nvPr>
+        </p:nvSpPr>
+        <p:spPr>
+          <a:xfrm>
+            <a:off x="9104965" y="6255092"/>
+            <a:ext cx="2743200" cy="365125"/>
+          </a:xfrm>
+        </p:spPr>
+        <p:txBody>
+          <a:bodyPr/>
+          <a:lstStyle>
+            <a:lvl1pPr>
+              <a:defRPr>
+                <a:solidFill>
+                  <a:schemeClr val="bg1"/>
+                </a:solidFill>
+                <a:latin typeface="Segoe UI Semibold" panose="020B0702040204020203" pitchFamily="34" charset="0"/>
+              </a:defRPr>
+            </a:lvl1pPr>
+          </a:lstStyle>
+          <a:p>
+            <a:fld id="{3D842AAE-86FF-451A-B7C6-0D03DAE39848}" type="slidenum">
+              <a:rPr lang="en-IN" smtClean="0"/>
+              <a:t>‹#›</a:t>
+            </a:fld>
+            <a:endParaRPr lang="en-IN"/>
+          </a:p>
+        </p:txBody>
+      </p:sp>
+      <p:grpSp>
+        <p:nvGrpSpPr>
+          <p:cNvPr id="31" name="Group 30"/>
+          <p:cNvGrpSpPr/>
+          <p:nvPr/>
+        </p:nvGrpSpPr>
+        <p:grpSpPr>
+          <a:xfrm>
+            <a:off x="10530273" y="5880370"/>
+            <a:ext cx="1301885" cy="606738"/>
+            <a:chOff x="10717834" y="5953476"/>
+            <a:chExt cx="1051094" cy="489858"/>
+          </a:xfrm>
+        </p:grpSpPr>
+        <p:sp>
+          <p:nvSpPr>
+            <p:cNvPr id="32" name="Oval 31"/>
+            <p:cNvSpPr/>
+            <p:nvPr/>
+          </p:nvSpPr>
+          <p:spPr>
+            <a:xfrm>
+              <a:off x="10917283" y="5953476"/>
+              <a:ext cx="489858" cy="489858"/>
+            </a:xfrm>
+            <a:prstGeom prst="ellipse">
+              <a:avLst/>
+            </a:prstGeom>
+            <a:ln>
+              <a:noFill/>
+            </a:ln>
+          </p:spPr>
+          <p:style>
+            <a:lnRef idx="2">
+              <a:schemeClr val="accent1">
+                <a:shade val="50000"/>
+              </a:schemeClr>
+            </a:lnRef>
+            <a:fillRef idx="1">
+              <a:schemeClr val="accent1"/>
+            </a:fillRef>
+            <a:effectRef idx="0">
+              <a:schemeClr val="accent1"/>
+            </a:effectRef>
+            <a:fontRef idx="minor">
+              <a:schemeClr val="lt1"/>
+            </a:fontRef>
+          </p:style>
+          <p:txBody>
+            <a:bodyPr rtlCol="0" anchor="ctr"/>
+            <a:lstStyle/>
+            <a:p>
+              <a:pPr algn="ctr"/>
+              <a:endParaRPr lang="en-US"/>
+            </a:p>
+          </p:txBody>
+        </p:sp>
+        <p:sp>
+          <p:nvSpPr>
+            <p:cNvPr id="33" name="Oval 32"/>
+            <p:cNvSpPr/>
+            <p:nvPr/>
+          </p:nvSpPr>
+          <p:spPr>
+            <a:xfrm>
+              <a:off x="10717834" y="6137674"/>
+              <a:ext cx="247262" cy="247262"/>
+            </a:xfrm>
+            <a:prstGeom prst="ellipse">
+              <a:avLst/>
+            </a:prstGeom>
+            <a:ln>
+              <a:noFill/>
+            </a:ln>
+          </p:spPr>
+          <p:style>
+            <a:lnRef idx="2">
+              <a:schemeClr val="accent1">
+                <a:shade val="50000"/>
+              </a:schemeClr>
+            </a:lnRef>
+            <a:fillRef idx="1">
+              <a:schemeClr val="accent1"/>
+            </a:fillRef>
+            <a:effectRef idx="0">
+              <a:schemeClr val="accent1"/>
+            </a:effectRef>
+            <a:fontRef idx="minor">
+              <a:schemeClr val="lt1"/>
+            </a:fontRef>
+          </p:style>
+          <p:txBody>
+            <a:bodyPr rtlCol="0" anchor="ctr"/>
+            <a:lstStyle/>
+            <a:p>
+              <a:pPr algn="ctr"/>
+              <a:endParaRPr lang="en-US"/>
+            </a:p>
+          </p:txBody>
+        </p:sp>
+        <p:sp>
+          <p:nvSpPr>
+            <p:cNvPr id="34" name="Oval 33"/>
+            <p:cNvSpPr/>
+            <p:nvPr/>
+          </p:nvSpPr>
+          <p:spPr>
+            <a:xfrm>
+              <a:off x="11335295" y="6087370"/>
+              <a:ext cx="192599" cy="192599"/>
+            </a:xfrm>
+            <a:prstGeom prst="ellipse">
+              <a:avLst/>
+            </a:prstGeom>
+            <a:ln>
+              <a:noFill/>
+            </a:ln>
+          </p:spPr>
+          <p:style>
+            <a:lnRef idx="2">
+              <a:schemeClr val="accent1">
+                <a:shade val="50000"/>
+              </a:schemeClr>
+            </a:lnRef>
+            <a:fillRef idx="1">
+              <a:schemeClr val="accent1"/>
+            </a:fillRef>
+            <a:effectRef idx="0">
+              <a:schemeClr val="accent1"/>
+            </a:effectRef>
+            <a:fontRef idx="minor">
+              <a:schemeClr val="lt1"/>
+            </a:fontRef>
+          </p:style>
+          <p:txBody>
+            <a:bodyPr rtlCol="0" anchor="ctr"/>
+            <a:lstStyle/>
+            <a:p>
+              <a:pPr algn="ctr"/>
+              <a:endParaRPr lang="en-US"/>
+            </a:p>
+          </p:txBody>
+        </p:sp>
+        <p:sp>
+          <p:nvSpPr>
+            <p:cNvPr id="35" name="Oval 34"/>
+            <p:cNvSpPr/>
+            <p:nvPr/>
+          </p:nvSpPr>
+          <p:spPr>
+            <a:xfrm>
+              <a:off x="11482959" y="6098840"/>
+              <a:ext cx="285969" cy="285969"/>
+            </a:xfrm>
+            <a:prstGeom prst="ellipse">
+              <a:avLst/>
+            </a:prstGeom>
+            <a:ln>
+              <a:noFill/>
+            </a:ln>
+          </p:spPr>
+          <p:style>
+            <a:lnRef idx="2">
+              <a:schemeClr val="accent1">
+                <a:shade val="50000"/>
+              </a:schemeClr>
+            </a:lnRef>
+            <a:fillRef idx="1">
+              <a:schemeClr val="accent1"/>
+            </a:fillRef>
+            <a:effectRef idx="0">
+              <a:schemeClr val="accent1"/>
+            </a:effectRef>
+            <a:fontRef idx="minor">
+              <a:schemeClr val="lt1"/>
+            </a:fontRef>
+          </p:style>
+          <p:txBody>
+            <a:bodyPr rtlCol="0" anchor="ctr"/>
+            <a:lstStyle/>
+            <a:p>
+              <a:pPr algn="ctr"/>
+              <a:endParaRPr lang="en-US"/>
+            </a:p>
+          </p:txBody>
+        </p:sp>
+        <p:sp>
+          <p:nvSpPr>
+            <p:cNvPr id="36" name="Oval 35"/>
+            <p:cNvSpPr/>
+            <p:nvPr/>
+          </p:nvSpPr>
+          <p:spPr>
+            <a:xfrm>
+              <a:off x="10841465" y="6087370"/>
+              <a:ext cx="100608" cy="100608"/>
+            </a:xfrm>
+            <a:prstGeom prst="ellipse">
+              <a:avLst/>
+            </a:prstGeom>
+            <a:ln>
+              <a:noFill/>
+            </a:ln>
+          </p:spPr>
+          <p:style>
+            <a:lnRef idx="2">
+              <a:schemeClr val="accent1">
+                <a:shade val="50000"/>
+              </a:schemeClr>
+            </a:lnRef>
+            <a:fillRef idx="1">
+              <a:schemeClr val="accent1"/>
+            </a:fillRef>
+            <a:effectRef idx="0">
+              <a:schemeClr val="accent1"/>
+            </a:effectRef>
+            <a:fontRef idx="minor">
+              <a:schemeClr val="lt1"/>
+            </a:fontRef>
+          </p:style>
+          <p:txBody>
+            <a:bodyPr rtlCol="0" anchor="ctr"/>
+            <a:lstStyle/>
+            <a:p>
+              <a:pPr algn="ctr"/>
+              <a:endParaRPr lang="en-US"/>
+            </a:p>
+          </p:txBody>
+        </p:sp>
+      </p:grpSp>
+    </p:spTree>
+    <p:extLst>
+      <p:ext uri="{BB962C8B-B14F-4D97-AF65-F5344CB8AC3E}">
+        <p14:creationId xmlns:p14="http://schemas.microsoft.com/office/powerpoint/2010/main" val="2059335172"/>
+      </p:ext>
+    </p:extLst>
+  </p:cSld>
+  <p:clrMapOvr>
+    <a:masterClrMapping/>
+  </p:clrMapOvr>
+  <mc:AlternateContent xmlns:mc="http://schemas.openxmlformats.org/markup-compatibility/2006" xmlns:p14="http://schemas.microsoft.com/office/powerpoint/2010/main">
+    <mc:Choice Requires="p14">
+      <p:transition spd="med" p14:dur="700">
+        <p:fade/>
+      </p:transition>
+    </mc:Choice>
+    <mc:Fallback xmlns="">
+      <p:transition spd="med">
+        <p:fade/>
+      </p:transition>
+    </mc:Fallback>
+  </mc:AlternateContent>
+</p:sldLayout>
+</file>
+
+<file path=ppt/slideLayouts/slideLayout4.xml><?xml version="1.0" encoding="utf-8"?>
 <p:sldLayout xmlns:a="http://schemas.openxmlformats.org/drawingml/2006/main" xmlns:r="http://schemas.openxmlformats.org/officeDocument/2006/relationships" xmlns:p="http://schemas.openxmlformats.org/presentationml/2006/main" type="secHead" preserve="1">
   <p:cSld name="Section Header">
     <p:spTree>
@@ -963,13 +4618,50 @@
       </p:grpSpPr>
       <p:sp>
         <p:nvSpPr>
-          <p:cNvPr id="2" name="Title 1">
-            <a:extLst>
-              <a:ext uri="{FF2B5EF4-FFF2-40B4-BE49-F238E27FC236}">
-                <a16:creationId xmlns:a16="http://schemas.microsoft.com/office/drawing/2014/main" id="{287C3B15-FE91-4401-9909-44426D79500B}"/>
-              </a:ext>
-            </a:extLst>
-          </p:cNvPr>
+          <p:cNvPr id="23" name="Rectangle 22"/>
+          <p:cNvSpPr/>
+          <p:nvPr/>
+        </p:nvSpPr>
+        <p:spPr>
+          <a:xfrm>
+            <a:off x="254974" y="4032574"/>
+            <a:ext cx="11723425" cy="2595903"/>
+          </a:xfrm>
+          <a:prstGeom prst="rect">
+            <a:avLst/>
+          </a:prstGeom>
+          <a:ln>
+            <a:noFill/>
+          </a:ln>
+        </p:spPr>
+        <p:style>
+          <a:lnRef idx="2">
+            <a:schemeClr val="accent1">
+              <a:shade val="50000"/>
+            </a:schemeClr>
+          </a:lnRef>
+          <a:fillRef idx="1">
+            <a:schemeClr val="accent1"/>
+          </a:fillRef>
+          <a:effectRef idx="0">
+            <a:schemeClr val="accent1"/>
+          </a:effectRef>
+          <a:fontRef idx="minor">
+            <a:schemeClr val="lt1"/>
+          </a:fontRef>
+        </p:style>
+        <p:txBody>
+          <a:bodyPr rtlCol="0" anchor="ctr"/>
+          <a:lstStyle/>
+          <a:p>
+            <a:pPr algn="ctr"/>
+            <a:endParaRPr lang="en-US"/>
+          </a:p>
+        </p:txBody>
+      </p:sp>
+      <p:sp>
+        <p:nvSpPr>
+          <p:cNvPr id="2" name="Title 1"/>
           <p:cNvSpPr>
             <a:spLocks noGrp="1"/>
           </p:cNvSpPr>
@@ -980,14 +4672,24 @@
         <p:spPr>
           <a:xfrm>
             <a:off x="831850" y="1709738"/>
-            <a:ext cx="10515600" cy="2852737"/>
+            <a:ext cx="10515600" cy="2284973"/>
           </a:xfrm>
         </p:spPr>
         <p:txBody>
-          <a:bodyPr anchor="b"/>
+          <a:bodyPr anchor="ctr">
+            <a:normAutofit/>
+          </a:bodyPr>
           <a:lstStyle>
-            <a:lvl1pPr>
-              <a:defRPr sz="6000"/>
+            <a:lvl1pPr algn="ctr">
+              <a:defRPr sz="4400">
+                <a:solidFill>
+                  <a:schemeClr val="tx1">
+                    <a:lumMod val="65000"/>
+                    <a:lumOff val="35000"/>
+                  </a:schemeClr>
+                </a:solidFill>
+                <a:latin typeface="Segoe UI Light" panose="020B0502040204020203" pitchFamily="34" charset="0"/>
+              </a:defRPr>
             </a:lvl1pPr>
           </a:lstStyle>
           <a:p>
@@ -995,19 +4697,12 @@
               <a:rPr lang="en-US"/>
               <a:t>Click to edit Master title style</a:t>
             </a:r>
-            <a:endParaRPr lang="en-IN"/>
           </a:p>
         </p:txBody>
       </p:sp>
       <p:sp>
         <p:nvSpPr>
-          <p:cNvPr id="3" name="Text Placeholder 2">
-            <a:extLst>
-              <a:ext uri="{FF2B5EF4-FFF2-40B4-BE49-F238E27FC236}">
-                <a16:creationId xmlns:a16="http://schemas.microsoft.com/office/drawing/2014/main" id="{F29A268E-DE5B-4662-B2AC-47DF7AC8130D}"/>
-              </a:ext>
-            </a:extLst>
-          </p:cNvPr>
+          <p:cNvPr id="3" name="Text Placeholder 2"/>
           <p:cNvSpPr>
             <a:spLocks noGrp="1"/>
           </p:cNvSpPr>
@@ -1022,16 +4717,15 @@
           </a:xfrm>
         </p:spPr>
         <p:txBody>
-          <a:bodyPr/>
+          <a:bodyPr anchor="ctr"/>
           <a:lstStyle>
-            <a:lvl1pPr marL="0" indent="0">
+            <a:lvl1pPr marL="0" indent="0" algn="ctr">
               <a:buNone/>
               <a:defRPr sz="2400">
                 <a:solidFill>
-                  <a:schemeClr val="tx1">
-                    <a:tint val="75000"/>
-                  </a:schemeClr>
+                  <a:schemeClr val="bg1"/>
                 </a:solidFill>
+                <a:latin typeface="Segoe UI Semibold" panose="020B0702040204020203" pitchFamily="34" charset="0"/>
               </a:defRPr>
             </a:lvl1pPr>
             <a:lvl2pPr marL="457200" indent="0">
@@ -1126,13 +4820,7 @@
       </p:sp>
       <p:sp>
         <p:nvSpPr>
-          <p:cNvPr id="4" name="Date Placeholder 3">
-            <a:extLst>
-              <a:ext uri="{FF2B5EF4-FFF2-40B4-BE49-F238E27FC236}">
-                <a16:creationId xmlns:a16="http://schemas.microsoft.com/office/drawing/2014/main" id="{451B2C78-EDB8-410B-87B8-9885C0242834}"/>
-              </a:ext>
-            </a:extLst>
-          </p:cNvPr>
+          <p:cNvPr id="4" name="Date Placeholder 3"/>
           <p:cNvSpPr>
             <a:spLocks noGrp="1"/>
           </p:cNvSpPr>
@@ -1155,13 +4843,7 @@
       </p:sp>
       <p:sp>
         <p:nvSpPr>
-          <p:cNvPr id="5" name="Footer Placeholder 4">
-            <a:extLst>
-              <a:ext uri="{FF2B5EF4-FFF2-40B4-BE49-F238E27FC236}">
-                <a16:creationId xmlns:a16="http://schemas.microsoft.com/office/drawing/2014/main" id="{3776A8D1-82A3-4181-ABD9-802F602B4F57}"/>
-              </a:ext>
-            </a:extLst>
-          </p:cNvPr>
+          <p:cNvPr id="5" name="Footer Placeholder 4"/>
           <p:cNvSpPr>
             <a:spLocks noGrp="1"/>
           </p:cNvSpPr>
@@ -1180,13 +4862,7 @@
       </p:sp>
       <p:sp>
         <p:nvSpPr>
-          <p:cNvPr id="6" name="Slide Number Placeholder 5">
-            <a:extLst>
-              <a:ext uri="{FF2B5EF4-FFF2-40B4-BE49-F238E27FC236}">
-                <a16:creationId xmlns:a16="http://schemas.microsoft.com/office/drawing/2014/main" id="{79FCEF0A-6C05-452E-B5AD-2F926D16EC95}"/>
-              </a:ext>
-            </a:extLst>
-          </p:cNvPr>
+          <p:cNvPr id="6" name="Slide Number Placeholder 5"/>
           <p:cNvSpPr>
             <a:spLocks noGrp="1"/>
           </p:cNvSpPr>
@@ -1194,10 +4870,23 @@
             <p:ph type="sldNum" sz="quarter" idx="12"/>
           </p:nvPr>
         </p:nvSpPr>
-        <p:spPr/>
+        <p:spPr>
+          <a:xfrm>
+            <a:off x="9036992" y="6220194"/>
+            <a:ext cx="2743200" cy="365125"/>
+          </a:xfrm>
+        </p:spPr>
         <p:txBody>
           <a:bodyPr/>
-          <a:lstStyle/>
+          <a:lstStyle>
+            <a:lvl1pPr>
+              <a:defRPr>
+                <a:solidFill>
+                  <a:schemeClr val="bg1"/>
+                </a:solidFill>
+              </a:defRPr>
+            </a:lvl1pPr>
+          </a:lstStyle>
           <a:p>
             <a:fld id="{3D842AAE-86FF-451A-B7C6-0D03DAE39848}" type="slidenum">
               <a:rPr lang="en-IN" smtClean="0"/>
@@ -1207,20 +4896,1103 @@
           </a:p>
         </p:txBody>
       </p:sp>
+      <p:sp>
+        <p:nvSpPr>
+          <p:cNvPr id="7" name="Rectangle 6"/>
+          <p:cNvSpPr/>
+          <p:nvPr/>
+        </p:nvSpPr>
+        <p:spPr>
+          <a:xfrm>
+            <a:off x="245660" y="218364"/>
+            <a:ext cx="11737074" cy="6414448"/>
+          </a:xfrm>
+          <a:prstGeom prst="rect">
+            <a:avLst/>
+          </a:prstGeom>
+          <a:noFill/>
+          <a:ln>
+            <a:solidFill>
+              <a:schemeClr val="bg1">
+                <a:lumMod val="85000"/>
+              </a:schemeClr>
+            </a:solidFill>
+          </a:ln>
+        </p:spPr>
+        <p:style>
+          <a:lnRef idx="2">
+            <a:schemeClr val="accent1">
+              <a:shade val="50000"/>
+            </a:schemeClr>
+          </a:lnRef>
+          <a:fillRef idx="1">
+            <a:schemeClr val="accent1"/>
+          </a:fillRef>
+          <a:effectRef idx="0">
+            <a:schemeClr val="accent1"/>
+          </a:effectRef>
+          <a:fontRef idx="minor">
+            <a:schemeClr val="lt1"/>
+          </a:fontRef>
+        </p:style>
+        <p:txBody>
+          <a:bodyPr rtlCol="0" anchor="ctr"/>
+          <a:lstStyle/>
+          <a:p>
+            <a:pPr algn="ctr"/>
+            <a:endParaRPr lang="en-US"/>
+          </a:p>
+        </p:txBody>
+      </p:sp>
+      <p:grpSp>
+        <p:nvGrpSpPr>
+          <p:cNvPr id="8" name="Group 7"/>
+          <p:cNvGrpSpPr/>
+          <p:nvPr/>
+        </p:nvGrpSpPr>
+        <p:grpSpPr>
+          <a:xfrm>
+            <a:off x="6827001" y="313900"/>
+            <a:ext cx="5073845" cy="2478445"/>
+            <a:chOff x="6635933" y="200380"/>
+            <a:chExt cx="5073845" cy="2478445"/>
+          </a:xfrm>
+        </p:grpSpPr>
+        <p:sp>
+          <p:nvSpPr>
+            <p:cNvPr id="9" name="Rectangle: Rounded Corners 8"/>
+            <p:cNvSpPr/>
+            <p:nvPr/>
+          </p:nvSpPr>
+          <p:spPr>
+            <a:xfrm>
+              <a:off x="7305607" y="200380"/>
+              <a:ext cx="796212" cy="771330"/>
+            </a:xfrm>
+            <a:prstGeom prst="roundRect">
+              <a:avLst>
+                <a:gd name="adj" fmla="val 3764"/>
+              </a:avLst>
+            </a:prstGeom>
+            <a:solidFill>
+              <a:srgbClr val="B2B2B2">
+                <a:alpha val="16078"/>
+              </a:srgbClr>
+            </a:solidFill>
+            <a:ln>
+              <a:noFill/>
+            </a:ln>
+          </p:spPr>
+          <p:style>
+            <a:lnRef idx="2">
+              <a:schemeClr val="accent1">
+                <a:shade val="50000"/>
+              </a:schemeClr>
+            </a:lnRef>
+            <a:fillRef idx="1">
+              <a:schemeClr val="accent1"/>
+            </a:fillRef>
+            <a:effectRef idx="0">
+              <a:schemeClr val="accent1"/>
+            </a:effectRef>
+            <a:fontRef idx="minor">
+              <a:schemeClr val="lt1"/>
+            </a:fontRef>
+          </p:style>
+          <p:txBody>
+            <a:bodyPr rtlCol="0" anchor="ctr"/>
+            <a:lstStyle/>
+            <a:p>
+              <a:pPr algn="ctr"/>
+              <a:endParaRPr lang="en-US"/>
+            </a:p>
+          </p:txBody>
+        </p:sp>
+        <p:sp>
+          <p:nvSpPr>
+            <p:cNvPr id="10" name="Rectangle: Rounded Corners 9"/>
+            <p:cNvSpPr/>
+            <p:nvPr/>
+          </p:nvSpPr>
+          <p:spPr>
+            <a:xfrm>
+              <a:off x="8804725" y="458140"/>
+              <a:ext cx="796212" cy="771330"/>
+            </a:xfrm>
+            <a:prstGeom prst="roundRect">
+              <a:avLst>
+                <a:gd name="adj" fmla="val 3764"/>
+              </a:avLst>
+            </a:prstGeom>
+            <a:solidFill>
+              <a:srgbClr val="B2B2B2">
+                <a:alpha val="36078"/>
+              </a:srgbClr>
+            </a:solidFill>
+            <a:ln>
+              <a:noFill/>
+            </a:ln>
+          </p:spPr>
+          <p:style>
+            <a:lnRef idx="2">
+              <a:schemeClr val="accent1">
+                <a:shade val="50000"/>
+              </a:schemeClr>
+            </a:lnRef>
+            <a:fillRef idx="1">
+              <a:schemeClr val="accent1"/>
+            </a:fillRef>
+            <a:effectRef idx="0">
+              <a:schemeClr val="accent1"/>
+            </a:effectRef>
+            <a:fontRef idx="minor">
+              <a:schemeClr val="lt1"/>
+            </a:fontRef>
+          </p:style>
+          <p:txBody>
+            <a:bodyPr rtlCol="0" anchor="ctr"/>
+            <a:lstStyle/>
+            <a:p>
+              <a:pPr algn="ctr"/>
+              <a:endParaRPr lang="en-US"/>
+            </a:p>
+          </p:txBody>
+        </p:sp>
+        <p:sp>
+          <p:nvSpPr>
+            <p:cNvPr id="11" name="Rectangle: Rounded Corners 10"/>
+            <p:cNvSpPr/>
+            <p:nvPr/>
+          </p:nvSpPr>
+          <p:spPr>
+            <a:xfrm>
+              <a:off x="8462603" y="1907495"/>
+              <a:ext cx="796212" cy="771330"/>
+            </a:xfrm>
+            <a:prstGeom prst="roundRect">
+              <a:avLst>
+                <a:gd name="adj" fmla="val 3764"/>
+              </a:avLst>
+            </a:prstGeom>
+            <a:solidFill>
+              <a:srgbClr val="B2B2B2">
+                <a:alpha val="35686"/>
+              </a:srgbClr>
+            </a:solidFill>
+            <a:ln>
+              <a:noFill/>
+            </a:ln>
+          </p:spPr>
+          <p:style>
+            <a:lnRef idx="2">
+              <a:schemeClr val="accent1">
+                <a:shade val="50000"/>
+              </a:schemeClr>
+            </a:lnRef>
+            <a:fillRef idx="1">
+              <a:schemeClr val="accent1"/>
+            </a:fillRef>
+            <a:effectRef idx="0">
+              <a:schemeClr val="accent1"/>
+            </a:effectRef>
+            <a:fontRef idx="minor">
+              <a:schemeClr val="lt1"/>
+            </a:fontRef>
+          </p:style>
+          <p:txBody>
+            <a:bodyPr rtlCol="0" anchor="ctr"/>
+            <a:lstStyle/>
+            <a:p>
+              <a:pPr algn="ctr"/>
+              <a:endParaRPr lang="en-US"/>
+            </a:p>
+          </p:txBody>
+        </p:sp>
+        <p:sp>
+          <p:nvSpPr>
+            <p:cNvPr id="12" name="Rectangle: Rounded Corners 11"/>
+            <p:cNvSpPr/>
+            <p:nvPr/>
+          </p:nvSpPr>
+          <p:spPr>
+            <a:xfrm>
+              <a:off x="9146848" y="1282506"/>
+              <a:ext cx="796212" cy="771330"/>
+            </a:xfrm>
+            <a:prstGeom prst="roundRect">
+              <a:avLst>
+                <a:gd name="adj" fmla="val 3764"/>
+              </a:avLst>
+            </a:prstGeom>
+            <a:solidFill>
+              <a:srgbClr val="B2B2B2">
+                <a:alpha val="36078"/>
+              </a:srgbClr>
+            </a:solidFill>
+            <a:ln>
+              <a:noFill/>
+            </a:ln>
+          </p:spPr>
+          <p:style>
+            <a:lnRef idx="2">
+              <a:schemeClr val="accent1">
+                <a:shade val="50000"/>
+              </a:schemeClr>
+            </a:lnRef>
+            <a:fillRef idx="1">
+              <a:schemeClr val="accent1"/>
+            </a:fillRef>
+            <a:effectRef idx="0">
+              <a:schemeClr val="accent1"/>
+            </a:effectRef>
+            <a:fontRef idx="minor">
+              <a:schemeClr val="lt1"/>
+            </a:fontRef>
+          </p:style>
+          <p:txBody>
+            <a:bodyPr rtlCol="0" anchor="ctr"/>
+            <a:lstStyle/>
+            <a:p>
+              <a:pPr algn="ctr"/>
+              <a:endParaRPr lang="en-US"/>
+            </a:p>
+          </p:txBody>
+        </p:sp>
+        <p:sp>
+          <p:nvSpPr>
+            <p:cNvPr id="13" name="Rectangle: Rounded Corners 12"/>
+            <p:cNvSpPr/>
+            <p:nvPr/>
+          </p:nvSpPr>
+          <p:spPr>
+            <a:xfrm>
+              <a:off x="7941410" y="792047"/>
+              <a:ext cx="639381" cy="619400"/>
+            </a:xfrm>
+            <a:prstGeom prst="roundRect">
+              <a:avLst>
+                <a:gd name="adj" fmla="val 3764"/>
+              </a:avLst>
+            </a:prstGeom>
+            <a:solidFill>
+              <a:srgbClr val="B2B2B2">
+                <a:alpha val="36078"/>
+              </a:srgbClr>
+            </a:solidFill>
+            <a:ln>
+              <a:noFill/>
+            </a:ln>
+          </p:spPr>
+          <p:style>
+            <a:lnRef idx="2">
+              <a:schemeClr val="accent1">
+                <a:shade val="50000"/>
+              </a:schemeClr>
+            </a:lnRef>
+            <a:fillRef idx="1">
+              <a:schemeClr val="accent1"/>
+            </a:fillRef>
+            <a:effectRef idx="0">
+              <a:schemeClr val="accent1"/>
+            </a:effectRef>
+            <a:fontRef idx="minor">
+              <a:schemeClr val="lt1"/>
+            </a:fontRef>
+          </p:style>
+          <p:txBody>
+            <a:bodyPr rtlCol="0" anchor="ctr"/>
+            <a:lstStyle/>
+            <a:p>
+              <a:pPr algn="ctr"/>
+              <a:endParaRPr lang="en-US"/>
+            </a:p>
+          </p:txBody>
+        </p:sp>
+        <p:sp>
+          <p:nvSpPr>
+            <p:cNvPr id="14" name="Rectangle: Rounded Corners 13"/>
+            <p:cNvSpPr/>
+            <p:nvPr/>
+          </p:nvSpPr>
+          <p:spPr>
+            <a:xfrm>
+              <a:off x="7716153" y="1605650"/>
+              <a:ext cx="639381" cy="619400"/>
+            </a:xfrm>
+            <a:prstGeom prst="roundRect">
+              <a:avLst>
+                <a:gd name="adj" fmla="val 3764"/>
+              </a:avLst>
+            </a:prstGeom>
+            <a:solidFill>
+              <a:srgbClr val="B2B2B2">
+                <a:alpha val="16078"/>
+              </a:srgbClr>
+            </a:solidFill>
+            <a:ln>
+              <a:noFill/>
+            </a:ln>
+          </p:spPr>
+          <p:style>
+            <a:lnRef idx="2">
+              <a:schemeClr val="accent1">
+                <a:shade val="50000"/>
+              </a:schemeClr>
+            </a:lnRef>
+            <a:fillRef idx="1">
+              <a:schemeClr val="accent1"/>
+            </a:fillRef>
+            <a:effectRef idx="0">
+              <a:schemeClr val="accent1"/>
+            </a:effectRef>
+            <a:fontRef idx="minor">
+              <a:schemeClr val="lt1"/>
+            </a:fontRef>
+          </p:style>
+          <p:txBody>
+            <a:bodyPr rtlCol="0" anchor="ctr"/>
+            <a:lstStyle/>
+            <a:p>
+              <a:pPr algn="ctr"/>
+              <a:endParaRPr lang="en-US"/>
+            </a:p>
+          </p:txBody>
+        </p:sp>
+        <p:sp>
+          <p:nvSpPr>
+            <p:cNvPr id="15" name="Rectangle: Rounded Corners 14"/>
+            <p:cNvSpPr/>
+            <p:nvPr/>
+          </p:nvSpPr>
+          <p:spPr>
+            <a:xfrm>
+              <a:off x="8507467" y="1171388"/>
+              <a:ext cx="564845" cy="547193"/>
+            </a:xfrm>
+            <a:prstGeom prst="roundRect">
+              <a:avLst>
+                <a:gd name="adj" fmla="val 3764"/>
+              </a:avLst>
+            </a:prstGeom>
+            <a:solidFill>
+              <a:schemeClr val="tx1">
+                <a:alpha val="16078"/>
+              </a:schemeClr>
+            </a:solidFill>
+            <a:ln>
+              <a:noFill/>
+            </a:ln>
+          </p:spPr>
+          <p:style>
+            <a:lnRef idx="2">
+              <a:schemeClr val="accent1">
+                <a:shade val="50000"/>
+              </a:schemeClr>
+            </a:lnRef>
+            <a:fillRef idx="1">
+              <a:schemeClr val="accent1"/>
+            </a:fillRef>
+            <a:effectRef idx="0">
+              <a:schemeClr val="accent1"/>
+            </a:effectRef>
+            <a:fontRef idx="minor">
+              <a:schemeClr val="lt1"/>
+            </a:fontRef>
+          </p:style>
+          <p:txBody>
+            <a:bodyPr rtlCol="0" anchor="ctr"/>
+            <a:lstStyle/>
+            <a:p>
+              <a:pPr algn="ctr"/>
+              <a:endParaRPr lang="en-US"/>
+            </a:p>
+          </p:txBody>
+        </p:sp>
+        <p:sp>
+          <p:nvSpPr>
+            <p:cNvPr id="16" name="Rectangle: Rounded Corners 15"/>
+            <p:cNvSpPr/>
+            <p:nvPr/>
+          </p:nvSpPr>
+          <p:spPr>
+            <a:xfrm>
+              <a:off x="10432141" y="824398"/>
+              <a:ext cx="446465" cy="432512"/>
+            </a:xfrm>
+            <a:prstGeom prst="roundRect">
+              <a:avLst>
+                <a:gd name="adj" fmla="val 3764"/>
+              </a:avLst>
+            </a:prstGeom>
+            <a:solidFill>
+              <a:schemeClr val="tx1">
+                <a:alpha val="16078"/>
+              </a:schemeClr>
+            </a:solidFill>
+            <a:ln>
+              <a:noFill/>
+            </a:ln>
+          </p:spPr>
+          <p:style>
+            <a:lnRef idx="2">
+              <a:schemeClr val="accent1">
+                <a:shade val="50000"/>
+              </a:schemeClr>
+            </a:lnRef>
+            <a:fillRef idx="1">
+              <a:schemeClr val="accent1"/>
+            </a:fillRef>
+            <a:effectRef idx="0">
+              <a:schemeClr val="accent1"/>
+            </a:effectRef>
+            <a:fontRef idx="minor">
+              <a:schemeClr val="lt1"/>
+            </a:fontRef>
+          </p:style>
+          <p:txBody>
+            <a:bodyPr rtlCol="0" anchor="ctr"/>
+            <a:lstStyle/>
+            <a:p>
+              <a:pPr algn="ctr"/>
+              <a:endParaRPr lang="en-US"/>
+            </a:p>
+          </p:txBody>
+        </p:sp>
+        <p:sp>
+          <p:nvSpPr>
+            <p:cNvPr id="17" name="Rectangle: Rounded Corners 16"/>
+            <p:cNvSpPr/>
+            <p:nvPr/>
+          </p:nvSpPr>
+          <p:spPr>
+            <a:xfrm>
+              <a:off x="9980380" y="1137850"/>
+              <a:ext cx="564845" cy="547193"/>
+            </a:xfrm>
+            <a:prstGeom prst="roundRect">
+              <a:avLst>
+                <a:gd name="adj" fmla="val 3764"/>
+              </a:avLst>
+            </a:prstGeom>
+            <a:solidFill>
+              <a:srgbClr val="B2B2B2">
+                <a:alpha val="16078"/>
+              </a:srgbClr>
+            </a:solidFill>
+            <a:ln>
+              <a:noFill/>
+            </a:ln>
+          </p:spPr>
+          <p:style>
+            <a:lnRef idx="2">
+              <a:schemeClr val="accent1">
+                <a:shade val="50000"/>
+              </a:schemeClr>
+            </a:lnRef>
+            <a:fillRef idx="1">
+              <a:schemeClr val="accent1"/>
+            </a:fillRef>
+            <a:effectRef idx="0">
+              <a:schemeClr val="accent1"/>
+            </a:effectRef>
+            <a:fontRef idx="minor">
+              <a:schemeClr val="lt1"/>
+            </a:fontRef>
+          </p:style>
+          <p:txBody>
+            <a:bodyPr rtlCol="0" anchor="ctr"/>
+            <a:lstStyle/>
+            <a:p>
+              <a:pPr algn="ctr"/>
+              <a:endParaRPr lang="en-US"/>
+            </a:p>
+          </p:txBody>
+        </p:sp>
+        <p:sp>
+          <p:nvSpPr>
+            <p:cNvPr id="18" name="Rectangle: Rounded Corners 17"/>
+            <p:cNvSpPr/>
+            <p:nvPr/>
+          </p:nvSpPr>
+          <p:spPr>
+            <a:xfrm>
+              <a:off x="9767706" y="1872314"/>
+              <a:ext cx="629444" cy="609773"/>
+            </a:xfrm>
+            <a:prstGeom prst="roundRect">
+              <a:avLst>
+                <a:gd name="adj" fmla="val 3764"/>
+              </a:avLst>
+            </a:prstGeom>
+            <a:solidFill>
+              <a:schemeClr val="tx1">
+                <a:alpha val="16078"/>
+              </a:schemeClr>
+            </a:solidFill>
+            <a:ln>
+              <a:noFill/>
+            </a:ln>
+          </p:spPr>
+          <p:style>
+            <a:lnRef idx="2">
+              <a:schemeClr val="accent1">
+                <a:shade val="50000"/>
+              </a:schemeClr>
+            </a:lnRef>
+            <a:fillRef idx="1">
+              <a:schemeClr val="accent1"/>
+            </a:fillRef>
+            <a:effectRef idx="0">
+              <a:schemeClr val="accent1"/>
+            </a:effectRef>
+            <a:fontRef idx="minor">
+              <a:schemeClr val="lt1"/>
+            </a:fontRef>
+          </p:style>
+          <p:txBody>
+            <a:bodyPr rtlCol="0" anchor="ctr"/>
+            <a:lstStyle/>
+            <a:p>
+              <a:pPr algn="ctr"/>
+              <a:endParaRPr lang="en-US"/>
+            </a:p>
+          </p:txBody>
+        </p:sp>
+        <p:sp>
+          <p:nvSpPr>
+            <p:cNvPr id="19" name="Rectangle: Rounded Corners 18"/>
+            <p:cNvSpPr/>
+            <p:nvPr/>
+          </p:nvSpPr>
+          <p:spPr>
+            <a:xfrm>
+              <a:off x="6964281" y="782202"/>
+              <a:ext cx="533580" cy="516905"/>
+            </a:xfrm>
+            <a:prstGeom prst="roundRect">
+              <a:avLst>
+                <a:gd name="adj" fmla="val 3764"/>
+              </a:avLst>
+            </a:prstGeom>
+            <a:solidFill>
+              <a:srgbClr val="B2B2B2">
+                <a:alpha val="34902"/>
+              </a:srgbClr>
+            </a:solidFill>
+            <a:ln>
+              <a:noFill/>
+            </a:ln>
+          </p:spPr>
+          <p:style>
+            <a:lnRef idx="2">
+              <a:schemeClr val="accent1">
+                <a:shade val="50000"/>
+              </a:schemeClr>
+            </a:lnRef>
+            <a:fillRef idx="1">
+              <a:schemeClr val="accent1"/>
+            </a:fillRef>
+            <a:effectRef idx="0">
+              <a:schemeClr val="accent1"/>
+            </a:effectRef>
+            <a:fontRef idx="minor">
+              <a:schemeClr val="lt1"/>
+            </a:fontRef>
+          </p:style>
+          <p:txBody>
+            <a:bodyPr rtlCol="0" anchor="ctr"/>
+            <a:lstStyle/>
+            <a:p>
+              <a:pPr algn="ctr"/>
+              <a:endParaRPr lang="en-US"/>
+            </a:p>
+          </p:txBody>
+        </p:sp>
+        <p:sp>
+          <p:nvSpPr>
+            <p:cNvPr id="20" name="Rectangle: Rounded Corners 19"/>
+            <p:cNvSpPr/>
+            <p:nvPr/>
+          </p:nvSpPr>
+          <p:spPr>
+            <a:xfrm>
+              <a:off x="6635933" y="471069"/>
+              <a:ext cx="452249" cy="438116"/>
+            </a:xfrm>
+            <a:prstGeom prst="roundRect">
+              <a:avLst>
+                <a:gd name="adj" fmla="val 3764"/>
+              </a:avLst>
+            </a:prstGeom>
+            <a:solidFill>
+              <a:srgbClr val="B2B2B2">
+                <a:alpha val="16078"/>
+              </a:srgbClr>
+            </a:solidFill>
+            <a:ln>
+              <a:noFill/>
+            </a:ln>
+          </p:spPr>
+          <p:style>
+            <a:lnRef idx="2">
+              <a:schemeClr val="accent1">
+                <a:shade val="50000"/>
+              </a:schemeClr>
+            </a:lnRef>
+            <a:fillRef idx="1">
+              <a:schemeClr val="accent1"/>
+            </a:fillRef>
+            <a:effectRef idx="0">
+              <a:schemeClr val="accent1"/>
+            </a:effectRef>
+            <a:fontRef idx="minor">
+              <a:schemeClr val="lt1"/>
+            </a:fontRef>
+          </p:style>
+          <p:txBody>
+            <a:bodyPr rtlCol="0" anchor="ctr"/>
+            <a:lstStyle/>
+            <a:p>
+              <a:pPr algn="ctr"/>
+              <a:endParaRPr lang="en-US"/>
+            </a:p>
+          </p:txBody>
+        </p:sp>
+        <p:sp>
+          <p:nvSpPr>
+            <p:cNvPr id="21" name="Rectangle: Rounded Corners 20"/>
+            <p:cNvSpPr/>
+            <p:nvPr/>
+          </p:nvSpPr>
+          <p:spPr>
+            <a:xfrm>
+              <a:off x="10913566" y="1332916"/>
+              <a:ext cx="796212" cy="771330"/>
+            </a:xfrm>
+            <a:prstGeom prst="roundRect">
+              <a:avLst>
+                <a:gd name="adj" fmla="val 3764"/>
+              </a:avLst>
+            </a:prstGeom>
+            <a:solidFill>
+              <a:srgbClr val="B2B2B2">
+                <a:alpha val="36078"/>
+              </a:srgbClr>
+            </a:solidFill>
+            <a:ln>
+              <a:noFill/>
+            </a:ln>
+          </p:spPr>
+          <p:style>
+            <a:lnRef idx="2">
+              <a:schemeClr val="accent1">
+                <a:shade val="50000"/>
+              </a:schemeClr>
+            </a:lnRef>
+            <a:fillRef idx="1">
+              <a:schemeClr val="accent1"/>
+            </a:fillRef>
+            <a:effectRef idx="0">
+              <a:schemeClr val="accent1"/>
+            </a:effectRef>
+            <a:fontRef idx="minor">
+              <a:schemeClr val="lt1"/>
+            </a:fontRef>
+          </p:style>
+          <p:txBody>
+            <a:bodyPr rtlCol="0" anchor="ctr"/>
+            <a:lstStyle/>
+            <a:p>
+              <a:pPr algn="ctr"/>
+              <a:endParaRPr lang="en-US"/>
+            </a:p>
+          </p:txBody>
+        </p:sp>
+        <p:sp>
+          <p:nvSpPr>
+            <p:cNvPr id="22" name="Rectangle: Rounded Corners 21"/>
+            <p:cNvSpPr/>
+            <p:nvPr/>
+          </p:nvSpPr>
+          <p:spPr>
+            <a:xfrm>
+              <a:off x="10505113" y="1949547"/>
+              <a:ext cx="555406" cy="538049"/>
+            </a:xfrm>
+            <a:prstGeom prst="roundRect">
+              <a:avLst>
+                <a:gd name="adj" fmla="val 3764"/>
+              </a:avLst>
+            </a:prstGeom>
+            <a:solidFill>
+              <a:srgbClr val="B2B2B2">
+                <a:alpha val="36078"/>
+              </a:srgbClr>
+            </a:solidFill>
+            <a:ln>
+              <a:noFill/>
+            </a:ln>
+          </p:spPr>
+          <p:style>
+            <a:lnRef idx="2">
+              <a:schemeClr val="accent1">
+                <a:shade val="50000"/>
+              </a:schemeClr>
+            </a:lnRef>
+            <a:fillRef idx="1">
+              <a:schemeClr val="accent1"/>
+            </a:fillRef>
+            <a:effectRef idx="0">
+              <a:schemeClr val="accent1"/>
+            </a:effectRef>
+            <a:fontRef idx="minor">
+              <a:schemeClr val="lt1"/>
+            </a:fontRef>
+          </p:style>
+          <p:txBody>
+            <a:bodyPr rtlCol="0" anchor="ctr"/>
+            <a:lstStyle/>
+            <a:p>
+              <a:pPr algn="ctr"/>
+              <a:endParaRPr lang="en-US"/>
+            </a:p>
+          </p:txBody>
+        </p:sp>
+      </p:grpSp>
+      <p:pic>
+        <p:nvPicPr>
+          <p:cNvPr id="26" name="Picture 25"/>
+          <p:cNvPicPr>
+            <a:picLocks noChangeAspect="1"/>
+          </p:cNvPicPr>
+          <p:nvPr/>
+        </p:nvPicPr>
+        <p:blipFill>
+          <a:blip r:embed="rId2">
+            <a:extLst>
+              <a:ext uri="{28A0092B-C50C-407E-A947-70E740481C1C}">
+                <a14:useLocalDpi xmlns:a14="http://schemas.microsoft.com/office/drawing/2010/main" val="0"/>
+              </a:ext>
+            </a:extLst>
+          </a:blip>
+          <a:stretch>
+            <a:fillRect/>
+          </a:stretch>
+        </p:blipFill>
+        <p:spPr>
+          <a:xfrm>
+            <a:off x="391604" y="297516"/>
+            <a:ext cx="3189796" cy="430176"/>
+          </a:xfrm>
+          <a:prstGeom prst="rect">
+            <a:avLst/>
+          </a:prstGeom>
+        </p:spPr>
+      </p:pic>
+      <p:sp>
+        <p:nvSpPr>
+          <p:cNvPr id="27" name="Rectangle 26"/>
+          <p:cNvSpPr/>
+          <p:nvPr/>
+        </p:nvSpPr>
+        <p:spPr>
+          <a:xfrm>
+            <a:off x="6509982" y="297516"/>
+            <a:ext cx="5472752" cy="2868765"/>
+          </a:xfrm>
+          <a:prstGeom prst="rect">
+            <a:avLst/>
+          </a:prstGeom>
+          <a:solidFill>
+            <a:srgbClr val="FFFFFF">
+              <a:alpha val="47843"/>
+            </a:srgbClr>
+          </a:solidFill>
+          <a:ln>
+            <a:noFill/>
+          </a:ln>
+        </p:spPr>
+        <p:style>
+          <a:lnRef idx="2">
+            <a:schemeClr val="accent1">
+              <a:shade val="50000"/>
+            </a:schemeClr>
+          </a:lnRef>
+          <a:fillRef idx="1">
+            <a:schemeClr val="accent1"/>
+          </a:fillRef>
+          <a:effectRef idx="0">
+            <a:schemeClr val="accent1"/>
+          </a:effectRef>
+          <a:fontRef idx="minor">
+            <a:schemeClr val="lt1"/>
+          </a:fontRef>
+        </p:style>
+        <p:txBody>
+          <a:bodyPr rtlCol="0" anchor="ctr"/>
+          <a:lstStyle/>
+          <a:p>
+            <a:pPr algn="ctr"/>
+            <a:endParaRPr lang="en-US"/>
+          </a:p>
+        </p:txBody>
+      </p:sp>
+      <p:grpSp>
+        <p:nvGrpSpPr>
+          <p:cNvPr id="28" name="Group 27"/>
+          <p:cNvGrpSpPr/>
+          <p:nvPr/>
+        </p:nvGrpSpPr>
+        <p:grpSpPr>
+          <a:xfrm>
+            <a:off x="10588218" y="3721982"/>
+            <a:ext cx="1301885" cy="606738"/>
+            <a:chOff x="10717834" y="5953476"/>
+            <a:chExt cx="1051094" cy="489858"/>
+          </a:xfrm>
+        </p:grpSpPr>
+        <p:sp>
+          <p:nvSpPr>
+            <p:cNvPr id="29" name="Oval 28"/>
+            <p:cNvSpPr/>
+            <p:nvPr/>
+          </p:nvSpPr>
+          <p:spPr>
+            <a:xfrm>
+              <a:off x="10917283" y="5953476"/>
+              <a:ext cx="489858" cy="489858"/>
+            </a:xfrm>
+            <a:prstGeom prst="ellipse">
+              <a:avLst/>
+            </a:prstGeom>
+            <a:ln>
+              <a:noFill/>
+            </a:ln>
+          </p:spPr>
+          <p:style>
+            <a:lnRef idx="2">
+              <a:schemeClr val="accent1">
+                <a:shade val="50000"/>
+              </a:schemeClr>
+            </a:lnRef>
+            <a:fillRef idx="1">
+              <a:schemeClr val="accent1"/>
+            </a:fillRef>
+            <a:effectRef idx="0">
+              <a:schemeClr val="accent1"/>
+            </a:effectRef>
+            <a:fontRef idx="minor">
+              <a:schemeClr val="lt1"/>
+            </a:fontRef>
+          </p:style>
+          <p:txBody>
+            <a:bodyPr rtlCol="0" anchor="ctr"/>
+            <a:lstStyle/>
+            <a:p>
+              <a:pPr algn="ctr"/>
+              <a:endParaRPr lang="en-US"/>
+            </a:p>
+          </p:txBody>
+        </p:sp>
+        <p:sp>
+          <p:nvSpPr>
+            <p:cNvPr id="30" name="Oval 29"/>
+            <p:cNvSpPr/>
+            <p:nvPr/>
+          </p:nvSpPr>
+          <p:spPr>
+            <a:xfrm>
+              <a:off x="10717834" y="6137674"/>
+              <a:ext cx="247262" cy="247262"/>
+            </a:xfrm>
+            <a:prstGeom prst="ellipse">
+              <a:avLst/>
+            </a:prstGeom>
+            <a:ln>
+              <a:noFill/>
+            </a:ln>
+          </p:spPr>
+          <p:style>
+            <a:lnRef idx="2">
+              <a:schemeClr val="accent1">
+                <a:shade val="50000"/>
+              </a:schemeClr>
+            </a:lnRef>
+            <a:fillRef idx="1">
+              <a:schemeClr val="accent1"/>
+            </a:fillRef>
+            <a:effectRef idx="0">
+              <a:schemeClr val="accent1"/>
+            </a:effectRef>
+            <a:fontRef idx="minor">
+              <a:schemeClr val="lt1"/>
+            </a:fontRef>
+          </p:style>
+          <p:txBody>
+            <a:bodyPr rtlCol="0" anchor="ctr"/>
+            <a:lstStyle/>
+            <a:p>
+              <a:pPr algn="ctr"/>
+              <a:endParaRPr lang="en-US"/>
+            </a:p>
+          </p:txBody>
+        </p:sp>
+        <p:sp>
+          <p:nvSpPr>
+            <p:cNvPr id="31" name="Oval 30"/>
+            <p:cNvSpPr/>
+            <p:nvPr/>
+          </p:nvSpPr>
+          <p:spPr>
+            <a:xfrm>
+              <a:off x="11335295" y="6087370"/>
+              <a:ext cx="192599" cy="192599"/>
+            </a:xfrm>
+            <a:prstGeom prst="ellipse">
+              <a:avLst/>
+            </a:prstGeom>
+            <a:ln>
+              <a:noFill/>
+            </a:ln>
+          </p:spPr>
+          <p:style>
+            <a:lnRef idx="2">
+              <a:schemeClr val="accent1">
+                <a:shade val="50000"/>
+              </a:schemeClr>
+            </a:lnRef>
+            <a:fillRef idx="1">
+              <a:schemeClr val="accent1"/>
+            </a:fillRef>
+            <a:effectRef idx="0">
+              <a:schemeClr val="accent1"/>
+            </a:effectRef>
+            <a:fontRef idx="minor">
+              <a:schemeClr val="lt1"/>
+            </a:fontRef>
+          </p:style>
+          <p:txBody>
+            <a:bodyPr rtlCol="0" anchor="ctr"/>
+            <a:lstStyle/>
+            <a:p>
+              <a:pPr algn="ctr"/>
+              <a:endParaRPr lang="en-US"/>
+            </a:p>
+          </p:txBody>
+        </p:sp>
+        <p:sp>
+          <p:nvSpPr>
+            <p:cNvPr id="32" name="Oval 31"/>
+            <p:cNvSpPr/>
+            <p:nvPr/>
+          </p:nvSpPr>
+          <p:spPr>
+            <a:xfrm>
+              <a:off x="11482959" y="6098840"/>
+              <a:ext cx="285969" cy="285969"/>
+            </a:xfrm>
+            <a:prstGeom prst="ellipse">
+              <a:avLst/>
+            </a:prstGeom>
+            <a:ln>
+              <a:noFill/>
+            </a:ln>
+          </p:spPr>
+          <p:style>
+            <a:lnRef idx="2">
+              <a:schemeClr val="accent1">
+                <a:shade val="50000"/>
+              </a:schemeClr>
+            </a:lnRef>
+            <a:fillRef idx="1">
+              <a:schemeClr val="accent1"/>
+            </a:fillRef>
+            <a:effectRef idx="0">
+              <a:schemeClr val="accent1"/>
+            </a:effectRef>
+            <a:fontRef idx="minor">
+              <a:schemeClr val="lt1"/>
+            </a:fontRef>
+          </p:style>
+          <p:txBody>
+            <a:bodyPr rtlCol="0" anchor="ctr"/>
+            <a:lstStyle/>
+            <a:p>
+              <a:pPr algn="ctr"/>
+              <a:endParaRPr lang="en-US"/>
+            </a:p>
+          </p:txBody>
+        </p:sp>
+        <p:sp>
+          <p:nvSpPr>
+            <p:cNvPr id="33" name="Oval 32"/>
+            <p:cNvSpPr/>
+            <p:nvPr/>
+          </p:nvSpPr>
+          <p:spPr>
+            <a:xfrm>
+              <a:off x="10841465" y="6087370"/>
+              <a:ext cx="100608" cy="100608"/>
+            </a:xfrm>
+            <a:prstGeom prst="ellipse">
+              <a:avLst/>
+            </a:prstGeom>
+            <a:ln>
+              <a:noFill/>
+            </a:ln>
+          </p:spPr>
+          <p:style>
+            <a:lnRef idx="2">
+              <a:schemeClr val="accent1">
+                <a:shade val="50000"/>
+              </a:schemeClr>
+            </a:lnRef>
+            <a:fillRef idx="1">
+              <a:schemeClr val="accent1"/>
+            </a:fillRef>
+            <a:effectRef idx="0">
+              <a:schemeClr val="accent1"/>
+            </a:effectRef>
+            <a:fontRef idx="minor">
+              <a:schemeClr val="lt1"/>
+            </a:fontRef>
+          </p:style>
+          <p:txBody>
+            <a:bodyPr rtlCol="0" anchor="ctr"/>
+            <a:lstStyle/>
+            <a:p>
+              <a:pPr algn="ctr"/>
+              <a:endParaRPr lang="en-US"/>
+            </a:p>
+          </p:txBody>
+        </p:sp>
+      </p:grpSp>
     </p:spTree>
     <p:extLst>
       <p:ext uri="{BB962C8B-B14F-4D97-AF65-F5344CB8AC3E}">
-        <p14:creationId xmlns:p14="http://schemas.microsoft.com/office/powerpoint/2010/main" val="2564374753"/>
+        <p14:creationId xmlns:p14="http://schemas.microsoft.com/office/powerpoint/2010/main" val="1114450405"/>
       </p:ext>
     </p:extLst>
   </p:cSld>
   <p:clrMapOvr>
     <a:masterClrMapping/>
   </p:clrMapOvr>
+  <mc:AlternateContent xmlns:mc="http://schemas.openxmlformats.org/markup-compatibility/2006" xmlns:p14="http://schemas.microsoft.com/office/powerpoint/2010/main">
+    <mc:Choice Requires="p14">
+      <p:transition spd="med" p14:dur="700">
+        <p:fade/>
+      </p:transition>
+    </mc:Choice>
+    <mc:Fallback xmlns="">
+      <p:transition spd="med">
+        <p:fade/>
+      </p:transition>
+    </mc:Fallback>
+  </mc:AlternateContent>
 </p:sldLayout>
 </file>
 
-<file path=ppt/slideLayouts/slideLayout4.xml><?xml version="1.0" encoding="utf-8"?>
+<file path=ppt/slideLayouts/slideLayout5.xml><?xml version="1.0" encoding="utf-8"?>
 <p:sldLayout xmlns:a="http://schemas.openxmlformats.org/drawingml/2006/main" xmlns:r="http://schemas.openxmlformats.org/officeDocument/2006/relationships" xmlns:p="http://schemas.openxmlformats.org/presentationml/2006/main" type="twoObj" preserve="1">
   <p:cSld name="Two Content">
     <p:spTree>
@@ -1239,13 +6011,7 @@
       </p:grpSpPr>
       <p:sp>
         <p:nvSpPr>
-          <p:cNvPr id="2" name="Title 1">
-            <a:extLst>
-              <a:ext uri="{FF2B5EF4-FFF2-40B4-BE49-F238E27FC236}">
-                <a16:creationId xmlns:a16="http://schemas.microsoft.com/office/drawing/2014/main" id="{69B882AC-D376-48C5-A518-ECAB4C722BDB}"/>
-              </a:ext>
-            </a:extLst>
-          </p:cNvPr>
+          <p:cNvPr id="2" name="Title 1"/>
           <p:cNvSpPr>
             <a:spLocks noGrp="1"/>
           </p:cNvSpPr>
@@ -1262,19 +6028,12 @@
               <a:rPr lang="en-US"/>
               <a:t>Click to edit Master title style</a:t>
             </a:r>
-            <a:endParaRPr lang="en-IN"/>
           </a:p>
         </p:txBody>
       </p:sp>
       <p:sp>
         <p:nvSpPr>
-          <p:cNvPr id="3" name="Content Placeholder 2">
-            <a:extLst>
-              <a:ext uri="{FF2B5EF4-FFF2-40B4-BE49-F238E27FC236}">
-                <a16:creationId xmlns:a16="http://schemas.microsoft.com/office/drawing/2014/main" id="{27B0791B-EB9C-496D-B89C-6AFDB5AEC0E5}"/>
-              </a:ext>
-            </a:extLst>
-          </p:cNvPr>
+          <p:cNvPr id="3" name="Content Placeholder 2"/>
           <p:cNvSpPr>
             <a:spLocks noGrp="1"/>
           </p:cNvSpPr>
@@ -1325,19 +6084,12 @@
               <a:rPr lang="en-US"/>
               <a:t>Fifth level</a:t>
             </a:r>
-            <a:endParaRPr lang="en-IN"/>
           </a:p>
         </p:txBody>
       </p:sp>
       <p:sp>
         <p:nvSpPr>
-          <p:cNvPr id="4" name="Content Placeholder 3">
-            <a:extLst>
-              <a:ext uri="{FF2B5EF4-FFF2-40B4-BE49-F238E27FC236}">
-                <a16:creationId xmlns:a16="http://schemas.microsoft.com/office/drawing/2014/main" id="{AEE7B8D4-2774-4F76-AF26-08A2744F99F2}"/>
-              </a:ext>
-            </a:extLst>
-          </p:cNvPr>
+          <p:cNvPr id="4" name="Content Placeholder 3"/>
           <p:cNvSpPr>
             <a:spLocks noGrp="1"/>
           </p:cNvSpPr>
@@ -1388,19 +6140,12 @@
               <a:rPr lang="en-US"/>
               <a:t>Fifth level</a:t>
             </a:r>
-            <a:endParaRPr lang="en-IN"/>
           </a:p>
         </p:txBody>
       </p:sp>
       <p:sp>
         <p:nvSpPr>
-          <p:cNvPr id="5" name="Date Placeholder 4">
-            <a:extLst>
-              <a:ext uri="{FF2B5EF4-FFF2-40B4-BE49-F238E27FC236}">
-                <a16:creationId xmlns:a16="http://schemas.microsoft.com/office/drawing/2014/main" id="{8B8E744D-93F9-4F5F-A23B-5A6E082A5C83}"/>
-              </a:ext>
-            </a:extLst>
-          </p:cNvPr>
+          <p:cNvPr id="5" name="Date Placeholder 4"/>
           <p:cNvSpPr>
             <a:spLocks noGrp="1"/>
           </p:cNvSpPr>
@@ -1423,13 +6168,7 @@
       </p:sp>
       <p:sp>
         <p:nvSpPr>
-          <p:cNvPr id="6" name="Footer Placeholder 5">
-            <a:extLst>
-              <a:ext uri="{FF2B5EF4-FFF2-40B4-BE49-F238E27FC236}">
-                <a16:creationId xmlns:a16="http://schemas.microsoft.com/office/drawing/2014/main" id="{606A8B6F-E13B-4BCB-B1E8-1579C097ED75}"/>
-              </a:ext>
-            </a:extLst>
-          </p:cNvPr>
+          <p:cNvPr id="6" name="Footer Placeholder 5"/>
           <p:cNvSpPr>
             <a:spLocks noGrp="1"/>
           </p:cNvSpPr>
@@ -1448,13 +6187,404 @@
       </p:sp>
       <p:sp>
         <p:nvSpPr>
-          <p:cNvPr id="7" name="Slide Number Placeholder 6">
+          <p:cNvPr id="8" name="Rectangle 7"/>
+          <p:cNvSpPr/>
+          <p:nvPr/>
+        </p:nvSpPr>
+        <p:spPr>
+          <a:xfrm>
+            <a:off x="245660" y="218364"/>
+            <a:ext cx="11737074" cy="6414448"/>
+          </a:xfrm>
+          <a:prstGeom prst="rect">
+            <a:avLst/>
+          </a:prstGeom>
+          <a:noFill/>
+          <a:ln>
+            <a:solidFill>
+              <a:schemeClr val="bg1">
+                <a:lumMod val="85000"/>
+              </a:schemeClr>
+            </a:solidFill>
+          </a:ln>
+        </p:spPr>
+        <p:style>
+          <a:lnRef idx="2">
+            <a:schemeClr val="accent1">
+              <a:shade val="50000"/>
+            </a:schemeClr>
+          </a:lnRef>
+          <a:fillRef idx="1">
+            <a:schemeClr val="accent1"/>
+          </a:fillRef>
+          <a:effectRef idx="0">
+            <a:schemeClr val="accent1"/>
+          </a:effectRef>
+          <a:fontRef idx="minor">
+            <a:schemeClr val="lt1"/>
+          </a:fontRef>
+        </p:style>
+        <p:txBody>
+          <a:bodyPr rtlCol="0" anchor="ctr"/>
+          <a:lstStyle/>
+          <a:p>
+            <a:pPr algn="ctr"/>
+            <a:endParaRPr lang="en-US"/>
+          </a:p>
+        </p:txBody>
+      </p:sp>
+      <p:pic>
+        <p:nvPicPr>
+          <p:cNvPr id="9" name="Picture 8"/>
+          <p:cNvPicPr>
+            <a:picLocks noChangeAspect="1"/>
+          </p:cNvPicPr>
+          <p:nvPr/>
+        </p:nvPicPr>
+        <p:blipFill>
+          <a:blip r:embed="rId2">
             <a:extLst>
-              <a:ext uri="{FF2B5EF4-FFF2-40B4-BE49-F238E27FC236}">
-                <a16:creationId xmlns:a16="http://schemas.microsoft.com/office/drawing/2014/main" id="{AD3C7C4C-B36D-4D9E-B8BD-66F4798EEFCC}"/>
+              <a:ext uri="{28A0092B-C50C-407E-A947-70E740481C1C}">
+                <a14:useLocalDpi xmlns:a14="http://schemas.microsoft.com/office/drawing/2010/main" val="0"/>
               </a:ext>
             </a:extLst>
-          </p:cNvPr>
+          </a:blip>
+          <a:stretch>
+            <a:fillRect/>
+          </a:stretch>
+        </p:blipFill>
+        <p:spPr>
+          <a:xfrm>
+            <a:off x="391604" y="297516"/>
+            <a:ext cx="3189796" cy="430176"/>
+          </a:xfrm>
+          <a:prstGeom prst="rect">
+            <a:avLst/>
+          </a:prstGeom>
+        </p:spPr>
+      </p:pic>
+      <p:sp>
+        <p:nvSpPr>
+          <p:cNvPr id="10" name="Rectangle 9"/>
+          <p:cNvSpPr/>
+          <p:nvPr/>
+        </p:nvSpPr>
+        <p:spPr>
+          <a:xfrm>
+            <a:off x="8965566" y="6226649"/>
+            <a:ext cx="3030816" cy="423081"/>
+          </a:xfrm>
+          <a:prstGeom prst="rect">
+            <a:avLst/>
+          </a:prstGeom>
+          <a:ln>
+            <a:noFill/>
+          </a:ln>
+        </p:spPr>
+        <p:style>
+          <a:lnRef idx="2">
+            <a:schemeClr val="accent1">
+              <a:shade val="50000"/>
+            </a:schemeClr>
+          </a:lnRef>
+          <a:fillRef idx="1">
+            <a:schemeClr val="accent1"/>
+          </a:fillRef>
+          <a:effectRef idx="0">
+            <a:schemeClr val="accent1"/>
+          </a:effectRef>
+          <a:fontRef idx="minor">
+            <a:schemeClr val="lt1"/>
+          </a:fontRef>
+        </p:style>
+        <p:txBody>
+          <a:bodyPr rtlCol="0" anchor="ctr"/>
+          <a:lstStyle/>
+          <a:p>
+            <a:pPr algn="ctr"/>
+            <a:endParaRPr lang="en-US"/>
+          </a:p>
+        </p:txBody>
+      </p:sp>
+      <p:sp>
+        <p:nvSpPr>
+          <p:cNvPr id="11" name="Rectangle 10"/>
+          <p:cNvSpPr/>
+          <p:nvPr/>
+        </p:nvSpPr>
+        <p:spPr>
+          <a:xfrm>
+            <a:off x="8726100" y="6226115"/>
+            <a:ext cx="143808" cy="423081"/>
+          </a:xfrm>
+          <a:prstGeom prst="rect">
+            <a:avLst/>
+          </a:prstGeom>
+          <a:solidFill>
+            <a:srgbClr val="B2B2B2"/>
+          </a:solidFill>
+          <a:ln>
+            <a:noFill/>
+          </a:ln>
+        </p:spPr>
+        <p:style>
+          <a:lnRef idx="2">
+            <a:schemeClr val="accent1">
+              <a:shade val="50000"/>
+            </a:schemeClr>
+          </a:lnRef>
+          <a:fillRef idx="1">
+            <a:schemeClr val="accent1"/>
+          </a:fillRef>
+          <a:effectRef idx="0">
+            <a:schemeClr val="accent1"/>
+          </a:effectRef>
+          <a:fontRef idx="minor">
+            <a:schemeClr val="lt1"/>
+          </a:fontRef>
+        </p:style>
+        <p:txBody>
+          <a:bodyPr rtlCol="0" anchor="ctr"/>
+          <a:lstStyle/>
+          <a:p>
+            <a:pPr algn="ctr"/>
+            <a:endParaRPr lang="en-US"/>
+          </a:p>
+        </p:txBody>
+      </p:sp>
+      <p:grpSp>
+        <p:nvGrpSpPr>
+          <p:cNvPr id="13" name="Group 12"/>
+          <p:cNvGrpSpPr/>
+          <p:nvPr/>
+        </p:nvGrpSpPr>
+        <p:grpSpPr>
+          <a:xfrm>
+            <a:off x="10530273" y="5880370"/>
+            <a:ext cx="1301885" cy="606738"/>
+            <a:chOff x="10717834" y="5953476"/>
+            <a:chExt cx="1051094" cy="489858"/>
+          </a:xfrm>
+        </p:grpSpPr>
+        <p:sp>
+          <p:nvSpPr>
+            <p:cNvPr id="14" name="Oval 13"/>
+            <p:cNvSpPr/>
+            <p:nvPr/>
+          </p:nvSpPr>
+          <p:spPr>
+            <a:xfrm>
+              <a:off x="10917283" y="5953476"/>
+              <a:ext cx="489858" cy="489858"/>
+            </a:xfrm>
+            <a:prstGeom prst="ellipse">
+              <a:avLst/>
+            </a:prstGeom>
+            <a:ln>
+              <a:noFill/>
+            </a:ln>
+          </p:spPr>
+          <p:style>
+            <a:lnRef idx="2">
+              <a:schemeClr val="accent1">
+                <a:shade val="50000"/>
+              </a:schemeClr>
+            </a:lnRef>
+            <a:fillRef idx="1">
+              <a:schemeClr val="accent1"/>
+            </a:fillRef>
+            <a:effectRef idx="0">
+              <a:schemeClr val="accent1"/>
+            </a:effectRef>
+            <a:fontRef idx="minor">
+              <a:schemeClr val="lt1"/>
+            </a:fontRef>
+          </p:style>
+          <p:txBody>
+            <a:bodyPr rtlCol="0" anchor="ctr"/>
+            <a:lstStyle/>
+            <a:p>
+              <a:pPr algn="ctr"/>
+              <a:endParaRPr lang="en-US"/>
+            </a:p>
+          </p:txBody>
+        </p:sp>
+        <p:sp>
+          <p:nvSpPr>
+            <p:cNvPr id="15" name="Oval 14"/>
+            <p:cNvSpPr/>
+            <p:nvPr/>
+          </p:nvSpPr>
+          <p:spPr>
+            <a:xfrm>
+              <a:off x="10717834" y="6137674"/>
+              <a:ext cx="247262" cy="247262"/>
+            </a:xfrm>
+            <a:prstGeom prst="ellipse">
+              <a:avLst/>
+            </a:prstGeom>
+            <a:ln>
+              <a:noFill/>
+            </a:ln>
+          </p:spPr>
+          <p:style>
+            <a:lnRef idx="2">
+              <a:schemeClr val="accent1">
+                <a:shade val="50000"/>
+              </a:schemeClr>
+            </a:lnRef>
+            <a:fillRef idx="1">
+              <a:schemeClr val="accent1"/>
+            </a:fillRef>
+            <a:effectRef idx="0">
+              <a:schemeClr val="accent1"/>
+            </a:effectRef>
+            <a:fontRef idx="minor">
+              <a:schemeClr val="lt1"/>
+            </a:fontRef>
+          </p:style>
+          <p:txBody>
+            <a:bodyPr rtlCol="0" anchor="ctr"/>
+            <a:lstStyle/>
+            <a:p>
+              <a:pPr algn="ctr"/>
+              <a:endParaRPr lang="en-US"/>
+            </a:p>
+          </p:txBody>
+        </p:sp>
+        <p:sp>
+          <p:nvSpPr>
+            <p:cNvPr id="16" name="Oval 15"/>
+            <p:cNvSpPr/>
+            <p:nvPr/>
+          </p:nvSpPr>
+          <p:spPr>
+            <a:xfrm>
+              <a:off x="11335295" y="6087370"/>
+              <a:ext cx="192599" cy="192599"/>
+            </a:xfrm>
+            <a:prstGeom prst="ellipse">
+              <a:avLst/>
+            </a:prstGeom>
+            <a:ln>
+              <a:noFill/>
+            </a:ln>
+          </p:spPr>
+          <p:style>
+            <a:lnRef idx="2">
+              <a:schemeClr val="accent1">
+                <a:shade val="50000"/>
+              </a:schemeClr>
+            </a:lnRef>
+            <a:fillRef idx="1">
+              <a:schemeClr val="accent1"/>
+            </a:fillRef>
+            <a:effectRef idx="0">
+              <a:schemeClr val="accent1"/>
+            </a:effectRef>
+            <a:fontRef idx="minor">
+              <a:schemeClr val="lt1"/>
+            </a:fontRef>
+          </p:style>
+          <p:txBody>
+            <a:bodyPr rtlCol="0" anchor="ctr"/>
+            <a:lstStyle/>
+            <a:p>
+              <a:pPr algn="ctr"/>
+              <a:endParaRPr lang="en-US"/>
+            </a:p>
+          </p:txBody>
+        </p:sp>
+        <p:sp>
+          <p:nvSpPr>
+            <p:cNvPr id="17" name="Oval 16"/>
+            <p:cNvSpPr/>
+            <p:nvPr/>
+          </p:nvSpPr>
+          <p:spPr>
+            <a:xfrm>
+              <a:off x="11482959" y="6098840"/>
+              <a:ext cx="285969" cy="285969"/>
+            </a:xfrm>
+            <a:prstGeom prst="ellipse">
+              <a:avLst/>
+            </a:prstGeom>
+            <a:ln>
+              <a:noFill/>
+            </a:ln>
+          </p:spPr>
+          <p:style>
+            <a:lnRef idx="2">
+              <a:schemeClr val="accent1">
+                <a:shade val="50000"/>
+              </a:schemeClr>
+            </a:lnRef>
+            <a:fillRef idx="1">
+              <a:schemeClr val="accent1"/>
+            </a:fillRef>
+            <a:effectRef idx="0">
+              <a:schemeClr val="accent1"/>
+            </a:effectRef>
+            <a:fontRef idx="minor">
+              <a:schemeClr val="lt1"/>
+            </a:fontRef>
+          </p:style>
+          <p:txBody>
+            <a:bodyPr rtlCol="0" anchor="ctr"/>
+            <a:lstStyle/>
+            <a:p>
+              <a:pPr algn="ctr"/>
+              <a:endParaRPr lang="en-US"/>
+            </a:p>
+          </p:txBody>
+        </p:sp>
+        <p:sp>
+          <p:nvSpPr>
+            <p:cNvPr id="18" name="Oval 17"/>
+            <p:cNvSpPr/>
+            <p:nvPr/>
+          </p:nvSpPr>
+          <p:spPr>
+            <a:xfrm>
+              <a:off x="10841465" y="6087370"/>
+              <a:ext cx="100608" cy="100608"/>
+            </a:xfrm>
+            <a:prstGeom prst="ellipse">
+              <a:avLst/>
+            </a:prstGeom>
+            <a:ln>
+              <a:noFill/>
+            </a:ln>
+          </p:spPr>
+          <p:style>
+            <a:lnRef idx="2">
+              <a:schemeClr val="accent1">
+                <a:shade val="50000"/>
+              </a:schemeClr>
+            </a:lnRef>
+            <a:fillRef idx="1">
+              <a:schemeClr val="accent1"/>
+            </a:fillRef>
+            <a:effectRef idx="0">
+              <a:schemeClr val="accent1"/>
+            </a:effectRef>
+            <a:fontRef idx="minor">
+              <a:schemeClr val="lt1"/>
+            </a:fontRef>
+          </p:style>
+          <p:txBody>
+            <a:bodyPr rtlCol="0" anchor="ctr"/>
+            <a:lstStyle/>
+            <a:p>
+              <a:pPr algn="ctr"/>
+              <a:endParaRPr lang="en-US"/>
+            </a:p>
+          </p:txBody>
+        </p:sp>
+      </p:grpSp>
+      <p:sp>
+        <p:nvSpPr>
+          <p:cNvPr id="7" name="Slide Number Placeholder 6"/>
           <p:cNvSpPr>
             <a:spLocks noGrp="1"/>
           </p:cNvSpPr>
@@ -1462,10 +6592,23 @@
             <p:ph type="sldNum" sz="quarter" idx="12"/>
           </p:nvPr>
         </p:nvSpPr>
-        <p:spPr/>
+        <p:spPr>
+          <a:xfrm>
+            <a:off x="9088958" y="6247025"/>
+            <a:ext cx="2743200" cy="365125"/>
+          </a:xfrm>
+        </p:spPr>
         <p:txBody>
           <a:bodyPr/>
-          <a:lstStyle/>
+          <a:lstStyle>
+            <a:lvl1pPr>
+              <a:defRPr>
+                <a:solidFill>
+                  <a:schemeClr val="bg1"/>
+                </a:solidFill>
+              </a:defRPr>
+            </a:lvl1pPr>
+          </a:lstStyle>
           <a:p>
             <a:fld id="{3D842AAE-86FF-451A-B7C6-0D03DAE39848}" type="slidenum">
               <a:rPr lang="en-IN" smtClean="0"/>
@@ -1478,17 +6621,29 @@
     </p:spTree>
     <p:extLst>
       <p:ext uri="{BB962C8B-B14F-4D97-AF65-F5344CB8AC3E}">
-        <p14:creationId xmlns:p14="http://schemas.microsoft.com/office/powerpoint/2010/main" val="864123765"/>
+        <p14:creationId xmlns:p14="http://schemas.microsoft.com/office/powerpoint/2010/main" val="3769609281"/>
       </p:ext>
     </p:extLst>
   </p:cSld>
   <p:clrMapOvr>
     <a:masterClrMapping/>
   </p:clrMapOvr>
+  <mc:AlternateContent xmlns:mc="http://schemas.openxmlformats.org/markup-compatibility/2006" xmlns:p14="http://schemas.microsoft.com/office/powerpoint/2010/main">
+    <mc:Choice Requires="p14">
+      <p:transition spd="med" p14:dur="700">
+        <p:fade/>
+      </p:transition>
+    </mc:Choice>
+    <mc:Fallback xmlns="">
+      <p:transition spd="med">
+        <p:fade/>
+      </p:transition>
+    </mc:Fallback>
+  </mc:AlternateContent>
 </p:sldLayout>
 </file>
 
-<file path=ppt/slideLayouts/slideLayout5.xml><?xml version="1.0" encoding="utf-8"?>
+<file path=ppt/slideLayouts/slideLayout6.xml><?xml version="1.0" encoding="utf-8"?>
 <p:sldLayout xmlns:a="http://schemas.openxmlformats.org/drawingml/2006/main" xmlns:r="http://schemas.openxmlformats.org/officeDocument/2006/relationships" xmlns:p="http://schemas.openxmlformats.org/presentationml/2006/main" type="twoTxTwoObj" preserve="1">
   <p:cSld name="Comparison">
     <p:spTree>
@@ -1507,13 +6662,7 @@
       </p:grpSpPr>
       <p:sp>
         <p:nvSpPr>
-          <p:cNvPr id="2" name="Title 1">
-            <a:extLst>
-              <a:ext uri="{FF2B5EF4-FFF2-40B4-BE49-F238E27FC236}">
-                <a16:creationId xmlns:a16="http://schemas.microsoft.com/office/drawing/2014/main" id="{A86764F1-4984-4FE6-AAC5-9C1D8B6EBB10}"/>
-              </a:ext>
-            </a:extLst>
-          </p:cNvPr>
+          <p:cNvPr id="2" name="Title 1"/>
           <p:cNvSpPr>
             <a:spLocks noGrp="1"/>
           </p:cNvSpPr>
@@ -1535,19 +6684,12 @@
               <a:rPr lang="en-US"/>
               <a:t>Click to edit Master title style</a:t>
             </a:r>
-            <a:endParaRPr lang="en-IN"/>
           </a:p>
         </p:txBody>
       </p:sp>
       <p:sp>
         <p:nvSpPr>
-          <p:cNvPr id="3" name="Text Placeholder 2">
-            <a:extLst>
-              <a:ext uri="{FF2B5EF4-FFF2-40B4-BE49-F238E27FC236}">
-                <a16:creationId xmlns:a16="http://schemas.microsoft.com/office/drawing/2014/main" id="{86CE30F2-CA70-482E-8DA0-2346A1ADA430}"/>
-              </a:ext>
-            </a:extLst>
-          </p:cNvPr>
+          <p:cNvPr id="3" name="Text Placeholder 2"/>
           <p:cNvSpPr>
             <a:spLocks noGrp="1"/>
           </p:cNvSpPr>
@@ -1612,13 +6754,7 @@
       </p:sp>
       <p:sp>
         <p:nvSpPr>
-          <p:cNvPr id="4" name="Content Placeholder 3">
-            <a:extLst>
-              <a:ext uri="{FF2B5EF4-FFF2-40B4-BE49-F238E27FC236}">
-                <a16:creationId xmlns:a16="http://schemas.microsoft.com/office/drawing/2014/main" id="{FA640125-ADB8-4089-8C0C-2EB2BBEA21B3}"/>
-              </a:ext>
-            </a:extLst>
-          </p:cNvPr>
+          <p:cNvPr id="4" name="Content Placeholder 3"/>
           <p:cNvSpPr>
             <a:spLocks noGrp="1"/>
           </p:cNvSpPr>
@@ -1669,19 +6805,12 @@
               <a:rPr lang="en-US"/>
               <a:t>Fifth level</a:t>
             </a:r>
-            <a:endParaRPr lang="en-IN"/>
           </a:p>
         </p:txBody>
       </p:sp>
       <p:sp>
         <p:nvSpPr>
-          <p:cNvPr id="5" name="Text Placeholder 4">
-            <a:extLst>
-              <a:ext uri="{FF2B5EF4-FFF2-40B4-BE49-F238E27FC236}">
-                <a16:creationId xmlns:a16="http://schemas.microsoft.com/office/drawing/2014/main" id="{3DEDD3BC-793E-4E2F-A4F4-8FA6F89AF496}"/>
-              </a:ext>
-            </a:extLst>
-          </p:cNvPr>
+          <p:cNvPr id="5" name="Text Placeholder 4"/>
           <p:cNvSpPr>
             <a:spLocks noGrp="1"/>
           </p:cNvSpPr>
@@ -1746,13 +6875,7 @@
       </p:sp>
       <p:sp>
         <p:nvSpPr>
-          <p:cNvPr id="6" name="Content Placeholder 5">
-            <a:extLst>
-              <a:ext uri="{FF2B5EF4-FFF2-40B4-BE49-F238E27FC236}">
-                <a16:creationId xmlns:a16="http://schemas.microsoft.com/office/drawing/2014/main" id="{789404CF-8195-4C7F-9234-84D736FFC4C2}"/>
-              </a:ext>
-            </a:extLst>
-          </p:cNvPr>
+          <p:cNvPr id="6" name="Content Placeholder 5"/>
           <p:cNvSpPr>
             <a:spLocks noGrp="1"/>
           </p:cNvSpPr>
@@ -1803,19 +6926,12 @@
               <a:rPr lang="en-US"/>
               <a:t>Fifth level</a:t>
             </a:r>
-            <a:endParaRPr lang="en-IN"/>
           </a:p>
         </p:txBody>
       </p:sp>
       <p:sp>
         <p:nvSpPr>
-          <p:cNvPr id="7" name="Date Placeholder 6">
-            <a:extLst>
-              <a:ext uri="{FF2B5EF4-FFF2-40B4-BE49-F238E27FC236}">
-                <a16:creationId xmlns:a16="http://schemas.microsoft.com/office/drawing/2014/main" id="{BD76015C-14A2-4CF4-826D-DDFFD146898E}"/>
-              </a:ext>
-            </a:extLst>
-          </p:cNvPr>
+          <p:cNvPr id="7" name="Date Placeholder 6"/>
           <p:cNvSpPr>
             <a:spLocks noGrp="1"/>
           </p:cNvSpPr>
@@ -1838,13 +6954,7 @@
       </p:sp>
       <p:sp>
         <p:nvSpPr>
-          <p:cNvPr id="8" name="Footer Placeholder 7">
-            <a:extLst>
-              <a:ext uri="{FF2B5EF4-FFF2-40B4-BE49-F238E27FC236}">
-                <a16:creationId xmlns:a16="http://schemas.microsoft.com/office/drawing/2014/main" id="{AC721CBD-8361-4D5A-BAC0-4DD66B648290}"/>
-              </a:ext>
-            </a:extLst>
-          </p:cNvPr>
+          <p:cNvPr id="8" name="Footer Placeholder 7"/>
           <p:cNvSpPr>
             <a:spLocks noGrp="1"/>
           </p:cNvSpPr>
@@ -1863,13 +6973,404 @@
       </p:sp>
       <p:sp>
         <p:nvSpPr>
-          <p:cNvPr id="9" name="Slide Number Placeholder 8">
+          <p:cNvPr id="10" name="Rectangle 9"/>
+          <p:cNvSpPr/>
+          <p:nvPr/>
+        </p:nvSpPr>
+        <p:spPr>
+          <a:xfrm>
+            <a:off x="245660" y="218364"/>
+            <a:ext cx="11737074" cy="6414448"/>
+          </a:xfrm>
+          <a:prstGeom prst="rect">
+            <a:avLst/>
+          </a:prstGeom>
+          <a:noFill/>
+          <a:ln>
+            <a:solidFill>
+              <a:schemeClr val="bg1">
+                <a:lumMod val="85000"/>
+              </a:schemeClr>
+            </a:solidFill>
+          </a:ln>
+        </p:spPr>
+        <p:style>
+          <a:lnRef idx="2">
+            <a:schemeClr val="accent1">
+              <a:shade val="50000"/>
+            </a:schemeClr>
+          </a:lnRef>
+          <a:fillRef idx="1">
+            <a:schemeClr val="accent1"/>
+          </a:fillRef>
+          <a:effectRef idx="0">
+            <a:schemeClr val="accent1"/>
+          </a:effectRef>
+          <a:fontRef idx="minor">
+            <a:schemeClr val="lt1"/>
+          </a:fontRef>
+        </p:style>
+        <p:txBody>
+          <a:bodyPr rtlCol="0" anchor="ctr"/>
+          <a:lstStyle/>
+          <a:p>
+            <a:pPr algn="ctr"/>
+            <a:endParaRPr lang="en-US"/>
+          </a:p>
+        </p:txBody>
+      </p:sp>
+      <p:pic>
+        <p:nvPicPr>
+          <p:cNvPr id="11" name="Picture 10"/>
+          <p:cNvPicPr>
+            <a:picLocks noChangeAspect="1"/>
+          </p:cNvPicPr>
+          <p:nvPr/>
+        </p:nvPicPr>
+        <p:blipFill>
+          <a:blip r:embed="rId2">
             <a:extLst>
-              <a:ext uri="{FF2B5EF4-FFF2-40B4-BE49-F238E27FC236}">
-                <a16:creationId xmlns:a16="http://schemas.microsoft.com/office/drawing/2014/main" id="{344DFAFD-3D69-439E-BA83-CDF9FF107C54}"/>
+              <a:ext uri="{28A0092B-C50C-407E-A947-70E740481C1C}">
+                <a14:useLocalDpi xmlns:a14="http://schemas.microsoft.com/office/drawing/2010/main" val="0"/>
               </a:ext>
             </a:extLst>
-          </p:cNvPr>
+          </a:blip>
+          <a:stretch>
+            <a:fillRect/>
+          </a:stretch>
+        </p:blipFill>
+        <p:spPr>
+          <a:xfrm>
+            <a:off x="391604" y="297516"/>
+            <a:ext cx="3189796" cy="430176"/>
+          </a:xfrm>
+          <a:prstGeom prst="rect">
+            <a:avLst/>
+          </a:prstGeom>
+        </p:spPr>
+      </p:pic>
+      <p:sp>
+        <p:nvSpPr>
+          <p:cNvPr id="12" name="Rectangle 11"/>
+          <p:cNvSpPr/>
+          <p:nvPr/>
+        </p:nvSpPr>
+        <p:spPr>
+          <a:xfrm>
+            <a:off x="8965566" y="6226649"/>
+            <a:ext cx="3030816" cy="423081"/>
+          </a:xfrm>
+          <a:prstGeom prst="rect">
+            <a:avLst/>
+          </a:prstGeom>
+          <a:ln>
+            <a:noFill/>
+          </a:ln>
+        </p:spPr>
+        <p:style>
+          <a:lnRef idx="2">
+            <a:schemeClr val="accent1">
+              <a:shade val="50000"/>
+            </a:schemeClr>
+          </a:lnRef>
+          <a:fillRef idx="1">
+            <a:schemeClr val="accent1"/>
+          </a:fillRef>
+          <a:effectRef idx="0">
+            <a:schemeClr val="accent1"/>
+          </a:effectRef>
+          <a:fontRef idx="minor">
+            <a:schemeClr val="lt1"/>
+          </a:fontRef>
+        </p:style>
+        <p:txBody>
+          <a:bodyPr rtlCol="0" anchor="ctr"/>
+          <a:lstStyle/>
+          <a:p>
+            <a:pPr algn="ctr"/>
+            <a:endParaRPr lang="en-US"/>
+          </a:p>
+        </p:txBody>
+      </p:sp>
+      <p:sp>
+        <p:nvSpPr>
+          <p:cNvPr id="13" name="Rectangle 12"/>
+          <p:cNvSpPr/>
+          <p:nvPr/>
+        </p:nvSpPr>
+        <p:spPr>
+          <a:xfrm>
+            <a:off x="8726100" y="6226115"/>
+            <a:ext cx="143808" cy="423081"/>
+          </a:xfrm>
+          <a:prstGeom prst="rect">
+            <a:avLst/>
+          </a:prstGeom>
+          <a:solidFill>
+            <a:srgbClr val="B2B2B2"/>
+          </a:solidFill>
+          <a:ln>
+            <a:noFill/>
+          </a:ln>
+        </p:spPr>
+        <p:style>
+          <a:lnRef idx="2">
+            <a:schemeClr val="accent1">
+              <a:shade val="50000"/>
+            </a:schemeClr>
+          </a:lnRef>
+          <a:fillRef idx="1">
+            <a:schemeClr val="accent1"/>
+          </a:fillRef>
+          <a:effectRef idx="0">
+            <a:schemeClr val="accent1"/>
+          </a:effectRef>
+          <a:fontRef idx="minor">
+            <a:schemeClr val="lt1"/>
+          </a:fontRef>
+        </p:style>
+        <p:txBody>
+          <a:bodyPr rtlCol="0" anchor="ctr"/>
+          <a:lstStyle/>
+          <a:p>
+            <a:pPr algn="ctr"/>
+            <a:endParaRPr lang="en-US"/>
+          </a:p>
+        </p:txBody>
+      </p:sp>
+      <p:grpSp>
+        <p:nvGrpSpPr>
+          <p:cNvPr id="15" name="Group 14"/>
+          <p:cNvGrpSpPr/>
+          <p:nvPr/>
+        </p:nvGrpSpPr>
+        <p:grpSpPr>
+          <a:xfrm>
+            <a:off x="10530273" y="5880370"/>
+            <a:ext cx="1301885" cy="606738"/>
+            <a:chOff x="10717834" y="5953476"/>
+            <a:chExt cx="1051094" cy="489858"/>
+          </a:xfrm>
+        </p:grpSpPr>
+        <p:sp>
+          <p:nvSpPr>
+            <p:cNvPr id="16" name="Oval 15"/>
+            <p:cNvSpPr/>
+            <p:nvPr/>
+          </p:nvSpPr>
+          <p:spPr>
+            <a:xfrm>
+              <a:off x="10917283" y="5953476"/>
+              <a:ext cx="489858" cy="489858"/>
+            </a:xfrm>
+            <a:prstGeom prst="ellipse">
+              <a:avLst/>
+            </a:prstGeom>
+            <a:ln>
+              <a:noFill/>
+            </a:ln>
+          </p:spPr>
+          <p:style>
+            <a:lnRef idx="2">
+              <a:schemeClr val="accent1">
+                <a:shade val="50000"/>
+              </a:schemeClr>
+            </a:lnRef>
+            <a:fillRef idx="1">
+              <a:schemeClr val="accent1"/>
+            </a:fillRef>
+            <a:effectRef idx="0">
+              <a:schemeClr val="accent1"/>
+            </a:effectRef>
+            <a:fontRef idx="minor">
+              <a:schemeClr val="lt1"/>
+            </a:fontRef>
+          </p:style>
+          <p:txBody>
+            <a:bodyPr rtlCol="0" anchor="ctr"/>
+            <a:lstStyle/>
+            <a:p>
+              <a:pPr algn="ctr"/>
+              <a:endParaRPr lang="en-US"/>
+            </a:p>
+          </p:txBody>
+        </p:sp>
+        <p:sp>
+          <p:nvSpPr>
+            <p:cNvPr id="17" name="Oval 16"/>
+            <p:cNvSpPr/>
+            <p:nvPr/>
+          </p:nvSpPr>
+          <p:spPr>
+            <a:xfrm>
+              <a:off x="10717834" y="6137674"/>
+              <a:ext cx="247262" cy="247262"/>
+            </a:xfrm>
+            <a:prstGeom prst="ellipse">
+              <a:avLst/>
+            </a:prstGeom>
+            <a:ln>
+              <a:noFill/>
+            </a:ln>
+          </p:spPr>
+          <p:style>
+            <a:lnRef idx="2">
+              <a:schemeClr val="accent1">
+                <a:shade val="50000"/>
+              </a:schemeClr>
+            </a:lnRef>
+            <a:fillRef idx="1">
+              <a:schemeClr val="accent1"/>
+            </a:fillRef>
+            <a:effectRef idx="0">
+              <a:schemeClr val="accent1"/>
+            </a:effectRef>
+            <a:fontRef idx="minor">
+              <a:schemeClr val="lt1"/>
+            </a:fontRef>
+          </p:style>
+          <p:txBody>
+            <a:bodyPr rtlCol="0" anchor="ctr"/>
+            <a:lstStyle/>
+            <a:p>
+              <a:pPr algn="ctr"/>
+              <a:endParaRPr lang="en-US"/>
+            </a:p>
+          </p:txBody>
+        </p:sp>
+        <p:sp>
+          <p:nvSpPr>
+            <p:cNvPr id="18" name="Oval 17"/>
+            <p:cNvSpPr/>
+            <p:nvPr/>
+          </p:nvSpPr>
+          <p:spPr>
+            <a:xfrm>
+              <a:off x="11335295" y="6087370"/>
+              <a:ext cx="192599" cy="192599"/>
+            </a:xfrm>
+            <a:prstGeom prst="ellipse">
+              <a:avLst/>
+            </a:prstGeom>
+            <a:ln>
+              <a:noFill/>
+            </a:ln>
+          </p:spPr>
+          <p:style>
+            <a:lnRef idx="2">
+              <a:schemeClr val="accent1">
+                <a:shade val="50000"/>
+              </a:schemeClr>
+            </a:lnRef>
+            <a:fillRef idx="1">
+              <a:schemeClr val="accent1"/>
+            </a:fillRef>
+            <a:effectRef idx="0">
+              <a:schemeClr val="accent1"/>
+            </a:effectRef>
+            <a:fontRef idx="minor">
+              <a:schemeClr val="lt1"/>
+            </a:fontRef>
+          </p:style>
+          <p:txBody>
+            <a:bodyPr rtlCol="0" anchor="ctr"/>
+            <a:lstStyle/>
+            <a:p>
+              <a:pPr algn="ctr"/>
+              <a:endParaRPr lang="en-US"/>
+            </a:p>
+          </p:txBody>
+        </p:sp>
+        <p:sp>
+          <p:nvSpPr>
+            <p:cNvPr id="19" name="Oval 18"/>
+            <p:cNvSpPr/>
+            <p:nvPr/>
+          </p:nvSpPr>
+          <p:spPr>
+            <a:xfrm>
+              <a:off x="11482959" y="6098840"/>
+              <a:ext cx="285969" cy="285969"/>
+            </a:xfrm>
+            <a:prstGeom prst="ellipse">
+              <a:avLst/>
+            </a:prstGeom>
+            <a:ln>
+              <a:noFill/>
+            </a:ln>
+          </p:spPr>
+          <p:style>
+            <a:lnRef idx="2">
+              <a:schemeClr val="accent1">
+                <a:shade val="50000"/>
+              </a:schemeClr>
+            </a:lnRef>
+            <a:fillRef idx="1">
+              <a:schemeClr val="accent1"/>
+            </a:fillRef>
+            <a:effectRef idx="0">
+              <a:schemeClr val="accent1"/>
+            </a:effectRef>
+            <a:fontRef idx="minor">
+              <a:schemeClr val="lt1"/>
+            </a:fontRef>
+          </p:style>
+          <p:txBody>
+            <a:bodyPr rtlCol="0" anchor="ctr"/>
+            <a:lstStyle/>
+            <a:p>
+              <a:pPr algn="ctr"/>
+              <a:endParaRPr lang="en-US"/>
+            </a:p>
+          </p:txBody>
+        </p:sp>
+        <p:sp>
+          <p:nvSpPr>
+            <p:cNvPr id="20" name="Oval 19"/>
+            <p:cNvSpPr/>
+            <p:nvPr/>
+          </p:nvSpPr>
+          <p:spPr>
+            <a:xfrm>
+              <a:off x="10841465" y="6087370"/>
+              <a:ext cx="100608" cy="100608"/>
+            </a:xfrm>
+            <a:prstGeom prst="ellipse">
+              <a:avLst/>
+            </a:prstGeom>
+            <a:ln>
+              <a:noFill/>
+            </a:ln>
+          </p:spPr>
+          <p:style>
+            <a:lnRef idx="2">
+              <a:schemeClr val="accent1">
+                <a:shade val="50000"/>
+              </a:schemeClr>
+            </a:lnRef>
+            <a:fillRef idx="1">
+              <a:schemeClr val="accent1"/>
+            </a:fillRef>
+            <a:effectRef idx="0">
+              <a:schemeClr val="accent1"/>
+            </a:effectRef>
+            <a:fontRef idx="minor">
+              <a:schemeClr val="lt1"/>
+            </a:fontRef>
+          </p:style>
+          <p:txBody>
+            <a:bodyPr rtlCol="0" anchor="ctr"/>
+            <a:lstStyle/>
+            <a:p>
+              <a:pPr algn="ctr"/>
+              <a:endParaRPr lang="en-US"/>
+            </a:p>
+          </p:txBody>
+        </p:sp>
+      </p:grpSp>
+      <p:sp>
+        <p:nvSpPr>
+          <p:cNvPr id="9" name="Slide Number Placeholder 8"/>
           <p:cNvSpPr>
             <a:spLocks noGrp="1"/>
           </p:cNvSpPr>
@@ -1877,10 +7378,23 @@
             <p:ph type="sldNum" sz="quarter" idx="12"/>
           </p:nvPr>
         </p:nvSpPr>
-        <p:spPr/>
+        <p:spPr>
+          <a:xfrm>
+            <a:off x="9088958" y="6275759"/>
+            <a:ext cx="2743200" cy="365125"/>
+          </a:xfrm>
+        </p:spPr>
         <p:txBody>
           <a:bodyPr/>
-          <a:lstStyle/>
+          <a:lstStyle>
+            <a:lvl1pPr>
+              <a:defRPr>
+                <a:solidFill>
+                  <a:schemeClr val="bg1"/>
+                </a:solidFill>
+              </a:defRPr>
+            </a:lvl1pPr>
+          </a:lstStyle>
           <a:p>
             <a:fld id="{3D842AAE-86FF-451A-B7C6-0D03DAE39848}" type="slidenum">
               <a:rPr lang="en-IN" smtClean="0"/>
@@ -1893,17 +7407,29 @@
     </p:spTree>
     <p:extLst>
       <p:ext uri="{BB962C8B-B14F-4D97-AF65-F5344CB8AC3E}">
-        <p14:creationId xmlns:p14="http://schemas.microsoft.com/office/powerpoint/2010/main" val="4277906644"/>
+        <p14:creationId xmlns:p14="http://schemas.microsoft.com/office/powerpoint/2010/main" val="2821344278"/>
       </p:ext>
     </p:extLst>
   </p:cSld>
   <p:clrMapOvr>
     <a:masterClrMapping/>
   </p:clrMapOvr>
+  <mc:AlternateContent xmlns:mc="http://schemas.openxmlformats.org/markup-compatibility/2006" xmlns:p14="http://schemas.microsoft.com/office/powerpoint/2010/main">
+    <mc:Choice Requires="p14">
+      <p:transition spd="med" p14:dur="700">
+        <p:fade/>
+      </p:transition>
+    </mc:Choice>
+    <mc:Fallback xmlns="">
+      <p:transition spd="med">
+        <p:fade/>
+      </p:transition>
+    </mc:Fallback>
+  </mc:AlternateContent>
 </p:sldLayout>
 </file>
 
-<file path=ppt/slideLayouts/slideLayout6.xml><?xml version="1.0" encoding="utf-8"?>
+<file path=ppt/slideLayouts/slideLayout7.xml><?xml version="1.0" encoding="utf-8"?>
 <p:sldLayout xmlns:a="http://schemas.openxmlformats.org/drawingml/2006/main" xmlns:r="http://schemas.openxmlformats.org/officeDocument/2006/relationships" xmlns:p="http://schemas.openxmlformats.org/presentationml/2006/main" type="titleOnly" preserve="1">
   <p:cSld name="Title Only">
     <p:spTree>
@@ -1922,13 +7448,7 @@
       </p:grpSpPr>
       <p:sp>
         <p:nvSpPr>
-          <p:cNvPr id="2" name="Title 1">
-            <a:extLst>
-              <a:ext uri="{FF2B5EF4-FFF2-40B4-BE49-F238E27FC236}">
-                <a16:creationId xmlns:a16="http://schemas.microsoft.com/office/drawing/2014/main" id="{96672595-BB44-4716-B81A-16619B3BADFD}"/>
-              </a:ext>
-            </a:extLst>
-          </p:cNvPr>
+          <p:cNvPr id="2" name="Title 1"/>
           <p:cNvSpPr>
             <a:spLocks noGrp="1"/>
           </p:cNvSpPr>
@@ -1936,28 +7456,37 @@
             <p:ph type="title"/>
           </p:nvPr>
         </p:nvSpPr>
-        <p:spPr/>
+        <p:spPr>
+          <a:xfrm>
+            <a:off x="409433" y="365125"/>
+            <a:ext cx="10944367" cy="753991"/>
+          </a:xfrm>
+        </p:spPr>
         <p:txBody>
-          <a:bodyPr/>
-          <a:lstStyle/>
+          <a:bodyPr>
+            <a:normAutofit/>
+          </a:bodyPr>
+          <a:lstStyle>
+            <a:lvl1pPr>
+              <a:defRPr sz="2400">
+                <a:solidFill>
+                  <a:srgbClr val="0070C0"/>
+                </a:solidFill>
+                <a:latin typeface="Segoe UI Semibold" panose="020B0702040204020203" pitchFamily="34" charset="0"/>
+              </a:defRPr>
+            </a:lvl1pPr>
+          </a:lstStyle>
           <a:p>
             <a:r>
               <a:rPr lang="en-US"/>
               <a:t>Click to edit Master title style</a:t>
             </a:r>
-            <a:endParaRPr lang="en-IN"/>
           </a:p>
         </p:txBody>
       </p:sp>
       <p:sp>
         <p:nvSpPr>
-          <p:cNvPr id="3" name="Date Placeholder 2">
-            <a:extLst>
-              <a:ext uri="{FF2B5EF4-FFF2-40B4-BE49-F238E27FC236}">
-                <a16:creationId xmlns:a16="http://schemas.microsoft.com/office/drawing/2014/main" id="{A7421199-FB4D-4078-9684-3CB2A6822E39}"/>
-              </a:ext>
-            </a:extLst>
-          </p:cNvPr>
+          <p:cNvPr id="3" name="Date Placeholder 2"/>
           <p:cNvSpPr>
             <a:spLocks noGrp="1"/>
           </p:cNvSpPr>
@@ -1980,13 +7509,7 @@
       </p:sp>
       <p:sp>
         <p:nvSpPr>
-          <p:cNvPr id="4" name="Footer Placeholder 3">
-            <a:extLst>
-              <a:ext uri="{FF2B5EF4-FFF2-40B4-BE49-F238E27FC236}">
-                <a16:creationId xmlns:a16="http://schemas.microsoft.com/office/drawing/2014/main" id="{557A6732-36A9-48ED-A4B6-482158C44F09}"/>
-              </a:ext>
-            </a:extLst>
-          </p:cNvPr>
+          <p:cNvPr id="4" name="Footer Placeholder 3"/>
           <p:cNvSpPr>
             <a:spLocks noGrp="1"/>
           </p:cNvSpPr>
@@ -2005,13 +7528,484 @@
       </p:sp>
       <p:sp>
         <p:nvSpPr>
-          <p:cNvPr id="5" name="Slide Number Placeholder 4">
+          <p:cNvPr id="6" name="Rectangle 5"/>
+          <p:cNvSpPr/>
+          <p:nvPr/>
+        </p:nvSpPr>
+        <p:spPr>
+          <a:xfrm>
+            <a:off x="245660" y="218364"/>
+            <a:ext cx="11737074" cy="6414448"/>
+          </a:xfrm>
+          <a:prstGeom prst="rect">
+            <a:avLst/>
+          </a:prstGeom>
+          <a:noFill/>
+          <a:ln>
+            <a:solidFill>
+              <a:schemeClr val="bg1">
+                <a:lumMod val="85000"/>
+              </a:schemeClr>
+            </a:solidFill>
+          </a:ln>
+        </p:spPr>
+        <p:style>
+          <a:lnRef idx="2">
+            <a:schemeClr val="accent1">
+              <a:shade val="50000"/>
+            </a:schemeClr>
+          </a:lnRef>
+          <a:fillRef idx="1">
+            <a:schemeClr val="accent1"/>
+          </a:fillRef>
+          <a:effectRef idx="0">
+            <a:schemeClr val="accent1"/>
+          </a:effectRef>
+          <a:fontRef idx="minor">
+            <a:schemeClr val="lt1"/>
+          </a:fontRef>
+        </p:style>
+        <p:txBody>
+          <a:bodyPr rtlCol="0" anchor="ctr"/>
+          <a:lstStyle/>
+          <a:p>
+            <a:pPr algn="ctr"/>
+            <a:endParaRPr lang="en-US"/>
+          </a:p>
+        </p:txBody>
+      </p:sp>
+      <p:pic>
+        <p:nvPicPr>
+          <p:cNvPr id="7" name="Picture 6"/>
+          <p:cNvPicPr>
+            <a:picLocks noChangeAspect="1"/>
+          </p:cNvPicPr>
+          <p:nvPr/>
+        </p:nvPicPr>
+        <p:blipFill>
+          <a:blip r:embed="rId2">
             <a:extLst>
-              <a:ext uri="{FF2B5EF4-FFF2-40B4-BE49-F238E27FC236}">
-                <a16:creationId xmlns:a16="http://schemas.microsoft.com/office/drawing/2014/main" id="{D8B621E0-95EE-4094-B1C8-96250222A08D}"/>
+              <a:ext uri="{28A0092B-C50C-407E-A947-70E740481C1C}">
+                <a14:useLocalDpi xmlns:a14="http://schemas.microsoft.com/office/drawing/2010/main" val="0"/>
               </a:ext>
             </a:extLst>
-          </p:cNvPr>
+          </a:blip>
+          <a:stretch>
+            <a:fillRect/>
+          </a:stretch>
+        </p:blipFill>
+        <p:spPr>
+          <a:xfrm>
+            <a:off x="8756544" y="297516"/>
+            <a:ext cx="3189796" cy="430176"/>
+          </a:xfrm>
+          <a:prstGeom prst="rect">
+            <a:avLst/>
+          </a:prstGeom>
+        </p:spPr>
+      </p:pic>
+      <p:cxnSp>
+        <p:nvCxnSpPr>
+          <p:cNvPr id="8" name="Straight Connector 7"/>
+          <p:cNvCxnSpPr/>
+          <p:nvPr/>
+        </p:nvCxnSpPr>
+        <p:spPr>
+          <a:xfrm>
+            <a:off x="245660" y="1279525"/>
+            <a:ext cx="5036024" cy="0"/>
+          </a:xfrm>
+          <a:prstGeom prst="line">
+            <a:avLst/>
+          </a:prstGeom>
+          <a:ln>
+            <a:solidFill>
+              <a:schemeClr val="bg1">
+                <a:lumMod val="75000"/>
+              </a:schemeClr>
+            </a:solidFill>
+          </a:ln>
+        </p:spPr>
+        <p:style>
+          <a:lnRef idx="1">
+            <a:schemeClr val="accent1"/>
+          </a:lnRef>
+          <a:fillRef idx="0">
+            <a:schemeClr val="accent1"/>
+          </a:fillRef>
+          <a:effectRef idx="0">
+            <a:schemeClr val="accent1"/>
+          </a:effectRef>
+          <a:fontRef idx="minor">
+            <a:schemeClr val="tx1"/>
+          </a:fontRef>
+        </p:style>
+      </p:cxnSp>
+      <p:sp>
+        <p:nvSpPr>
+          <p:cNvPr id="9" name="Rectangle 8"/>
+          <p:cNvSpPr/>
+          <p:nvPr/>
+        </p:nvSpPr>
+        <p:spPr>
+          <a:xfrm>
+            <a:off x="5281684" y="1215190"/>
+            <a:ext cx="124326" cy="124326"/>
+          </a:xfrm>
+          <a:prstGeom prst="rect">
+            <a:avLst/>
+          </a:prstGeom>
+          <a:ln>
+            <a:noFill/>
+          </a:ln>
+        </p:spPr>
+        <p:style>
+          <a:lnRef idx="2">
+            <a:schemeClr val="accent1">
+              <a:shade val="50000"/>
+            </a:schemeClr>
+          </a:lnRef>
+          <a:fillRef idx="1">
+            <a:schemeClr val="accent1"/>
+          </a:fillRef>
+          <a:effectRef idx="0">
+            <a:schemeClr val="accent1"/>
+          </a:effectRef>
+          <a:fontRef idx="minor">
+            <a:schemeClr val="lt1"/>
+          </a:fontRef>
+        </p:style>
+        <p:txBody>
+          <a:bodyPr rtlCol="0" anchor="ctr"/>
+          <a:lstStyle/>
+          <a:p>
+            <a:pPr algn="ctr"/>
+            <a:endParaRPr lang="en-US"/>
+          </a:p>
+        </p:txBody>
+      </p:sp>
+      <p:sp>
+        <p:nvSpPr>
+          <p:cNvPr id="10" name="Rectangle 9"/>
+          <p:cNvSpPr/>
+          <p:nvPr/>
+        </p:nvSpPr>
+        <p:spPr>
+          <a:xfrm>
+            <a:off x="8965566" y="6226649"/>
+            <a:ext cx="3030816" cy="423081"/>
+          </a:xfrm>
+          <a:prstGeom prst="rect">
+            <a:avLst/>
+          </a:prstGeom>
+          <a:ln>
+            <a:noFill/>
+          </a:ln>
+        </p:spPr>
+        <p:style>
+          <a:lnRef idx="2">
+            <a:schemeClr val="accent1">
+              <a:shade val="50000"/>
+            </a:schemeClr>
+          </a:lnRef>
+          <a:fillRef idx="1">
+            <a:schemeClr val="accent1"/>
+          </a:fillRef>
+          <a:effectRef idx="0">
+            <a:schemeClr val="accent1"/>
+          </a:effectRef>
+          <a:fontRef idx="minor">
+            <a:schemeClr val="lt1"/>
+          </a:fontRef>
+        </p:style>
+        <p:txBody>
+          <a:bodyPr rtlCol="0" anchor="ctr"/>
+          <a:lstStyle/>
+          <a:p>
+            <a:pPr algn="ctr"/>
+            <a:endParaRPr lang="en-US"/>
+          </a:p>
+        </p:txBody>
+      </p:sp>
+      <p:sp>
+        <p:nvSpPr>
+          <p:cNvPr id="11" name="Rectangle 10"/>
+          <p:cNvSpPr/>
+          <p:nvPr/>
+        </p:nvSpPr>
+        <p:spPr>
+          <a:xfrm>
+            <a:off x="8726100" y="6226115"/>
+            <a:ext cx="143808" cy="423081"/>
+          </a:xfrm>
+          <a:prstGeom prst="rect">
+            <a:avLst/>
+          </a:prstGeom>
+          <a:solidFill>
+            <a:srgbClr val="B2B2B2"/>
+          </a:solidFill>
+          <a:ln>
+            <a:noFill/>
+          </a:ln>
+        </p:spPr>
+        <p:style>
+          <a:lnRef idx="2">
+            <a:schemeClr val="accent1">
+              <a:shade val="50000"/>
+            </a:schemeClr>
+          </a:lnRef>
+          <a:fillRef idx="1">
+            <a:schemeClr val="accent1"/>
+          </a:fillRef>
+          <a:effectRef idx="0">
+            <a:schemeClr val="accent1"/>
+          </a:effectRef>
+          <a:fontRef idx="minor">
+            <a:schemeClr val="lt1"/>
+          </a:fontRef>
+        </p:style>
+        <p:txBody>
+          <a:bodyPr rtlCol="0" anchor="ctr"/>
+          <a:lstStyle/>
+          <a:p>
+            <a:pPr algn="ctr"/>
+            <a:endParaRPr lang="en-US"/>
+          </a:p>
+        </p:txBody>
+      </p:sp>
+      <p:grpSp>
+        <p:nvGrpSpPr>
+          <p:cNvPr id="13" name="Group 12"/>
+          <p:cNvGrpSpPr/>
+          <p:nvPr/>
+        </p:nvGrpSpPr>
+        <p:grpSpPr>
+          <a:xfrm>
+            <a:off x="10530273" y="5880370"/>
+            <a:ext cx="1301885" cy="606738"/>
+            <a:chOff x="10717834" y="5953476"/>
+            <a:chExt cx="1051094" cy="489858"/>
+          </a:xfrm>
+        </p:grpSpPr>
+        <p:sp>
+          <p:nvSpPr>
+            <p:cNvPr id="14" name="Oval 13"/>
+            <p:cNvSpPr/>
+            <p:nvPr/>
+          </p:nvSpPr>
+          <p:spPr>
+            <a:xfrm>
+              <a:off x="10917283" y="5953476"/>
+              <a:ext cx="489858" cy="489858"/>
+            </a:xfrm>
+            <a:prstGeom prst="ellipse">
+              <a:avLst/>
+            </a:prstGeom>
+            <a:ln>
+              <a:noFill/>
+            </a:ln>
+          </p:spPr>
+          <p:style>
+            <a:lnRef idx="2">
+              <a:schemeClr val="accent1">
+                <a:shade val="50000"/>
+              </a:schemeClr>
+            </a:lnRef>
+            <a:fillRef idx="1">
+              <a:schemeClr val="accent1"/>
+            </a:fillRef>
+            <a:effectRef idx="0">
+              <a:schemeClr val="accent1"/>
+            </a:effectRef>
+            <a:fontRef idx="minor">
+              <a:schemeClr val="lt1"/>
+            </a:fontRef>
+          </p:style>
+          <p:txBody>
+            <a:bodyPr rtlCol="0" anchor="ctr"/>
+            <a:lstStyle/>
+            <a:p>
+              <a:pPr algn="ctr"/>
+              <a:endParaRPr lang="en-US"/>
+            </a:p>
+          </p:txBody>
+        </p:sp>
+        <p:sp>
+          <p:nvSpPr>
+            <p:cNvPr id="15" name="Oval 14"/>
+            <p:cNvSpPr/>
+            <p:nvPr/>
+          </p:nvSpPr>
+          <p:spPr>
+            <a:xfrm>
+              <a:off x="10717834" y="6137674"/>
+              <a:ext cx="247262" cy="247262"/>
+            </a:xfrm>
+            <a:prstGeom prst="ellipse">
+              <a:avLst/>
+            </a:prstGeom>
+            <a:ln>
+              <a:noFill/>
+            </a:ln>
+          </p:spPr>
+          <p:style>
+            <a:lnRef idx="2">
+              <a:schemeClr val="accent1">
+                <a:shade val="50000"/>
+              </a:schemeClr>
+            </a:lnRef>
+            <a:fillRef idx="1">
+              <a:schemeClr val="accent1"/>
+            </a:fillRef>
+            <a:effectRef idx="0">
+              <a:schemeClr val="accent1"/>
+            </a:effectRef>
+            <a:fontRef idx="minor">
+              <a:schemeClr val="lt1"/>
+            </a:fontRef>
+          </p:style>
+          <p:txBody>
+            <a:bodyPr rtlCol="0" anchor="ctr"/>
+            <a:lstStyle/>
+            <a:p>
+              <a:pPr algn="ctr"/>
+              <a:endParaRPr lang="en-US"/>
+            </a:p>
+          </p:txBody>
+        </p:sp>
+        <p:sp>
+          <p:nvSpPr>
+            <p:cNvPr id="16" name="Oval 15"/>
+            <p:cNvSpPr/>
+            <p:nvPr/>
+          </p:nvSpPr>
+          <p:spPr>
+            <a:xfrm>
+              <a:off x="11335295" y="6087370"/>
+              <a:ext cx="192599" cy="192599"/>
+            </a:xfrm>
+            <a:prstGeom prst="ellipse">
+              <a:avLst/>
+            </a:prstGeom>
+            <a:ln>
+              <a:noFill/>
+            </a:ln>
+          </p:spPr>
+          <p:style>
+            <a:lnRef idx="2">
+              <a:schemeClr val="accent1">
+                <a:shade val="50000"/>
+              </a:schemeClr>
+            </a:lnRef>
+            <a:fillRef idx="1">
+              <a:schemeClr val="accent1"/>
+            </a:fillRef>
+            <a:effectRef idx="0">
+              <a:schemeClr val="accent1"/>
+            </a:effectRef>
+            <a:fontRef idx="minor">
+              <a:schemeClr val="lt1"/>
+            </a:fontRef>
+          </p:style>
+          <p:txBody>
+            <a:bodyPr rtlCol="0" anchor="ctr"/>
+            <a:lstStyle/>
+            <a:p>
+              <a:pPr algn="ctr"/>
+              <a:endParaRPr lang="en-US"/>
+            </a:p>
+          </p:txBody>
+        </p:sp>
+        <p:sp>
+          <p:nvSpPr>
+            <p:cNvPr id="17" name="Oval 16"/>
+            <p:cNvSpPr/>
+            <p:nvPr/>
+          </p:nvSpPr>
+          <p:spPr>
+            <a:xfrm>
+              <a:off x="11482959" y="6098840"/>
+              <a:ext cx="285969" cy="285969"/>
+            </a:xfrm>
+            <a:prstGeom prst="ellipse">
+              <a:avLst/>
+            </a:prstGeom>
+            <a:ln>
+              <a:noFill/>
+            </a:ln>
+          </p:spPr>
+          <p:style>
+            <a:lnRef idx="2">
+              <a:schemeClr val="accent1">
+                <a:shade val="50000"/>
+              </a:schemeClr>
+            </a:lnRef>
+            <a:fillRef idx="1">
+              <a:schemeClr val="accent1"/>
+            </a:fillRef>
+            <a:effectRef idx="0">
+              <a:schemeClr val="accent1"/>
+            </a:effectRef>
+            <a:fontRef idx="minor">
+              <a:schemeClr val="lt1"/>
+            </a:fontRef>
+          </p:style>
+          <p:txBody>
+            <a:bodyPr rtlCol="0" anchor="ctr"/>
+            <a:lstStyle/>
+            <a:p>
+              <a:pPr algn="ctr"/>
+              <a:endParaRPr lang="en-US"/>
+            </a:p>
+          </p:txBody>
+        </p:sp>
+        <p:sp>
+          <p:nvSpPr>
+            <p:cNvPr id="18" name="Oval 17"/>
+            <p:cNvSpPr/>
+            <p:nvPr/>
+          </p:nvSpPr>
+          <p:spPr>
+            <a:xfrm>
+              <a:off x="10841465" y="6087370"/>
+              <a:ext cx="100608" cy="100608"/>
+            </a:xfrm>
+            <a:prstGeom prst="ellipse">
+              <a:avLst/>
+            </a:prstGeom>
+            <a:ln>
+              <a:noFill/>
+            </a:ln>
+          </p:spPr>
+          <p:style>
+            <a:lnRef idx="2">
+              <a:schemeClr val="accent1">
+                <a:shade val="50000"/>
+              </a:schemeClr>
+            </a:lnRef>
+            <a:fillRef idx="1">
+              <a:schemeClr val="accent1"/>
+            </a:fillRef>
+            <a:effectRef idx="0">
+              <a:schemeClr val="accent1"/>
+            </a:effectRef>
+            <a:fontRef idx="minor">
+              <a:schemeClr val="lt1"/>
+            </a:fontRef>
+          </p:style>
+          <p:txBody>
+            <a:bodyPr rtlCol="0" anchor="ctr"/>
+            <a:lstStyle/>
+            <a:p>
+              <a:pPr algn="ctr"/>
+              <a:endParaRPr lang="en-US"/>
+            </a:p>
+          </p:txBody>
+        </p:sp>
+      </p:grpSp>
+      <p:sp>
+        <p:nvSpPr>
+          <p:cNvPr id="5" name="Slide Number Placeholder 4"/>
           <p:cNvSpPr>
             <a:spLocks noGrp="1"/>
           </p:cNvSpPr>
@@ -2019,10 +8013,23 @@
             <p:ph type="sldNum" sz="quarter" idx="12"/>
           </p:nvPr>
         </p:nvSpPr>
-        <p:spPr/>
+        <p:spPr>
+          <a:xfrm>
+            <a:off x="9088958" y="6261351"/>
+            <a:ext cx="2743200" cy="365125"/>
+          </a:xfrm>
+        </p:spPr>
         <p:txBody>
           <a:bodyPr/>
-          <a:lstStyle/>
+          <a:lstStyle>
+            <a:lvl1pPr>
+              <a:defRPr>
+                <a:solidFill>
+                  <a:schemeClr val="bg1"/>
+                </a:solidFill>
+              </a:defRPr>
+            </a:lvl1pPr>
+          </a:lstStyle>
           <a:p>
             <a:fld id="{3D842AAE-86FF-451A-B7C6-0D03DAE39848}" type="slidenum">
               <a:rPr lang="en-IN" smtClean="0"/>
@@ -2035,17 +8042,29 @@
     </p:spTree>
     <p:extLst>
       <p:ext uri="{BB962C8B-B14F-4D97-AF65-F5344CB8AC3E}">
-        <p14:creationId xmlns:p14="http://schemas.microsoft.com/office/powerpoint/2010/main" val="82189423"/>
+        <p14:creationId xmlns:p14="http://schemas.microsoft.com/office/powerpoint/2010/main" val="3975133650"/>
       </p:ext>
     </p:extLst>
   </p:cSld>
   <p:clrMapOvr>
     <a:masterClrMapping/>
   </p:clrMapOvr>
+  <mc:AlternateContent xmlns:mc="http://schemas.openxmlformats.org/markup-compatibility/2006" xmlns:p14="http://schemas.microsoft.com/office/powerpoint/2010/main">
+    <mc:Choice Requires="p14">
+      <p:transition spd="med" p14:dur="700">
+        <p:fade/>
+      </p:transition>
+    </mc:Choice>
+    <mc:Fallback xmlns="">
+      <p:transition spd="med">
+        <p:fade/>
+      </p:transition>
+    </mc:Fallback>
+  </mc:AlternateContent>
 </p:sldLayout>
 </file>
 
-<file path=ppt/slideLayouts/slideLayout7.xml><?xml version="1.0" encoding="utf-8"?>
+<file path=ppt/slideLayouts/slideLayout8.xml><?xml version="1.0" encoding="utf-8"?>
 <p:sldLayout xmlns:a="http://schemas.openxmlformats.org/drawingml/2006/main" xmlns:r="http://schemas.openxmlformats.org/officeDocument/2006/relationships" xmlns:p="http://schemas.openxmlformats.org/presentationml/2006/main" type="blank" preserve="1">
   <p:cSld name="Blank">
     <p:spTree>
@@ -2064,13 +8083,7 @@
       </p:grpSpPr>
       <p:sp>
         <p:nvSpPr>
-          <p:cNvPr id="2" name="Date Placeholder 1">
-            <a:extLst>
-              <a:ext uri="{FF2B5EF4-FFF2-40B4-BE49-F238E27FC236}">
-                <a16:creationId xmlns:a16="http://schemas.microsoft.com/office/drawing/2014/main" id="{C69B98BA-D9EC-40BF-A5D0-FE0A3AE3753F}"/>
-              </a:ext>
-            </a:extLst>
-          </p:cNvPr>
+          <p:cNvPr id="2" name="Date Placeholder 1"/>
           <p:cNvSpPr>
             <a:spLocks noGrp="1"/>
           </p:cNvSpPr>
@@ -2093,13 +8106,7 @@
       </p:sp>
       <p:sp>
         <p:nvSpPr>
-          <p:cNvPr id="3" name="Footer Placeholder 2">
-            <a:extLst>
-              <a:ext uri="{FF2B5EF4-FFF2-40B4-BE49-F238E27FC236}">
-                <a16:creationId xmlns:a16="http://schemas.microsoft.com/office/drawing/2014/main" id="{20FBFF75-9C8F-4AC5-B0BC-38C7BC316198}"/>
-              </a:ext>
-            </a:extLst>
-          </p:cNvPr>
+          <p:cNvPr id="3" name="Footer Placeholder 2"/>
           <p:cNvSpPr>
             <a:spLocks noGrp="1"/>
           </p:cNvSpPr>
@@ -2118,13 +8125,498 @@
       </p:sp>
       <p:sp>
         <p:nvSpPr>
-          <p:cNvPr id="4" name="Slide Number Placeholder 3">
-            <a:extLst>
-              <a:ext uri="{FF2B5EF4-FFF2-40B4-BE49-F238E27FC236}">
-                <a16:creationId xmlns:a16="http://schemas.microsoft.com/office/drawing/2014/main" id="{52228164-1B56-40D1-B1EF-4D5601CE6A6A}"/>
-              </a:ext>
-            </a:extLst>
-          </p:cNvPr>
+          <p:cNvPr id="5" name="Rectangle 4"/>
+          <p:cNvSpPr/>
+          <p:nvPr/>
+        </p:nvSpPr>
+        <p:spPr>
+          <a:xfrm>
+            <a:off x="245660" y="218364"/>
+            <a:ext cx="11737074" cy="6414448"/>
+          </a:xfrm>
+          <a:prstGeom prst="rect">
+            <a:avLst/>
+          </a:prstGeom>
+          <a:noFill/>
+          <a:ln>
+            <a:solidFill>
+              <a:schemeClr val="bg1">
+                <a:lumMod val="85000"/>
+              </a:schemeClr>
+            </a:solidFill>
+          </a:ln>
+        </p:spPr>
+        <p:style>
+          <a:lnRef idx="2">
+            <a:schemeClr val="accent1">
+              <a:shade val="50000"/>
+            </a:schemeClr>
+          </a:lnRef>
+          <a:fillRef idx="1">
+            <a:schemeClr val="accent1"/>
+          </a:fillRef>
+          <a:effectRef idx="0">
+            <a:schemeClr val="accent1"/>
+          </a:effectRef>
+          <a:fontRef idx="minor">
+            <a:schemeClr val="lt1"/>
+          </a:fontRef>
+        </p:style>
+        <p:txBody>
+          <a:bodyPr rtlCol="0" anchor="ctr"/>
+          <a:lstStyle/>
+          <a:p>
+            <a:pPr algn="ctr"/>
+            <a:endParaRPr lang="en-US"/>
+          </a:p>
+        </p:txBody>
+      </p:sp>
+      <p:sp>
+        <p:nvSpPr>
+          <p:cNvPr id="6" name="Rectangle 5"/>
+          <p:cNvSpPr/>
+          <p:nvPr/>
+        </p:nvSpPr>
+        <p:spPr>
+          <a:xfrm>
+            <a:off x="8965566" y="6226649"/>
+            <a:ext cx="3030816" cy="423081"/>
+          </a:xfrm>
+          <a:prstGeom prst="rect">
+            <a:avLst/>
+          </a:prstGeom>
+          <a:ln>
+            <a:noFill/>
+          </a:ln>
+        </p:spPr>
+        <p:style>
+          <a:lnRef idx="2">
+            <a:schemeClr val="accent1">
+              <a:shade val="50000"/>
+            </a:schemeClr>
+          </a:lnRef>
+          <a:fillRef idx="1">
+            <a:schemeClr val="accent1"/>
+          </a:fillRef>
+          <a:effectRef idx="0">
+            <a:schemeClr val="accent1"/>
+          </a:effectRef>
+          <a:fontRef idx="minor">
+            <a:schemeClr val="lt1"/>
+          </a:fontRef>
+        </p:style>
+        <p:txBody>
+          <a:bodyPr rtlCol="0" anchor="ctr"/>
+          <a:lstStyle/>
+          <a:p>
+            <a:pPr algn="ctr"/>
+            <a:endParaRPr lang="en-US"/>
+          </a:p>
+        </p:txBody>
+      </p:sp>
+      <p:sp>
+        <p:nvSpPr>
+          <p:cNvPr id="7" name="Rectangle 6"/>
+          <p:cNvSpPr/>
+          <p:nvPr/>
+        </p:nvSpPr>
+        <p:spPr>
+          <a:xfrm>
+            <a:off x="8726100" y="6226115"/>
+            <a:ext cx="143808" cy="423081"/>
+          </a:xfrm>
+          <a:prstGeom prst="rect">
+            <a:avLst/>
+          </a:prstGeom>
+          <a:solidFill>
+            <a:srgbClr val="B2B2B2"/>
+          </a:solidFill>
+          <a:ln>
+            <a:noFill/>
+          </a:ln>
+        </p:spPr>
+        <p:style>
+          <a:lnRef idx="2">
+            <a:schemeClr val="accent1">
+              <a:shade val="50000"/>
+            </a:schemeClr>
+          </a:lnRef>
+          <a:fillRef idx="1">
+            <a:schemeClr val="accent1"/>
+          </a:fillRef>
+          <a:effectRef idx="0">
+            <a:schemeClr val="accent1"/>
+          </a:effectRef>
+          <a:fontRef idx="minor">
+            <a:schemeClr val="lt1"/>
+          </a:fontRef>
+        </p:style>
+        <p:txBody>
+          <a:bodyPr rtlCol="0" anchor="ctr"/>
+          <a:lstStyle/>
+          <a:p>
+            <a:pPr algn="ctr"/>
+            <a:endParaRPr lang="en-US"/>
+          </a:p>
+        </p:txBody>
+      </p:sp>
+      <p:sp>
+        <p:nvSpPr>
+          <p:cNvPr id="8" name="Slide Number Placeholder 5"/>
+          <p:cNvSpPr txBox="1">
+            <a:spLocks/>
+          </p:cNvSpPr>
+          <p:nvPr/>
+        </p:nvSpPr>
+        <p:spPr>
+          <a:xfrm>
+            <a:off x="8965566" y="5142637"/>
+            <a:ext cx="2743200" cy="365125"/>
+          </a:xfrm>
+          <a:prstGeom prst="rect">
+            <a:avLst/>
+          </a:prstGeom>
+        </p:spPr>
+        <p:txBody>
+          <a:bodyPr vert="horz" lIns="91440" tIns="45720" rIns="91440" bIns="45720" rtlCol="0" anchor="ctr"/>
+          <a:lstStyle>
+            <a:defPPr>
+              <a:defRPr lang="en-US"/>
+            </a:defPPr>
+            <a:lvl1pPr marL="0" algn="r" defTabSz="914400" rtl="0" eaLnBrk="1" latinLnBrk="0" hangingPunct="1">
+              <a:defRPr sz="1200" kern="1200">
+                <a:solidFill>
+                  <a:schemeClr val="bg1"/>
+                </a:solidFill>
+                <a:latin typeface="Segoe UI Semibold" panose="020B0702040204020203" pitchFamily="34" charset="0"/>
+                <a:ea typeface="+mn-ea"/>
+                <a:cs typeface="+mn-cs"/>
+              </a:defRPr>
+            </a:lvl1pPr>
+            <a:lvl2pPr marL="457200" algn="l" defTabSz="914400" rtl="0" eaLnBrk="1" latinLnBrk="0" hangingPunct="1">
+              <a:defRPr sz="1800" kern="1200">
+                <a:solidFill>
+                  <a:schemeClr val="tx1"/>
+                </a:solidFill>
+                <a:latin typeface="+mn-lt"/>
+                <a:ea typeface="+mn-ea"/>
+                <a:cs typeface="+mn-cs"/>
+              </a:defRPr>
+            </a:lvl2pPr>
+            <a:lvl3pPr marL="914400" algn="l" defTabSz="914400" rtl="0" eaLnBrk="1" latinLnBrk="0" hangingPunct="1">
+              <a:defRPr sz="1800" kern="1200">
+                <a:solidFill>
+                  <a:schemeClr val="tx1"/>
+                </a:solidFill>
+                <a:latin typeface="+mn-lt"/>
+                <a:ea typeface="+mn-ea"/>
+                <a:cs typeface="+mn-cs"/>
+              </a:defRPr>
+            </a:lvl3pPr>
+            <a:lvl4pPr marL="1371600" algn="l" defTabSz="914400" rtl="0" eaLnBrk="1" latinLnBrk="0" hangingPunct="1">
+              <a:defRPr sz="1800" kern="1200">
+                <a:solidFill>
+                  <a:schemeClr val="tx1"/>
+                </a:solidFill>
+                <a:latin typeface="+mn-lt"/>
+                <a:ea typeface="+mn-ea"/>
+                <a:cs typeface="+mn-cs"/>
+              </a:defRPr>
+            </a:lvl4pPr>
+            <a:lvl5pPr marL="1828800" algn="l" defTabSz="914400" rtl="0" eaLnBrk="1" latinLnBrk="0" hangingPunct="1">
+              <a:defRPr sz="1800" kern="1200">
+                <a:solidFill>
+                  <a:schemeClr val="tx1"/>
+                </a:solidFill>
+                <a:latin typeface="+mn-lt"/>
+                <a:ea typeface="+mn-ea"/>
+                <a:cs typeface="+mn-cs"/>
+              </a:defRPr>
+            </a:lvl5pPr>
+            <a:lvl6pPr marL="2286000" algn="l" defTabSz="914400" rtl="0" eaLnBrk="1" latinLnBrk="0" hangingPunct="1">
+              <a:defRPr sz="1800" kern="1200">
+                <a:solidFill>
+                  <a:schemeClr val="tx1"/>
+                </a:solidFill>
+                <a:latin typeface="+mn-lt"/>
+                <a:ea typeface="+mn-ea"/>
+                <a:cs typeface="+mn-cs"/>
+              </a:defRPr>
+            </a:lvl6pPr>
+            <a:lvl7pPr marL="2743200" algn="l" defTabSz="914400" rtl="0" eaLnBrk="1" latinLnBrk="0" hangingPunct="1">
+              <a:defRPr sz="1800" kern="1200">
+                <a:solidFill>
+                  <a:schemeClr val="tx1"/>
+                </a:solidFill>
+                <a:latin typeface="+mn-lt"/>
+                <a:ea typeface="+mn-ea"/>
+                <a:cs typeface="+mn-cs"/>
+              </a:defRPr>
+            </a:lvl7pPr>
+            <a:lvl8pPr marL="3200400" algn="l" defTabSz="914400" rtl="0" eaLnBrk="1" latinLnBrk="0" hangingPunct="1">
+              <a:defRPr sz="1800" kern="1200">
+                <a:solidFill>
+                  <a:schemeClr val="tx1"/>
+                </a:solidFill>
+                <a:latin typeface="+mn-lt"/>
+                <a:ea typeface="+mn-ea"/>
+                <a:cs typeface="+mn-cs"/>
+              </a:defRPr>
+            </a:lvl8pPr>
+            <a:lvl9pPr marL="3657600" algn="l" defTabSz="914400" rtl="0" eaLnBrk="1" latinLnBrk="0" hangingPunct="1">
+              <a:defRPr sz="1800" kern="1200">
+                <a:solidFill>
+                  <a:schemeClr val="tx1"/>
+                </a:solidFill>
+                <a:latin typeface="+mn-lt"/>
+                <a:ea typeface="+mn-ea"/>
+                <a:cs typeface="+mn-cs"/>
+              </a:defRPr>
+            </a:lvl9pPr>
+          </a:lstStyle>
+          <a:p>
+            <a:fld id="{812568EF-7BAD-4945-B6F2-C41C476107F9}" type="slidenum">
+              <a:rPr lang="en-US" smtClean="0"/>
+              <a:pPr/>
+              <a:t>‹#›</a:t>
+            </a:fld>
+            <a:endParaRPr lang="en-US" dirty="0"/>
+          </a:p>
+        </p:txBody>
+      </p:sp>
+      <p:grpSp>
+        <p:nvGrpSpPr>
+          <p:cNvPr id="9" name="Group 8"/>
+          <p:cNvGrpSpPr/>
+          <p:nvPr/>
+        </p:nvGrpSpPr>
+        <p:grpSpPr>
+          <a:xfrm>
+            <a:off x="10530273" y="5880370"/>
+            <a:ext cx="1301885" cy="606738"/>
+            <a:chOff x="10717834" y="5953476"/>
+            <a:chExt cx="1051094" cy="489858"/>
+          </a:xfrm>
+        </p:grpSpPr>
+        <p:sp>
+          <p:nvSpPr>
+            <p:cNvPr id="10" name="Oval 9"/>
+            <p:cNvSpPr/>
+            <p:nvPr/>
+          </p:nvSpPr>
+          <p:spPr>
+            <a:xfrm>
+              <a:off x="10917283" y="5953476"/>
+              <a:ext cx="489858" cy="489858"/>
+            </a:xfrm>
+            <a:prstGeom prst="ellipse">
+              <a:avLst/>
+            </a:prstGeom>
+            <a:ln>
+              <a:noFill/>
+            </a:ln>
+          </p:spPr>
+          <p:style>
+            <a:lnRef idx="2">
+              <a:schemeClr val="accent1">
+                <a:shade val="50000"/>
+              </a:schemeClr>
+            </a:lnRef>
+            <a:fillRef idx="1">
+              <a:schemeClr val="accent1"/>
+            </a:fillRef>
+            <a:effectRef idx="0">
+              <a:schemeClr val="accent1"/>
+            </a:effectRef>
+            <a:fontRef idx="minor">
+              <a:schemeClr val="lt1"/>
+            </a:fontRef>
+          </p:style>
+          <p:txBody>
+            <a:bodyPr rtlCol="0" anchor="ctr"/>
+            <a:lstStyle/>
+            <a:p>
+              <a:pPr algn="ctr"/>
+              <a:endParaRPr lang="en-US"/>
+            </a:p>
+          </p:txBody>
+        </p:sp>
+        <p:sp>
+          <p:nvSpPr>
+            <p:cNvPr id="11" name="Oval 10"/>
+            <p:cNvSpPr/>
+            <p:nvPr/>
+          </p:nvSpPr>
+          <p:spPr>
+            <a:xfrm>
+              <a:off x="10717834" y="6137674"/>
+              <a:ext cx="247262" cy="247262"/>
+            </a:xfrm>
+            <a:prstGeom prst="ellipse">
+              <a:avLst/>
+            </a:prstGeom>
+            <a:ln>
+              <a:noFill/>
+            </a:ln>
+          </p:spPr>
+          <p:style>
+            <a:lnRef idx="2">
+              <a:schemeClr val="accent1">
+                <a:shade val="50000"/>
+              </a:schemeClr>
+            </a:lnRef>
+            <a:fillRef idx="1">
+              <a:schemeClr val="accent1"/>
+            </a:fillRef>
+            <a:effectRef idx="0">
+              <a:schemeClr val="accent1"/>
+            </a:effectRef>
+            <a:fontRef idx="minor">
+              <a:schemeClr val="lt1"/>
+            </a:fontRef>
+          </p:style>
+          <p:txBody>
+            <a:bodyPr rtlCol="0" anchor="ctr"/>
+            <a:lstStyle/>
+            <a:p>
+              <a:pPr algn="ctr"/>
+              <a:endParaRPr lang="en-US"/>
+            </a:p>
+          </p:txBody>
+        </p:sp>
+        <p:sp>
+          <p:nvSpPr>
+            <p:cNvPr id="12" name="Oval 11"/>
+            <p:cNvSpPr/>
+            <p:nvPr/>
+          </p:nvSpPr>
+          <p:spPr>
+            <a:xfrm>
+              <a:off x="11335295" y="6087370"/>
+              <a:ext cx="192599" cy="192599"/>
+            </a:xfrm>
+            <a:prstGeom prst="ellipse">
+              <a:avLst/>
+            </a:prstGeom>
+            <a:ln>
+              <a:noFill/>
+            </a:ln>
+          </p:spPr>
+          <p:style>
+            <a:lnRef idx="2">
+              <a:schemeClr val="accent1">
+                <a:shade val="50000"/>
+              </a:schemeClr>
+            </a:lnRef>
+            <a:fillRef idx="1">
+              <a:schemeClr val="accent1"/>
+            </a:fillRef>
+            <a:effectRef idx="0">
+              <a:schemeClr val="accent1"/>
+            </a:effectRef>
+            <a:fontRef idx="minor">
+              <a:schemeClr val="lt1"/>
+            </a:fontRef>
+          </p:style>
+          <p:txBody>
+            <a:bodyPr rtlCol="0" anchor="ctr"/>
+            <a:lstStyle/>
+            <a:p>
+              <a:pPr algn="ctr"/>
+              <a:endParaRPr lang="en-US"/>
+            </a:p>
+          </p:txBody>
+        </p:sp>
+        <p:sp>
+          <p:nvSpPr>
+            <p:cNvPr id="13" name="Oval 12"/>
+            <p:cNvSpPr/>
+            <p:nvPr/>
+          </p:nvSpPr>
+          <p:spPr>
+            <a:xfrm>
+              <a:off x="11482959" y="6098840"/>
+              <a:ext cx="285969" cy="285969"/>
+            </a:xfrm>
+            <a:prstGeom prst="ellipse">
+              <a:avLst/>
+            </a:prstGeom>
+            <a:ln>
+              <a:noFill/>
+            </a:ln>
+          </p:spPr>
+          <p:style>
+            <a:lnRef idx="2">
+              <a:schemeClr val="accent1">
+                <a:shade val="50000"/>
+              </a:schemeClr>
+            </a:lnRef>
+            <a:fillRef idx="1">
+              <a:schemeClr val="accent1"/>
+            </a:fillRef>
+            <a:effectRef idx="0">
+              <a:schemeClr val="accent1"/>
+            </a:effectRef>
+            <a:fontRef idx="minor">
+              <a:schemeClr val="lt1"/>
+            </a:fontRef>
+          </p:style>
+          <p:txBody>
+            <a:bodyPr rtlCol="0" anchor="ctr"/>
+            <a:lstStyle/>
+            <a:p>
+              <a:pPr algn="ctr"/>
+              <a:endParaRPr lang="en-US"/>
+            </a:p>
+          </p:txBody>
+        </p:sp>
+        <p:sp>
+          <p:nvSpPr>
+            <p:cNvPr id="14" name="Oval 13"/>
+            <p:cNvSpPr/>
+            <p:nvPr/>
+          </p:nvSpPr>
+          <p:spPr>
+            <a:xfrm>
+              <a:off x="10841465" y="6087370"/>
+              <a:ext cx="100608" cy="100608"/>
+            </a:xfrm>
+            <a:prstGeom prst="ellipse">
+              <a:avLst/>
+            </a:prstGeom>
+            <a:ln>
+              <a:noFill/>
+            </a:ln>
+          </p:spPr>
+          <p:style>
+            <a:lnRef idx="2">
+              <a:schemeClr val="accent1">
+                <a:shade val="50000"/>
+              </a:schemeClr>
+            </a:lnRef>
+            <a:fillRef idx="1">
+              <a:schemeClr val="accent1"/>
+            </a:fillRef>
+            <a:effectRef idx="0">
+              <a:schemeClr val="accent1"/>
+            </a:effectRef>
+            <a:fontRef idx="minor">
+              <a:schemeClr val="lt1"/>
+            </a:fontRef>
+          </p:style>
+          <p:txBody>
+            <a:bodyPr rtlCol="0" anchor="ctr"/>
+            <a:lstStyle/>
+            <a:p>
+              <a:pPr algn="ctr"/>
+              <a:endParaRPr lang="en-US"/>
+            </a:p>
+          </p:txBody>
+        </p:sp>
+      </p:grpSp>
+      <p:sp>
+        <p:nvSpPr>
+          <p:cNvPr id="4" name="Slide Number Placeholder 3"/>
           <p:cNvSpPr>
             <a:spLocks noGrp="1"/>
           </p:cNvSpPr>
@@ -2132,10 +8624,23 @@
             <p:ph type="sldNum" sz="quarter" idx="12"/>
           </p:nvPr>
         </p:nvSpPr>
-        <p:spPr/>
+        <p:spPr>
+          <a:xfrm>
+            <a:off x="9088958" y="6261647"/>
+            <a:ext cx="2743200" cy="365125"/>
+          </a:xfrm>
+        </p:spPr>
         <p:txBody>
           <a:bodyPr/>
-          <a:lstStyle/>
+          <a:lstStyle>
+            <a:lvl1pPr>
+              <a:defRPr>
+                <a:solidFill>
+                  <a:schemeClr val="bg1"/>
+                </a:solidFill>
+              </a:defRPr>
+            </a:lvl1pPr>
+          </a:lstStyle>
           <a:p>
             <a:fld id="{3D842AAE-86FF-451A-B7C6-0D03DAE39848}" type="slidenum">
               <a:rPr lang="en-IN" smtClean="0"/>
@@ -2148,17 +8653,29 @@
     </p:spTree>
     <p:extLst>
       <p:ext uri="{BB962C8B-B14F-4D97-AF65-F5344CB8AC3E}">
-        <p14:creationId xmlns:p14="http://schemas.microsoft.com/office/powerpoint/2010/main" val="500699728"/>
+        <p14:creationId xmlns:p14="http://schemas.microsoft.com/office/powerpoint/2010/main" val="1672110460"/>
       </p:ext>
     </p:extLst>
   </p:cSld>
   <p:clrMapOvr>
     <a:masterClrMapping/>
   </p:clrMapOvr>
+  <mc:AlternateContent xmlns:mc="http://schemas.openxmlformats.org/markup-compatibility/2006" xmlns:p14="http://schemas.microsoft.com/office/powerpoint/2010/main">
+    <mc:Choice Requires="p14">
+      <p:transition spd="med" p14:dur="700">
+        <p:fade/>
+      </p:transition>
+    </mc:Choice>
+    <mc:Fallback xmlns="">
+      <p:transition spd="med">
+        <p:fade/>
+      </p:transition>
+    </mc:Fallback>
+  </mc:AlternateContent>
 </p:sldLayout>
 </file>
 
-<file path=ppt/slideLayouts/slideLayout8.xml><?xml version="1.0" encoding="utf-8"?>
+<file path=ppt/slideLayouts/slideLayout9.xml><?xml version="1.0" encoding="utf-8"?>
 <p:sldLayout xmlns:a="http://schemas.openxmlformats.org/drawingml/2006/main" xmlns:r="http://schemas.openxmlformats.org/officeDocument/2006/relationships" xmlns:p="http://schemas.openxmlformats.org/presentationml/2006/main" type="objTx" preserve="1">
   <p:cSld name="Content with Caption">
     <p:spTree>
@@ -2177,13 +8694,7 @@
       </p:grpSpPr>
       <p:sp>
         <p:nvSpPr>
-          <p:cNvPr id="2" name="Title 1">
-            <a:extLst>
-              <a:ext uri="{FF2B5EF4-FFF2-40B4-BE49-F238E27FC236}">
-                <a16:creationId xmlns:a16="http://schemas.microsoft.com/office/drawing/2014/main" id="{E29F695B-6061-4913-B15C-8872F2109463}"/>
-              </a:ext>
-            </a:extLst>
-          </p:cNvPr>
+          <p:cNvPr id="2" name="Title 1"/>
           <p:cNvSpPr>
             <a:spLocks noGrp="1"/>
           </p:cNvSpPr>
@@ -2209,19 +8720,12 @@
               <a:rPr lang="en-US"/>
               <a:t>Click to edit Master title style</a:t>
             </a:r>
-            <a:endParaRPr lang="en-IN"/>
           </a:p>
         </p:txBody>
       </p:sp>
       <p:sp>
         <p:nvSpPr>
-          <p:cNvPr id="3" name="Content Placeholder 2">
-            <a:extLst>
-              <a:ext uri="{FF2B5EF4-FFF2-40B4-BE49-F238E27FC236}">
-                <a16:creationId xmlns:a16="http://schemas.microsoft.com/office/drawing/2014/main" id="{69EE03F8-3EBF-4EC9-A08C-6911DEBB1FE6}"/>
-              </a:ext>
-            </a:extLst>
-          </p:cNvPr>
+          <p:cNvPr id="3" name="Content Placeholder 2"/>
           <p:cNvSpPr>
             <a:spLocks noGrp="1"/>
           </p:cNvSpPr>
@@ -2300,19 +8804,12 @@
               <a:rPr lang="en-US"/>
               <a:t>Fifth level</a:t>
             </a:r>
-            <a:endParaRPr lang="en-IN"/>
           </a:p>
         </p:txBody>
       </p:sp>
       <p:sp>
         <p:nvSpPr>
-          <p:cNvPr id="4" name="Text Placeholder 3">
-            <a:extLst>
-              <a:ext uri="{FF2B5EF4-FFF2-40B4-BE49-F238E27FC236}">
-                <a16:creationId xmlns:a16="http://schemas.microsoft.com/office/drawing/2014/main" id="{388E03D8-0301-4E61-97CA-119C651EC2BE}"/>
-              </a:ext>
-            </a:extLst>
-          </p:cNvPr>
+          <p:cNvPr id="4" name="Text Placeholder 3"/>
           <p:cNvSpPr>
             <a:spLocks noGrp="1"/>
           </p:cNvSpPr>
@@ -2377,13 +8874,7 @@
       </p:sp>
       <p:sp>
         <p:nvSpPr>
-          <p:cNvPr id="5" name="Date Placeholder 4">
-            <a:extLst>
-              <a:ext uri="{FF2B5EF4-FFF2-40B4-BE49-F238E27FC236}">
-                <a16:creationId xmlns:a16="http://schemas.microsoft.com/office/drawing/2014/main" id="{CB5050A3-1CC7-4516-A3AE-86E0E82C462E}"/>
-              </a:ext>
-            </a:extLst>
-          </p:cNvPr>
+          <p:cNvPr id="5" name="Date Placeholder 4"/>
           <p:cNvSpPr>
             <a:spLocks noGrp="1"/>
           </p:cNvSpPr>
@@ -2406,13 +8897,7 @@
       </p:sp>
       <p:sp>
         <p:nvSpPr>
-          <p:cNvPr id="6" name="Footer Placeholder 5">
-            <a:extLst>
-              <a:ext uri="{FF2B5EF4-FFF2-40B4-BE49-F238E27FC236}">
-                <a16:creationId xmlns:a16="http://schemas.microsoft.com/office/drawing/2014/main" id="{91E06888-D0A4-466D-B268-C7ED3587E9D4}"/>
-              </a:ext>
-            </a:extLst>
-          </p:cNvPr>
+          <p:cNvPr id="6" name="Footer Placeholder 5"/>
           <p:cNvSpPr>
             <a:spLocks noGrp="1"/>
           </p:cNvSpPr>
@@ -2431,13 +8916,7 @@
       </p:sp>
       <p:sp>
         <p:nvSpPr>
-          <p:cNvPr id="7" name="Slide Number Placeholder 6">
-            <a:extLst>
-              <a:ext uri="{FF2B5EF4-FFF2-40B4-BE49-F238E27FC236}">
-                <a16:creationId xmlns:a16="http://schemas.microsoft.com/office/drawing/2014/main" id="{2D68721F-48FF-4B62-B165-FE83F214AD84}"/>
-              </a:ext>
-            </a:extLst>
-          </p:cNvPr>
+          <p:cNvPr id="7" name="Slide Number Placeholder 6"/>
           <p:cNvSpPr>
             <a:spLocks noGrp="1"/>
           </p:cNvSpPr>
@@ -2461,302 +8940,25 @@
     </p:spTree>
     <p:extLst>
       <p:ext uri="{BB962C8B-B14F-4D97-AF65-F5344CB8AC3E}">
-        <p14:creationId xmlns:p14="http://schemas.microsoft.com/office/powerpoint/2010/main" val="150886493"/>
+        <p14:creationId xmlns:p14="http://schemas.microsoft.com/office/powerpoint/2010/main" val="2411278787"/>
       </p:ext>
     </p:extLst>
   </p:cSld>
   <p:clrMapOvr>
     <a:masterClrMapping/>
   </p:clrMapOvr>
-</p:sldLayout>
-</file>
-
-<file path=ppt/slideLayouts/slideLayout9.xml><?xml version="1.0" encoding="utf-8"?>
-<p:sldLayout xmlns:a="http://schemas.openxmlformats.org/drawingml/2006/main" xmlns:r="http://schemas.openxmlformats.org/officeDocument/2006/relationships" xmlns:p="http://schemas.openxmlformats.org/presentationml/2006/main" type="picTx" preserve="1">
-  <p:cSld name="Picture with Caption">
-    <p:spTree>
-      <p:nvGrpSpPr>
-        <p:cNvPr id="1" name=""/>
-        <p:cNvGrpSpPr/>
-        <p:nvPr/>
-      </p:nvGrpSpPr>
-      <p:grpSpPr>
-        <a:xfrm>
-          <a:off x="0" y="0"/>
-          <a:ext cx="0" cy="0"/>
-          <a:chOff x="0" y="0"/>
-          <a:chExt cx="0" cy="0"/>
-        </a:xfrm>
-      </p:grpSpPr>
-      <p:sp>
-        <p:nvSpPr>
-          <p:cNvPr id="2" name="Title 1">
-            <a:extLst>
-              <a:ext uri="{FF2B5EF4-FFF2-40B4-BE49-F238E27FC236}">
-                <a16:creationId xmlns:a16="http://schemas.microsoft.com/office/drawing/2014/main" id="{8F79378C-E85C-4ACB-8ED9-BB0F78279B8F}"/>
-              </a:ext>
-            </a:extLst>
-          </p:cNvPr>
-          <p:cNvSpPr>
-            <a:spLocks noGrp="1"/>
-          </p:cNvSpPr>
-          <p:nvPr>
-            <p:ph type="title"/>
-          </p:nvPr>
-        </p:nvSpPr>
-        <p:spPr>
-          <a:xfrm>
-            <a:off x="839788" y="457200"/>
-            <a:ext cx="3932237" cy="1600200"/>
-          </a:xfrm>
-        </p:spPr>
-        <p:txBody>
-          <a:bodyPr anchor="b"/>
-          <a:lstStyle>
-            <a:lvl1pPr>
-              <a:defRPr sz="3200"/>
-            </a:lvl1pPr>
-          </a:lstStyle>
-          <a:p>
-            <a:r>
-              <a:rPr lang="en-US"/>
-              <a:t>Click to edit Master title style</a:t>
-            </a:r>
-            <a:endParaRPr lang="en-IN"/>
-          </a:p>
-        </p:txBody>
-      </p:sp>
-      <p:sp>
-        <p:nvSpPr>
-          <p:cNvPr id="3" name="Picture Placeholder 2">
-            <a:extLst>
-              <a:ext uri="{FF2B5EF4-FFF2-40B4-BE49-F238E27FC236}">
-                <a16:creationId xmlns:a16="http://schemas.microsoft.com/office/drawing/2014/main" id="{82B1D255-A68A-4704-AB14-A369C2C0B2A5}"/>
-              </a:ext>
-            </a:extLst>
-          </p:cNvPr>
-          <p:cNvSpPr>
-            <a:spLocks noGrp="1"/>
-          </p:cNvSpPr>
-          <p:nvPr>
-            <p:ph type="pic" idx="1"/>
-          </p:nvPr>
-        </p:nvSpPr>
-        <p:spPr>
-          <a:xfrm>
-            <a:off x="5183188" y="987425"/>
-            <a:ext cx="6172200" cy="4873625"/>
-          </a:xfrm>
-        </p:spPr>
-        <p:txBody>
-          <a:bodyPr/>
-          <a:lstStyle>
-            <a:lvl1pPr marL="0" indent="0">
-              <a:buNone/>
-              <a:defRPr sz="3200"/>
-            </a:lvl1pPr>
-            <a:lvl2pPr marL="457200" indent="0">
-              <a:buNone/>
-              <a:defRPr sz="2800"/>
-            </a:lvl2pPr>
-            <a:lvl3pPr marL="914400" indent="0">
-              <a:buNone/>
-              <a:defRPr sz="2400"/>
-            </a:lvl3pPr>
-            <a:lvl4pPr marL="1371600" indent="0">
-              <a:buNone/>
-              <a:defRPr sz="2000"/>
-            </a:lvl4pPr>
-            <a:lvl5pPr marL="1828800" indent="0">
-              <a:buNone/>
-              <a:defRPr sz="2000"/>
-            </a:lvl5pPr>
-            <a:lvl6pPr marL="2286000" indent="0">
-              <a:buNone/>
-              <a:defRPr sz="2000"/>
-            </a:lvl6pPr>
-            <a:lvl7pPr marL="2743200" indent="0">
-              <a:buNone/>
-              <a:defRPr sz="2000"/>
-            </a:lvl7pPr>
-            <a:lvl8pPr marL="3200400" indent="0">
-              <a:buNone/>
-              <a:defRPr sz="2000"/>
-            </a:lvl8pPr>
-            <a:lvl9pPr marL="3657600" indent="0">
-              <a:buNone/>
-              <a:defRPr sz="2000"/>
-            </a:lvl9pPr>
-          </a:lstStyle>
-          <a:p>
-            <a:endParaRPr lang="en-IN"/>
-          </a:p>
-        </p:txBody>
-      </p:sp>
-      <p:sp>
-        <p:nvSpPr>
-          <p:cNvPr id="4" name="Text Placeholder 3">
-            <a:extLst>
-              <a:ext uri="{FF2B5EF4-FFF2-40B4-BE49-F238E27FC236}">
-                <a16:creationId xmlns:a16="http://schemas.microsoft.com/office/drawing/2014/main" id="{D0005146-67B5-4DF3-B7F8-27091F6911EC}"/>
-              </a:ext>
-            </a:extLst>
-          </p:cNvPr>
-          <p:cNvSpPr>
-            <a:spLocks noGrp="1"/>
-          </p:cNvSpPr>
-          <p:nvPr>
-            <p:ph type="body" sz="half" idx="2"/>
-          </p:nvPr>
-        </p:nvSpPr>
-        <p:spPr>
-          <a:xfrm>
-            <a:off x="839788" y="2057400"/>
-            <a:ext cx="3932237" cy="3811588"/>
-          </a:xfrm>
-        </p:spPr>
-        <p:txBody>
-          <a:bodyPr/>
-          <a:lstStyle>
-            <a:lvl1pPr marL="0" indent="0">
-              <a:buNone/>
-              <a:defRPr sz="1600"/>
-            </a:lvl1pPr>
-            <a:lvl2pPr marL="457200" indent="0">
-              <a:buNone/>
-              <a:defRPr sz="1400"/>
-            </a:lvl2pPr>
-            <a:lvl3pPr marL="914400" indent="0">
-              <a:buNone/>
-              <a:defRPr sz="1200"/>
-            </a:lvl3pPr>
-            <a:lvl4pPr marL="1371600" indent="0">
-              <a:buNone/>
-              <a:defRPr sz="1000"/>
-            </a:lvl4pPr>
-            <a:lvl5pPr marL="1828800" indent="0">
-              <a:buNone/>
-              <a:defRPr sz="1000"/>
-            </a:lvl5pPr>
-            <a:lvl6pPr marL="2286000" indent="0">
-              <a:buNone/>
-              <a:defRPr sz="1000"/>
-            </a:lvl6pPr>
-            <a:lvl7pPr marL="2743200" indent="0">
-              <a:buNone/>
-              <a:defRPr sz="1000"/>
-            </a:lvl7pPr>
-            <a:lvl8pPr marL="3200400" indent="0">
-              <a:buNone/>
-              <a:defRPr sz="1000"/>
-            </a:lvl8pPr>
-            <a:lvl9pPr marL="3657600" indent="0">
-              <a:buNone/>
-              <a:defRPr sz="1000"/>
-            </a:lvl9pPr>
-          </a:lstStyle>
-          <a:p>
-            <a:pPr lvl="0"/>
-            <a:r>
-              <a:rPr lang="en-US"/>
-              <a:t>Edit Master text styles</a:t>
-            </a:r>
-          </a:p>
-        </p:txBody>
-      </p:sp>
-      <p:sp>
-        <p:nvSpPr>
-          <p:cNvPr id="5" name="Date Placeholder 4">
-            <a:extLst>
-              <a:ext uri="{FF2B5EF4-FFF2-40B4-BE49-F238E27FC236}">
-                <a16:creationId xmlns:a16="http://schemas.microsoft.com/office/drawing/2014/main" id="{686C23CF-0EB3-4455-8643-F78E0BDF9697}"/>
-              </a:ext>
-            </a:extLst>
-          </p:cNvPr>
-          <p:cNvSpPr>
-            <a:spLocks noGrp="1"/>
-          </p:cNvSpPr>
-          <p:nvPr>
-            <p:ph type="dt" sz="half" idx="10"/>
-          </p:nvPr>
-        </p:nvSpPr>
-        <p:spPr/>
-        <p:txBody>
-          <a:bodyPr/>
-          <a:lstStyle/>
-          <a:p>
-            <a:fld id="{F07D9977-5870-4C30-A511-58E720754088}" type="datetimeFigureOut">
-              <a:rPr lang="en-IN" smtClean="0"/>
-              <a:t>04-06-2019</a:t>
-            </a:fld>
-            <a:endParaRPr lang="en-IN"/>
-          </a:p>
-        </p:txBody>
-      </p:sp>
-      <p:sp>
-        <p:nvSpPr>
-          <p:cNvPr id="6" name="Footer Placeholder 5">
-            <a:extLst>
-              <a:ext uri="{FF2B5EF4-FFF2-40B4-BE49-F238E27FC236}">
-                <a16:creationId xmlns:a16="http://schemas.microsoft.com/office/drawing/2014/main" id="{7648A897-0A7B-45DA-83D5-4A2DB6113314}"/>
-              </a:ext>
-            </a:extLst>
-          </p:cNvPr>
-          <p:cNvSpPr>
-            <a:spLocks noGrp="1"/>
-          </p:cNvSpPr>
-          <p:nvPr>
-            <p:ph type="ftr" sz="quarter" idx="11"/>
-          </p:nvPr>
-        </p:nvSpPr>
-        <p:spPr/>
-        <p:txBody>
-          <a:bodyPr/>
-          <a:lstStyle/>
-          <a:p>
-            <a:endParaRPr lang="en-IN"/>
-          </a:p>
-        </p:txBody>
-      </p:sp>
-      <p:sp>
-        <p:nvSpPr>
-          <p:cNvPr id="7" name="Slide Number Placeholder 6">
-            <a:extLst>
-              <a:ext uri="{FF2B5EF4-FFF2-40B4-BE49-F238E27FC236}">
-                <a16:creationId xmlns:a16="http://schemas.microsoft.com/office/drawing/2014/main" id="{955074E3-2C00-4FB8-B600-3F383CC21739}"/>
-              </a:ext>
-            </a:extLst>
-          </p:cNvPr>
-          <p:cNvSpPr>
-            <a:spLocks noGrp="1"/>
-          </p:cNvSpPr>
-          <p:nvPr>
-            <p:ph type="sldNum" sz="quarter" idx="12"/>
-          </p:nvPr>
-        </p:nvSpPr>
-        <p:spPr/>
-        <p:txBody>
-          <a:bodyPr/>
-          <a:lstStyle/>
-          <a:p>
-            <a:fld id="{3D842AAE-86FF-451A-B7C6-0D03DAE39848}" type="slidenum">
-              <a:rPr lang="en-IN" smtClean="0"/>
-              <a:t>‹#›</a:t>
-            </a:fld>
-            <a:endParaRPr lang="en-IN"/>
-          </a:p>
-        </p:txBody>
-      </p:sp>
-    </p:spTree>
-    <p:extLst>
-      <p:ext uri="{BB962C8B-B14F-4D97-AF65-F5344CB8AC3E}">
-        <p14:creationId xmlns:p14="http://schemas.microsoft.com/office/powerpoint/2010/main" val="382810732"/>
-      </p:ext>
-    </p:extLst>
-  </p:cSld>
-  <p:clrMapOvr>
-    <a:masterClrMapping/>
-  </p:clrMapOvr>
+  <mc:AlternateContent xmlns:mc="http://schemas.openxmlformats.org/markup-compatibility/2006" xmlns:p14="http://schemas.microsoft.com/office/powerpoint/2010/main">
+    <mc:Choice Requires="p14">
+      <p:transition spd="med" p14:dur="700">
+        <p:fade/>
+      </p:transition>
+    </mc:Choice>
+    <mc:Fallback xmlns="">
+      <p:transition spd="med">
+        <p:fade/>
+      </p:transition>
+    </mc:Fallback>
+  </mc:AlternateContent>
 </p:sldLayout>
 </file>
 
@@ -2784,13 +8986,7 @@
       </p:grpSpPr>
       <p:sp>
         <p:nvSpPr>
-          <p:cNvPr id="2" name="Title Placeholder 1">
-            <a:extLst>
-              <a:ext uri="{FF2B5EF4-FFF2-40B4-BE49-F238E27FC236}">
-                <a16:creationId xmlns:a16="http://schemas.microsoft.com/office/drawing/2014/main" id="{B88F5FE1-8319-4E8B-9F88-F93A78186D58}"/>
-              </a:ext>
-            </a:extLst>
-          </p:cNvPr>
+          <p:cNvPr id="2" name="Title Placeholder 1"/>
           <p:cNvSpPr>
             <a:spLocks noGrp="1"/>
           </p:cNvSpPr>
@@ -2817,19 +9013,12 @@
               <a:rPr lang="en-US"/>
               <a:t>Click to edit Master title style</a:t>
             </a:r>
-            <a:endParaRPr lang="en-IN"/>
           </a:p>
         </p:txBody>
       </p:sp>
       <p:sp>
         <p:nvSpPr>
-          <p:cNvPr id="3" name="Text Placeholder 2">
-            <a:extLst>
-              <a:ext uri="{FF2B5EF4-FFF2-40B4-BE49-F238E27FC236}">
-                <a16:creationId xmlns:a16="http://schemas.microsoft.com/office/drawing/2014/main" id="{230673AA-279D-4D3F-A447-C83FE4D0BBCA}"/>
-              </a:ext>
-            </a:extLst>
-          </p:cNvPr>
+          <p:cNvPr id="3" name="Text Placeholder 2"/>
           <p:cNvSpPr>
             <a:spLocks noGrp="1"/>
           </p:cNvSpPr>
@@ -2885,19 +9074,12 @@
               <a:rPr lang="en-US"/>
               <a:t>Fifth level</a:t>
             </a:r>
-            <a:endParaRPr lang="en-IN"/>
           </a:p>
         </p:txBody>
       </p:sp>
       <p:sp>
         <p:nvSpPr>
-          <p:cNvPr id="4" name="Date Placeholder 3">
-            <a:extLst>
-              <a:ext uri="{FF2B5EF4-FFF2-40B4-BE49-F238E27FC236}">
-                <a16:creationId xmlns:a16="http://schemas.microsoft.com/office/drawing/2014/main" id="{A5772161-813F-464C-9DDC-C3B8EF88991F}"/>
-              </a:ext>
-            </a:extLst>
-          </p:cNvPr>
+          <p:cNvPr id="4" name="Date Placeholder 3"/>
           <p:cNvSpPr>
             <a:spLocks noGrp="1"/>
           </p:cNvSpPr>
@@ -2938,13 +9120,7 @@
       </p:sp>
       <p:sp>
         <p:nvSpPr>
-          <p:cNvPr id="5" name="Footer Placeholder 4">
-            <a:extLst>
-              <a:ext uri="{FF2B5EF4-FFF2-40B4-BE49-F238E27FC236}">
-                <a16:creationId xmlns:a16="http://schemas.microsoft.com/office/drawing/2014/main" id="{1D31F0CA-8462-4A45-AB38-F09C9D637E0F}"/>
-              </a:ext>
-            </a:extLst>
-          </p:cNvPr>
+          <p:cNvPr id="5" name="Footer Placeholder 4"/>
           <p:cNvSpPr>
             <a:spLocks noGrp="1"/>
           </p:cNvSpPr>
@@ -2981,13 +9157,7 @@
       </p:sp>
       <p:sp>
         <p:nvSpPr>
-          <p:cNvPr id="6" name="Slide Number Placeholder 5">
-            <a:extLst>
-              <a:ext uri="{FF2B5EF4-FFF2-40B4-BE49-F238E27FC236}">
-                <a16:creationId xmlns:a16="http://schemas.microsoft.com/office/drawing/2014/main" id="{20A46854-D22E-4386-917D-BE094AA22F6F}"/>
-              </a:ext>
-            </a:extLst>
-          </p:cNvPr>
+          <p:cNvPr id="6" name="Slide Number Placeholder 5"/>
           <p:cNvSpPr>
             <a:spLocks noGrp="1"/>
           </p:cNvSpPr>
@@ -3029,24 +9199,38 @@
     </p:spTree>
     <p:extLst>
       <p:ext uri="{BB962C8B-B14F-4D97-AF65-F5344CB8AC3E}">
-        <p14:creationId xmlns:p14="http://schemas.microsoft.com/office/powerpoint/2010/main" val="3767344533"/>
+        <p14:creationId xmlns:p14="http://schemas.microsoft.com/office/powerpoint/2010/main" val="1374250675"/>
       </p:ext>
     </p:extLst>
   </p:cSld>
   <p:clrMap bg1="lt1" tx1="dk1" bg2="lt2" tx2="dk2" accent1="accent1" accent2="accent2" accent3="accent3" accent4="accent4" accent5="accent5" accent6="accent6" hlink="hlink" folHlink="folHlink"/>
   <p:sldLayoutIdLst>
-    <p:sldLayoutId id="2147483649" r:id="rId1"/>
-    <p:sldLayoutId id="2147483650" r:id="rId2"/>
-    <p:sldLayoutId id="2147483651" r:id="rId3"/>
-    <p:sldLayoutId id="2147483652" r:id="rId4"/>
-    <p:sldLayoutId id="2147483653" r:id="rId5"/>
-    <p:sldLayoutId id="2147483654" r:id="rId6"/>
-    <p:sldLayoutId id="2147483655" r:id="rId7"/>
-    <p:sldLayoutId id="2147483656" r:id="rId8"/>
-    <p:sldLayoutId id="2147483657" r:id="rId9"/>
-    <p:sldLayoutId id="2147483658" r:id="rId10"/>
-    <p:sldLayoutId id="2147483659" r:id="rId11"/>
+    <p:sldLayoutId id="2147483679" r:id="rId1"/>
+    <p:sldLayoutId id="2147483680" r:id="rId2"/>
+    <p:sldLayoutId id="2147483681" r:id="rId3"/>
+    <p:sldLayoutId id="2147483682" r:id="rId4"/>
+    <p:sldLayoutId id="2147483683" r:id="rId5"/>
+    <p:sldLayoutId id="2147483684" r:id="rId6"/>
+    <p:sldLayoutId id="2147483685" r:id="rId7"/>
+    <p:sldLayoutId id="2147483686" r:id="rId8"/>
+    <p:sldLayoutId id="2147483687" r:id="rId9"/>
+    <p:sldLayoutId id="2147483688" r:id="rId10"/>
+    <p:sldLayoutId id="2147483689" r:id="rId11"/>
+    <p:sldLayoutId id="2147483690" r:id="rId12"/>
+    <p:sldLayoutId id="2147483691" r:id="rId13"/>
   </p:sldLayoutIdLst>
+  <mc:AlternateContent xmlns:mc="http://schemas.openxmlformats.org/markup-compatibility/2006" xmlns:p14="http://schemas.microsoft.com/office/powerpoint/2010/main">
+    <mc:Choice Requires="p14">
+      <p:transition spd="med" p14:dur="700">
+        <p:fade/>
+      </p:transition>
+    </mc:Choice>
+    <mc:Fallback xmlns="">
+      <p:transition spd="med">
+        <p:fade/>
+      </p:transition>
+    </mc:Fallback>
+  </mc:AlternateContent>
   <p:txStyles>
     <p:titleStyle>
       <a:lvl1pPr algn="l" defTabSz="914400" rtl="0" eaLnBrk="1" latinLnBrk="0" hangingPunct="1">
@@ -3413,6 +9597,18 @@
   <p:clrMapOvr>
     <a:masterClrMapping/>
   </p:clrMapOvr>
+  <mc:AlternateContent xmlns:mc="http://schemas.openxmlformats.org/markup-compatibility/2006" xmlns:p14="http://schemas.microsoft.com/office/powerpoint/2010/main">
+    <mc:Choice Requires="p14">
+      <p:transition spd="med" p14:dur="700">
+        <p:fade/>
+      </p:transition>
+    </mc:Choice>
+    <mc:Fallback xmlns="">
+      <p:transition spd="med">
+        <p:fade/>
+      </p:transition>
+    </mc:Fallback>
+  </mc:AlternateContent>
 </p:sld>
 </file>
 
@@ -3483,8 +9679,8 @@
           </p:nvPr>
         </p:nvGraphicFramePr>
         <p:xfrm>
-          <a:off x="838200" y="1825625"/>
-          <a:ext cx="10515600" cy="4450080"/>
+          <a:off x="395288" y="1444625"/>
+          <a:ext cx="11382376" cy="4450080"/>
         </p:xfrm>
         <a:graphic>
           <a:graphicData uri="http://schemas.openxmlformats.org/drawingml/2006/table">
@@ -3493,14 +9689,14 @@
                 <a:tableStyleId>{5C22544A-7EE6-4342-B048-85BDC9FD1C3A}</a:tableStyleId>
               </a:tblPr>
               <a:tblGrid>
-                <a:gridCol w="3374571">
+                <a:gridCol w="3652729">
                   <a:extLst>
                     <a:ext uri="{9D8B030D-6E8A-4147-A177-3AD203B41FA5}">
                       <a16:colId xmlns:a16="http://schemas.microsoft.com/office/drawing/2014/main" val="3687881773"/>
                     </a:ext>
                   </a:extLst>
                 </a:gridCol>
-                <a:gridCol w="7141029">
+                <a:gridCol w="7729647">
                   <a:extLst>
                     <a:ext uri="{9D8B030D-6E8A-4147-A177-3AD203B41FA5}">
                       <a16:colId xmlns:a16="http://schemas.microsoft.com/office/drawing/2014/main" val="3699945411"/>
@@ -3520,7 +9716,7 @@
                       </a:r>
                     </a:p>
                   </a:txBody>
-                  <a:tcPr/>
+                  <a:tcPr marL="98977" marR="98977"/>
                 </a:tc>
                 <a:tc>
                   <a:txBody>
@@ -3533,7 +9729,7 @@
                       </a:r>
                     </a:p>
                   </a:txBody>
-                  <a:tcPr/>
+                  <a:tcPr marL="98977" marR="98977"/>
                 </a:tc>
                 <a:extLst>
                   <a:ext uri="{0D108BD9-81ED-4DB2-BD59-A6C34878D82A}">
@@ -3553,7 +9749,7 @@
                       </a:r>
                     </a:p>
                   </a:txBody>
-                  <a:tcPr/>
+                  <a:tcPr marL="98977" marR="98977"/>
                 </a:tc>
                 <a:tc>
                   <a:txBody>
@@ -3566,7 +9762,7 @@
                       </a:r>
                     </a:p>
                   </a:txBody>
-                  <a:tcPr/>
+                  <a:tcPr marL="98977" marR="98977"/>
                 </a:tc>
                 <a:extLst>
                   <a:ext uri="{0D108BD9-81ED-4DB2-BD59-A6C34878D82A}">
@@ -3586,7 +9782,7 @@
                       </a:r>
                     </a:p>
                   </a:txBody>
-                  <a:tcPr/>
+                  <a:tcPr marL="98977" marR="98977"/>
                 </a:tc>
                 <a:tc>
                   <a:txBody>
@@ -3599,7 +9795,7 @@
                       </a:r>
                     </a:p>
                   </a:txBody>
-                  <a:tcPr/>
+                  <a:tcPr marL="98977" marR="98977"/>
                 </a:tc>
                 <a:extLst>
                   <a:ext uri="{0D108BD9-81ED-4DB2-BD59-A6C34878D82A}">
@@ -3619,7 +9815,7 @@
                       </a:r>
                     </a:p>
                   </a:txBody>
-                  <a:tcPr/>
+                  <a:tcPr marL="98977" marR="98977"/>
                 </a:tc>
                 <a:tc>
                   <a:txBody>
@@ -3632,7 +9828,7 @@
                       </a:r>
                     </a:p>
                   </a:txBody>
-                  <a:tcPr/>
+                  <a:tcPr marL="98977" marR="98977"/>
                 </a:tc>
                 <a:extLst>
                   <a:ext uri="{0D108BD9-81ED-4DB2-BD59-A6C34878D82A}">
@@ -3660,7 +9856,7 @@
                       </a:r>
                     </a:p>
                   </a:txBody>
-                  <a:tcPr/>
+                  <a:tcPr marL="98977" marR="98977"/>
                 </a:tc>
                 <a:tc>
                   <a:txBody>
@@ -3673,7 +9869,7 @@
                       </a:r>
                     </a:p>
                   </a:txBody>
-                  <a:tcPr/>
+                  <a:tcPr marL="98977" marR="98977"/>
                 </a:tc>
                 <a:extLst>
                   <a:ext uri="{0D108BD9-81ED-4DB2-BD59-A6C34878D82A}">
@@ -3701,7 +9897,7 @@
                       </a:r>
                     </a:p>
                   </a:txBody>
-                  <a:tcPr/>
+                  <a:tcPr marL="98977" marR="98977"/>
                 </a:tc>
                 <a:tc>
                   <a:txBody>
@@ -3714,7 +9910,7 @@
                       </a:r>
                     </a:p>
                   </a:txBody>
-                  <a:tcPr/>
+                  <a:tcPr marL="98977" marR="98977"/>
                 </a:tc>
                 <a:extLst>
                   <a:ext uri="{0D108BD9-81ED-4DB2-BD59-A6C34878D82A}">
@@ -3734,7 +9930,7 @@
                       </a:r>
                     </a:p>
                   </a:txBody>
-                  <a:tcPr/>
+                  <a:tcPr marL="98977" marR="98977"/>
                 </a:tc>
                 <a:tc>
                   <a:txBody>
@@ -3747,7 +9943,7 @@
                       </a:r>
                     </a:p>
                   </a:txBody>
-                  <a:tcPr/>
+                  <a:tcPr marL="98977" marR="98977"/>
                 </a:tc>
                 <a:extLst>
                   <a:ext uri="{0D108BD9-81ED-4DB2-BD59-A6C34878D82A}">
@@ -3767,7 +9963,7 @@
                       </a:r>
                     </a:p>
                   </a:txBody>
-                  <a:tcPr/>
+                  <a:tcPr marL="98977" marR="98977"/>
                 </a:tc>
                 <a:tc>
                   <a:txBody>
@@ -3780,7 +9976,7 @@
                       </a:r>
                     </a:p>
                   </a:txBody>
-                  <a:tcPr/>
+                  <a:tcPr marL="98977" marR="98977"/>
                 </a:tc>
                 <a:extLst>
                   <a:ext uri="{0D108BD9-81ED-4DB2-BD59-A6C34878D82A}">
@@ -3800,7 +9996,7 @@
                       </a:r>
                     </a:p>
                   </a:txBody>
-                  <a:tcPr/>
+                  <a:tcPr marL="98977" marR="98977"/>
                 </a:tc>
                 <a:tc>
                   <a:txBody>
@@ -3813,7 +10009,7 @@
                       </a:r>
                     </a:p>
                   </a:txBody>
-                  <a:tcPr/>
+                  <a:tcPr marL="98977" marR="98977"/>
                 </a:tc>
                 <a:extLst>
                   <a:ext uri="{0D108BD9-81ED-4DB2-BD59-A6C34878D82A}">
@@ -3833,7 +10029,7 @@
                       </a:r>
                     </a:p>
                   </a:txBody>
-                  <a:tcPr/>
+                  <a:tcPr marL="98977" marR="98977"/>
                 </a:tc>
                 <a:tc>
                   <a:txBody>
@@ -3846,7 +10042,7 @@
                       </a:r>
                     </a:p>
                   </a:txBody>
-                  <a:tcPr/>
+                  <a:tcPr marL="98977" marR="98977"/>
                 </a:tc>
                 <a:extLst>
                   <a:ext uri="{0D108BD9-81ED-4DB2-BD59-A6C34878D82A}">
@@ -3871,7 +10067,7 @@
                       <a:endParaRPr lang="en-IN" dirty="0"/>
                     </a:p>
                   </a:txBody>
-                  <a:tcPr/>
+                  <a:tcPr marL="98977" marR="98977"/>
                 </a:tc>
                 <a:tc>
                   <a:txBody>
@@ -3884,7 +10080,7 @@
                       </a:r>
                     </a:p>
                   </a:txBody>
-                  <a:tcPr/>
+                  <a:tcPr marL="98977" marR="98977"/>
                 </a:tc>
                 <a:extLst>
                   <a:ext uri="{0D108BD9-81ED-4DB2-BD59-A6C34878D82A}">
@@ -3904,7 +10100,7 @@
                       </a:r>
                     </a:p>
                   </a:txBody>
-                  <a:tcPr/>
+                  <a:tcPr marL="98977" marR="98977"/>
                 </a:tc>
                 <a:tc>
                   <a:txBody>
@@ -3917,7 +10113,7 @@
                       </a:r>
                     </a:p>
                   </a:txBody>
-                  <a:tcPr/>
+                  <a:tcPr marL="98977" marR="98977"/>
                 </a:tc>
                 <a:extLst>
                   <a:ext uri="{0D108BD9-81ED-4DB2-BD59-A6C34878D82A}">
@@ -3939,6 +10135,18 @@
   <p:clrMapOvr>
     <a:masterClrMapping/>
   </p:clrMapOvr>
+  <mc:AlternateContent xmlns:mc="http://schemas.openxmlformats.org/markup-compatibility/2006" xmlns:p14="http://schemas.microsoft.com/office/powerpoint/2010/main">
+    <mc:Choice Requires="p14">
+      <p:transition spd="med" p14:dur="700">
+        <p:fade/>
+      </p:transition>
+    </mc:Choice>
+    <mc:Fallback xmlns="">
+      <p:transition spd="med">
+        <p:fade/>
+      </p:transition>
+    </mc:Fallback>
+  </mc:AlternateContent>
 </p:sld>
 </file>
 
@@ -4009,8 +10217,8 @@
           </p:nvPr>
         </p:nvGraphicFramePr>
         <p:xfrm>
-          <a:off x="838200" y="1825625"/>
-          <a:ext cx="10515600" cy="1854200"/>
+          <a:off x="395288" y="1444625"/>
+          <a:ext cx="11382375" cy="5045075"/>
         </p:xfrm>
         <a:graphic>
           <a:graphicData uri="http://schemas.openxmlformats.org/drawingml/2006/table">
@@ -4019,14 +10227,14 @@
                 <a:tableStyleId>{5C22544A-7EE6-4342-B048-85BDC9FD1C3A}</a:tableStyleId>
               </a:tblPr>
               <a:tblGrid>
-                <a:gridCol w="5257800">
+                <a:gridCol w="5691187">
                   <a:extLst>
                     <a:ext uri="{9D8B030D-6E8A-4147-A177-3AD203B41FA5}">
                       <a16:colId xmlns:a16="http://schemas.microsoft.com/office/drawing/2014/main" val="1832638922"/>
                     </a:ext>
                   </a:extLst>
                 </a:gridCol>
-                <a:gridCol w="5257800">
+                <a:gridCol w="5691187">
                   <a:extLst>
                     <a:ext uri="{9D8B030D-6E8A-4147-A177-3AD203B41FA5}">
                       <a16:colId xmlns:a16="http://schemas.microsoft.com/office/drawing/2014/main" val="3891015565"/>
@@ -4046,7 +10254,7 @@
                       </a:r>
                     </a:p>
                   </a:txBody>
-                  <a:tcPr/>
+                  <a:tcPr marL="98977" marR="98977"/>
                 </a:tc>
                 <a:tc>
                   <a:txBody>
@@ -4059,7 +10267,7 @@
                       </a:r>
                     </a:p>
                   </a:txBody>
-                  <a:tcPr/>
+                  <a:tcPr marL="98977" marR="98977"/>
                 </a:tc>
                 <a:extLst>
                   <a:ext uri="{0D108BD9-81ED-4DB2-BD59-A6C34878D82A}">
@@ -4079,7 +10287,7 @@
                       </a:r>
                     </a:p>
                   </a:txBody>
-                  <a:tcPr/>
+                  <a:tcPr marL="98977" marR="98977"/>
                 </a:tc>
                 <a:tc>
                   <a:txBody>
@@ -4092,7 +10300,7 @@
                       </a:r>
                     </a:p>
                   </a:txBody>
-                  <a:tcPr/>
+                  <a:tcPr marL="98977" marR="98977"/>
                 </a:tc>
                 <a:extLst>
                   <a:ext uri="{0D108BD9-81ED-4DB2-BD59-A6C34878D82A}">
@@ -4112,7 +10320,7 @@
                       </a:r>
                     </a:p>
                   </a:txBody>
-                  <a:tcPr/>
+                  <a:tcPr marL="98977" marR="98977"/>
                 </a:tc>
                 <a:tc>
                   <a:txBody>
@@ -4125,7 +10333,7 @@
                       </a:r>
                     </a:p>
                   </a:txBody>
-                  <a:tcPr/>
+                  <a:tcPr marL="98977" marR="98977"/>
                 </a:tc>
                 <a:extLst>
                   <a:ext uri="{0D108BD9-81ED-4DB2-BD59-A6C34878D82A}">
@@ -4145,7 +10353,7 @@
                       </a:r>
                     </a:p>
                   </a:txBody>
-                  <a:tcPr/>
+                  <a:tcPr marL="98977" marR="98977"/>
                 </a:tc>
                 <a:tc>
                   <a:txBody>
@@ -4158,7 +10366,7 @@
                       </a:r>
                     </a:p>
                   </a:txBody>
-                  <a:tcPr/>
+                  <a:tcPr marL="98977" marR="98977"/>
                 </a:tc>
                 <a:extLst>
                   <a:ext uri="{0D108BD9-81ED-4DB2-BD59-A6C34878D82A}">
@@ -4178,7 +10386,7 @@
                       </a:r>
                     </a:p>
                   </a:txBody>
-                  <a:tcPr/>
+                  <a:tcPr marL="98977" marR="98977"/>
                 </a:tc>
                 <a:tc>
                   <a:txBody>
@@ -4191,7 +10399,7 @@
                       </a:r>
                     </a:p>
                   </a:txBody>
-                  <a:tcPr/>
+                  <a:tcPr marL="98977" marR="98977"/>
                 </a:tc>
                 <a:extLst>
                   <a:ext uri="{0D108BD9-81ED-4DB2-BD59-A6C34878D82A}">
@@ -4213,6 +10421,18 @@
   <p:clrMapOvr>
     <a:masterClrMapping/>
   </p:clrMapOvr>
+  <mc:AlternateContent xmlns:mc="http://schemas.openxmlformats.org/markup-compatibility/2006" xmlns:p14="http://schemas.microsoft.com/office/powerpoint/2010/main">
+    <mc:Choice Requires="p14">
+      <p:transition spd="med" p14:dur="700">
+        <p:fade/>
+      </p:transition>
+    </mc:Choice>
+    <mc:Fallback xmlns="">
+      <p:transition spd="med">
+        <p:fade/>
+      </p:transition>
+    </mc:Fallback>
+  </mc:AlternateContent>
 </p:sld>
 </file>
 
@@ -4330,6 +10550,18 @@
   <p:clrMapOvr>
     <a:masterClrMapping/>
   </p:clrMapOvr>
+  <mc:AlternateContent xmlns:mc="http://schemas.openxmlformats.org/markup-compatibility/2006" xmlns:p14="http://schemas.microsoft.com/office/powerpoint/2010/main">
+    <mc:Choice Requires="p14">
+      <p:transition spd="med" p14:dur="700">
+        <p:fade/>
+      </p:transition>
+    </mc:Choice>
+    <mc:Fallback xmlns="">
+      <p:transition spd="med">
+        <p:fade/>
+      </p:transition>
+    </mc:Fallback>
+  </mc:AlternateContent>
 </p:sld>
 </file>
 
@@ -4418,6 +10650,18 @@
   <p:clrMapOvr>
     <a:masterClrMapping/>
   </p:clrMapOvr>
+  <mc:AlternateContent xmlns:mc="http://schemas.openxmlformats.org/markup-compatibility/2006" xmlns:p14="http://schemas.microsoft.com/office/powerpoint/2010/main">
+    <mc:Choice Requires="p14">
+      <p:transition spd="med" p14:dur="700">
+        <p:fade/>
+      </p:transition>
+    </mc:Choice>
+    <mc:Fallback xmlns="">
+      <p:transition spd="med">
+        <p:fade/>
+      </p:transition>
+    </mc:Fallback>
+  </mc:AlternateContent>
 </p:sld>
 </file>
 
@@ -4488,8 +10732,8 @@
           </p:nvPr>
         </p:nvGraphicFramePr>
         <p:xfrm>
-          <a:off x="838200" y="1825625"/>
-          <a:ext cx="10515600" cy="4246880"/>
+          <a:off x="395288" y="1444625"/>
+          <a:ext cx="11382375" cy="5045075"/>
         </p:xfrm>
         <a:graphic>
           <a:graphicData uri="http://schemas.openxmlformats.org/drawingml/2006/table">
@@ -4498,14 +10742,14 @@
                 <a:tableStyleId>{5C22544A-7EE6-4342-B048-85BDC9FD1C3A}</a:tableStyleId>
               </a:tblPr>
               <a:tblGrid>
-                <a:gridCol w="4076700">
+                <a:gridCol w="4412732">
                   <a:extLst>
                     <a:ext uri="{9D8B030D-6E8A-4147-A177-3AD203B41FA5}">
                       <a16:colId xmlns:a16="http://schemas.microsoft.com/office/drawing/2014/main" val="1853556819"/>
                     </a:ext>
                   </a:extLst>
                 </a:gridCol>
-                <a:gridCol w="6438900">
+                <a:gridCol w="6969642">
                   <a:extLst>
                     <a:ext uri="{9D8B030D-6E8A-4147-A177-3AD203B41FA5}">
                       <a16:colId xmlns:a16="http://schemas.microsoft.com/office/drawing/2014/main" val="836734634"/>
@@ -4525,7 +10769,7 @@
                       </a:r>
                     </a:p>
                   </a:txBody>
-                  <a:tcPr/>
+                  <a:tcPr marL="98977" marR="98977"/>
                 </a:tc>
                 <a:tc>
                   <a:txBody>
@@ -4538,7 +10782,7 @@
                       </a:r>
                     </a:p>
                   </a:txBody>
-                  <a:tcPr/>
+                  <a:tcPr marL="98977" marR="98977"/>
                 </a:tc>
                 <a:extLst>
                   <a:ext uri="{0D108BD9-81ED-4DB2-BD59-A6C34878D82A}">
@@ -4558,7 +10802,7 @@
                       </a:r>
                     </a:p>
                   </a:txBody>
-                  <a:tcPr/>
+                  <a:tcPr marL="98977" marR="98977"/>
                 </a:tc>
                 <a:tc>
                   <a:txBody>
@@ -4571,7 +10815,7 @@
                       </a:r>
                     </a:p>
                   </a:txBody>
-                  <a:tcPr/>
+                  <a:tcPr marL="98977" marR="98977"/>
                 </a:tc>
                 <a:extLst>
                   <a:ext uri="{0D108BD9-81ED-4DB2-BD59-A6C34878D82A}">
@@ -4591,7 +10835,7 @@
                       </a:r>
                     </a:p>
                   </a:txBody>
-                  <a:tcPr/>
+                  <a:tcPr marL="98977" marR="98977"/>
                 </a:tc>
                 <a:tc>
                   <a:txBody>
@@ -4604,7 +10848,7 @@
                       </a:r>
                     </a:p>
                   </a:txBody>
-                  <a:tcPr/>
+                  <a:tcPr marL="98977" marR="98977"/>
                 </a:tc>
                 <a:extLst>
                   <a:ext uri="{0D108BD9-81ED-4DB2-BD59-A6C34878D82A}">
@@ -4624,7 +10868,7 @@
                       </a:r>
                     </a:p>
                   </a:txBody>
-                  <a:tcPr/>
+                  <a:tcPr marL="98977" marR="98977"/>
                 </a:tc>
                 <a:tc>
                   <a:txBody>
@@ -4637,7 +10881,7 @@
                       </a:r>
                     </a:p>
                   </a:txBody>
-                  <a:tcPr/>
+                  <a:tcPr marL="98977" marR="98977"/>
                 </a:tc>
                 <a:extLst>
                   <a:ext uri="{0D108BD9-81ED-4DB2-BD59-A6C34878D82A}">
@@ -4657,7 +10901,7 @@
                       </a:r>
                     </a:p>
                   </a:txBody>
-                  <a:tcPr/>
+                  <a:tcPr marL="98977" marR="98977"/>
                 </a:tc>
                 <a:tc>
                   <a:txBody>
@@ -4670,7 +10914,7 @@
                       </a:r>
                     </a:p>
                   </a:txBody>
-                  <a:tcPr/>
+                  <a:tcPr marL="98977" marR="98977"/>
                 </a:tc>
                 <a:extLst>
                   <a:ext uri="{0D108BD9-81ED-4DB2-BD59-A6C34878D82A}">
@@ -4690,7 +10934,7 @@
                       </a:r>
                     </a:p>
                   </a:txBody>
-                  <a:tcPr/>
+                  <a:tcPr marL="98977" marR="98977"/>
                 </a:tc>
                 <a:tc>
                   <a:txBody>
@@ -4703,7 +10947,7 @@
                       </a:r>
                     </a:p>
                   </a:txBody>
-                  <a:tcPr/>
+                  <a:tcPr marL="98977" marR="98977"/>
                 </a:tc>
                 <a:extLst>
                   <a:ext uri="{0D108BD9-81ED-4DB2-BD59-A6C34878D82A}">
@@ -4723,7 +10967,7 @@
                       </a:r>
                     </a:p>
                   </a:txBody>
-                  <a:tcPr/>
+                  <a:tcPr marL="98977" marR="98977"/>
                 </a:tc>
                 <a:tc>
                   <a:txBody>
@@ -4736,7 +10980,7 @@
                       </a:r>
                     </a:p>
                   </a:txBody>
-                  <a:tcPr/>
+                  <a:tcPr marL="98977" marR="98977"/>
                 </a:tc>
                 <a:extLst>
                   <a:ext uri="{0D108BD9-81ED-4DB2-BD59-A6C34878D82A}">
@@ -4756,7 +11000,7 @@
                       </a:r>
                     </a:p>
                   </a:txBody>
-                  <a:tcPr/>
+                  <a:tcPr marL="98977" marR="98977"/>
                 </a:tc>
                 <a:tc>
                   <a:txBody>
@@ -4769,7 +11013,7 @@
                       </a:r>
                     </a:p>
                   </a:txBody>
-                  <a:tcPr/>
+                  <a:tcPr marL="98977" marR="98977"/>
                 </a:tc>
                 <a:extLst>
                   <a:ext uri="{0D108BD9-81ED-4DB2-BD59-A6C34878D82A}">
@@ -4789,7 +11033,7 @@
                       </a:r>
                     </a:p>
                   </a:txBody>
-                  <a:tcPr/>
+                  <a:tcPr marL="98977" marR="98977"/>
                 </a:tc>
                 <a:tc>
                   <a:txBody>
@@ -4802,7 +11046,7 @@
                       </a:r>
                     </a:p>
                   </a:txBody>
-                  <a:tcPr/>
+                  <a:tcPr marL="98977" marR="98977"/>
                 </a:tc>
                 <a:extLst>
                   <a:ext uri="{0D108BD9-81ED-4DB2-BD59-A6C34878D82A}">
@@ -4822,7 +11066,7 @@
                       </a:r>
                     </a:p>
                   </a:txBody>
-                  <a:tcPr/>
+                  <a:tcPr marL="98977" marR="98977"/>
                 </a:tc>
                 <a:tc>
                   <a:txBody>
@@ -4841,7 +11085,7 @@
                       </a:r>
                     </a:p>
                   </a:txBody>
-                  <a:tcPr/>
+                  <a:tcPr marL="98977" marR="98977"/>
                 </a:tc>
                 <a:extLst>
                   <a:ext uri="{0D108BD9-81ED-4DB2-BD59-A6C34878D82A}">
@@ -4863,11 +11107,510 @@
   <p:clrMapOvr>
     <a:masterClrMapping/>
   </p:clrMapOvr>
+  <mc:AlternateContent xmlns:mc="http://schemas.openxmlformats.org/markup-compatibility/2006" xmlns:p14="http://schemas.microsoft.com/office/powerpoint/2010/main">
+    <mc:Choice Requires="p14">
+      <p:transition spd="med" p14:dur="700">
+        <p:fade/>
+      </p:transition>
+    </mc:Choice>
+    <mc:Fallback xmlns="">
+      <p:transition spd="med">
+        <p:fade/>
+      </p:transition>
+    </mc:Fallback>
+  </mc:AlternateContent>
+</p:sld>
+</file>
+
+<file path=ppt/slides/slide7.xml><?xml version="1.0" encoding="utf-8"?>
+<p:sld xmlns:a="http://schemas.openxmlformats.org/drawingml/2006/main" xmlns:r="http://schemas.openxmlformats.org/officeDocument/2006/relationships" xmlns:p="http://schemas.openxmlformats.org/presentationml/2006/main">
+  <p:cSld>
+    <p:spTree>
+      <p:nvGrpSpPr>
+        <p:cNvPr id="1" name=""/>
+        <p:cNvGrpSpPr/>
+        <p:nvPr/>
+      </p:nvGrpSpPr>
+      <p:grpSpPr>
+        <a:xfrm>
+          <a:off x="0" y="0"/>
+          <a:ext cx="0" cy="0"/>
+          <a:chOff x="0" y="0"/>
+          <a:chExt cx="0" cy="0"/>
+        </a:xfrm>
+      </p:grpSpPr>
+      <p:sp>
+        <p:nvSpPr>
+          <p:cNvPr id="2" name="Title 1">
+            <a:extLst>
+              <a:ext uri="{FF2B5EF4-FFF2-40B4-BE49-F238E27FC236}">
+                <a16:creationId xmlns:a16="http://schemas.microsoft.com/office/drawing/2014/main" id="{0CA62803-337D-4C9B-9EC5-2150A0F17A31}"/>
+              </a:ext>
+            </a:extLst>
+          </p:cNvPr>
+          <p:cNvSpPr>
+            <a:spLocks noGrp="1"/>
+          </p:cNvSpPr>
+          <p:nvPr>
+            <p:ph type="title"/>
+          </p:nvPr>
+        </p:nvSpPr>
+        <p:spPr/>
+        <p:txBody>
+          <a:bodyPr/>
+          <a:lstStyle/>
+          <a:p>
+            <a:r>
+              <a:rPr lang="en-IN" dirty="0"/>
+              <a:t>Docker Secrets</a:t>
+            </a:r>
+          </a:p>
+        </p:txBody>
+      </p:sp>
+      <p:sp>
+        <p:nvSpPr>
+          <p:cNvPr id="3" name="Content Placeholder 2">
+            <a:extLst>
+              <a:ext uri="{FF2B5EF4-FFF2-40B4-BE49-F238E27FC236}">
+                <a16:creationId xmlns:a16="http://schemas.microsoft.com/office/drawing/2014/main" id="{B9EFE2BD-7D64-438B-AB10-936A71C9D1EA}"/>
+              </a:ext>
+            </a:extLst>
+          </p:cNvPr>
+          <p:cNvSpPr>
+            <a:spLocks noGrp="1"/>
+          </p:cNvSpPr>
+          <p:nvPr>
+            <p:ph idx="1"/>
+          </p:nvPr>
+        </p:nvSpPr>
+        <p:spPr/>
+        <p:txBody>
+          <a:bodyPr/>
+          <a:lstStyle/>
+          <a:p>
+            <a:r>
+              <a:rPr lang="en-IN" dirty="0"/>
+              <a:t>Password</a:t>
+            </a:r>
+          </a:p>
+          <a:p>
+            <a:r>
+              <a:rPr lang="en-IN" dirty="0"/>
+              <a:t>Encrypted Tokens / Hashes</a:t>
+            </a:r>
+          </a:p>
+          <a:p>
+            <a:r>
+              <a:rPr lang="en-IN" dirty="0"/>
+              <a:t>Digital Certs</a:t>
+            </a:r>
+          </a:p>
+          <a:p>
+            <a:r>
+              <a:rPr lang="en-IN" dirty="0"/>
+              <a:t>SSL Keys</a:t>
+            </a:r>
+          </a:p>
+          <a:p>
+            <a:endParaRPr lang="en-IN" dirty="0"/>
+          </a:p>
+          <a:p>
+            <a:r>
+              <a:rPr lang="en-IN" dirty="0"/>
+              <a:t>Any thing that must NOT be visible in your docker-compose file.</a:t>
+            </a:r>
+          </a:p>
+          <a:p>
+            <a:r>
+              <a:rPr lang="en-IN" dirty="0"/>
+              <a:t>Secrets are available only in SWARM mode</a:t>
+            </a:r>
+          </a:p>
+        </p:txBody>
+      </p:sp>
+    </p:spTree>
+    <p:extLst>
+      <p:ext uri="{BB962C8B-B14F-4D97-AF65-F5344CB8AC3E}">
+        <p14:creationId xmlns:p14="http://schemas.microsoft.com/office/powerpoint/2010/main" val="520760780"/>
+      </p:ext>
+    </p:extLst>
+  </p:cSld>
+  <p:clrMapOvr>
+    <a:masterClrMapping/>
+  </p:clrMapOvr>
+  <mc:AlternateContent xmlns:mc="http://schemas.openxmlformats.org/markup-compatibility/2006" xmlns:p14="http://schemas.microsoft.com/office/powerpoint/2010/main">
+    <mc:Choice Requires="p14">
+      <p:transition spd="med" p14:dur="700">
+        <p:fade/>
+      </p:transition>
+    </mc:Choice>
+    <mc:Fallback xmlns="">
+      <p:transition spd="med">
+        <p:fade/>
+      </p:transition>
+    </mc:Fallback>
+  </mc:AlternateContent>
+</p:sld>
+</file>
+
+<file path=ppt/slides/slide8.xml><?xml version="1.0" encoding="utf-8"?>
+<p:sld xmlns:a="http://schemas.openxmlformats.org/drawingml/2006/main" xmlns:r="http://schemas.openxmlformats.org/officeDocument/2006/relationships" xmlns:p="http://schemas.openxmlformats.org/presentationml/2006/main">
+  <p:cSld>
+    <p:spTree>
+      <p:nvGrpSpPr>
+        <p:cNvPr id="1" name=""/>
+        <p:cNvGrpSpPr/>
+        <p:nvPr/>
+      </p:nvGrpSpPr>
+      <p:grpSpPr>
+        <a:xfrm>
+          <a:off x="0" y="0"/>
+          <a:ext cx="0" cy="0"/>
+          <a:chOff x="0" y="0"/>
+          <a:chExt cx="0" cy="0"/>
+        </a:xfrm>
+      </p:grpSpPr>
+      <p:sp>
+        <p:nvSpPr>
+          <p:cNvPr id="2" name="Title 1">
+            <a:extLst>
+              <a:ext uri="{FF2B5EF4-FFF2-40B4-BE49-F238E27FC236}">
+                <a16:creationId xmlns:a16="http://schemas.microsoft.com/office/drawing/2014/main" id="{5A96F1A1-9E69-4ADA-B39B-555E7461AAE7}"/>
+              </a:ext>
+            </a:extLst>
+          </p:cNvPr>
+          <p:cNvSpPr>
+            <a:spLocks noGrp="1"/>
+          </p:cNvSpPr>
+          <p:nvPr>
+            <p:ph type="title"/>
+          </p:nvPr>
+        </p:nvSpPr>
+        <p:spPr/>
+        <p:txBody>
+          <a:bodyPr/>
+          <a:lstStyle/>
+          <a:p>
+            <a:r>
+              <a:rPr lang="en-IN" dirty="0"/>
+              <a:t>Creating a Secret</a:t>
+            </a:r>
+          </a:p>
+        </p:txBody>
+      </p:sp>
+      <p:sp>
+        <p:nvSpPr>
+          <p:cNvPr id="3" name="Content Placeholder 2">
+            <a:extLst>
+              <a:ext uri="{FF2B5EF4-FFF2-40B4-BE49-F238E27FC236}">
+                <a16:creationId xmlns:a16="http://schemas.microsoft.com/office/drawing/2014/main" id="{10E53432-727E-4821-8AD1-0B3B24FEB90B}"/>
+              </a:ext>
+            </a:extLst>
+          </p:cNvPr>
+          <p:cNvSpPr>
+            <a:spLocks noGrp="1"/>
+          </p:cNvSpPr>
+          <p:nvPr>
+            <p:ph idx="1"/>
+          </p:nvPr>
+        </p:nvSpPr>
+        <p:spPr/>
+        <p:txBody>
+          <a:bodyPr/>
+          <a:lstStyle/>
+          <a:p>
+            <a:r>
+              <a:rPr lang="en-IN" dirty="0"/>
+              <a:t>$ docker secret create &lt;</a:t>
+            </a:r>
+            <a:r>
+              <a:rPr lang="en-IN" dirty="0" err="1"/>
+              <a:t>SecretName</a:t>
+            </a:r>
+            <a:r>
+              <a:rPr lang="en-IN" dirty="0"/>
+              <a:t>&gt; &lt;file&gt;</a:t>
+            </a:r>
+          </a:p>
+          <a:p>
+            <a:endParaRPr lang="en-IN" dirty="0"/>
+          </a:p>
+          <a:p>
+            <a:r>
+              <a:rPr lang="en-IN" dirty="0"/>
+              <a:t>Example:</a:t>
+            </a:r>
+          </a:p>
+          <a:p>
+            <a:r>
+              <a:rPr lang="en-IN" dirty="0"/>
+              <a:t>$ docker secret create </a:t>
+            </a:r>
+            <a:r>
+              <a:rPr lang="en-IN" dirty="0" err="1"/>
+              <a:t>dbpass</a:t>
+            </a:r>
+            <a:r>
+              <a:rPr lang="en-IN" dirty="0"/>
+              <a:t>  ./</a:t>
+            </a:r>
+            <a:r>
+              <a:rPr lang="en-IN" dirty="0" err="1"/>
+              <a:t>db.password</a:t>
+            </a:r>
+            <a:endParaRPr lang="en-IN" dirty="0"/>
+          </a:p>
+          <a:p>
+            <a:endParaRPr lang="en-IN" dirty="0"/>
+          </a:p>
+          <a:p>
+            <a:pPr marL="0" indent="0">
+              <a:buNone/>
+            </a:pPr>
+            <a:endParaRPr lang="en-IN" dirty="0"/>
+          </a:p>
+        </p:txBody>
+      </p:sp>
+    </p:spTree>
+    <p:extLst>
+      <p:ext uri="{BB962C8B-B14F-4D97-AF65-F5344CB8AC3E}">
+        <p14:creationId xmlns:p14="http://schemas.microsoft.com/office/powerpoint/2010/main" val="1355295447"/>
+      </p:ext>
+    </p:extLst>
+  </p:cSld>
+  <p:clrMapOvr>
+    <a:masterClrMapping/>
+  </p:clrMapOvr>
+  <mc:AlternateContent xmlns:mc="http://schemas.openxmlformats.org/markup-compatibility/2006" xmlns:p14="http://schemas.microsoft.com/office/powerpoint/2010/main">
+    <mc:Choice Requires="p14">
+      <p:transition spd="med" p14:dur="700">
+        <p:fade/>
+      </p:transition>
+    </mc:Choice>
+    <mc:Fallback xmlns="">
+      <p:transition spd="med">
+        <p:fade/>
+      </p:transition>
+    </mc:Fallback>
+  </mc:AlternateContent>
+</p:sld>
+</file>
+
+<file path=ppt/slides/slide9.xml><?xml version="1.0" encoding="utf-8"?>
+<p:sld xmlns:a="http://schemas.openxmlformats.org/drawingml/2006/main" xmlns:r="http://schemas.openxmlformats.org/officeDocument/2006/relationships" xmlns:p="http://schemas.openxmlformats.org/presentationml/2006/main">
+  <p:cSld>
+    <p:spTree>
+      <p:nvGrpSpPr>
+        <p:cNvPr id="1" name=""/>
+        <p:cNvGrpSpPr/>
+        <p:nvPr/>
+      </p:nvGrpSpPr>
+      <p:grpSpPr>
+        <a:xfrm>
+          <a:off x="0" y="0"/>
+          <a:ext cx="0" cy="0"/>
+          <a:chOff x="0" y="0"/>
+          <a:chExt cx="0" cy="0"/>
+        </a:xfrm>
+      </p:grpSpPr>
+      <p:sp>
+        <p:nvSpPr>
+          <p:cNvPr id="2" name="Title 1">
+            <a:extLst>
+              <a:ext uri="{FF2B5EF4-FFF2-40B4-BE49-F238E27FC236}">
+                <a16:creationId xmlns:a16="http://schemas.microsoft.com/office/drawing/2014/main" id="{E81EA957-7DB9-4BC5-995B-59D319F726E6}"/>
+              </a:ext>
+            </a:extLst>
+          </p:cNvPr>
+          <p:cNvSpPr>
+            <a:spLocks noGrp="1"/>
+          </p:cNvSpPr>
+          <p:nvPr>
+            <p:ph type="title"/>
+          </p:nvPr>
+        </p:nvSpPr>
+        <p:spPr/>
+        <p:txBody>
+          <a:bodyPr/>
+          <a:lstStyle/>
+          <a:p>
+            <a:r>
+              <a:rPr lang="en-IN" dirty="0"/>
+              <a:t>Adding reference to secret</a:t>
+            </a:r>
+          </a:p>
+        </p:txBody>
+      </p:sp>
+      <p:sp>
+        <p:nvSpPr>
+          <p:cNvPr id="3" name="Content Placeholder 2">
+            <a:extLst>
+              <a:ext uri="{FF2B5EF4-FFF2-40B4-BE49-F238E27FC236}">
+                <a16:creationId xmlns:a16="http://schemas.microsoft.com/office/drawing/2014/main" id="{0BF1DEC3-A7FA-40CF-87DE-FFEEAA8FC682}"/>
+              </a:ext>
+            </a:extLst>
+          </p:cNvPr>
+          <p:cNvSpPr>
+            <a:spLocks noGrp="1"/>
+          </p:cNvSpPr>
+          <p:nvPr>
+            <p:ph idx="1"/>
+          </p:nvPr>
+        </p:nvSpPr>
+        <p:spPr/>
+        <p:txBody>
+          <a:bodyPr>
+            <a:normAutofit/>
+          </a:bodyPr>
+          <a:lstStyle/>
+          <a:p>
+            <a:r>
+              <a:rPr lang="en-IN" dirty="0"/>
+              <a:t>In docker-compose</a:t>
+            </a:r>
+          </a:p>
+          <a:p>
+            <a:endParaRPr lang="en-IN" dirty="0"/>
+          </a:p>
+          <a:p>
+            <a:r>
+              <a:rPr lang="en-IN" dirty="0"/>
+              <a:t>Create a Top Level element:</a:t>
+            </a:r>
+          </a:p>
+          <a:p>
+            <a:pPr marL="0" indent="0">
+              <a:buNone/>
+            </a:pPr>
+            <a:endParaRPr lang="en-IN" dirty="0"/>
+          </a:p>
+          <a:p>
+            <a:pPr marL="0" indent="0">
+              <a:buNone/>
+            </a:pPr>
+            <a:r>
+              <a:rPr lang="en-IN" dirty="0">
+                <a:latin typeface="+mj-lt"/>
+              </a:rPr>
+              <a:t>Secrets:</a:t>
+            </a:r>
+          </a:p>
+          <a:p>
+            <a:pPr marL="0" indent="0">
+              <a:buNone/>
+            </a:pPr>
+            <a:r>
+              <a:rPr lang="en-IN" dirty="0">
+                <a:latin typeface="+mj-lt"/>
+              </a:rPr>
+              <a:t>   external: </a:t>
+            </a:r>
+            <a:r>
+              <a:rPr lang="en-IN" dirty="0" err="1">
+                <a:latin typeface="+mj-lt"/>
+              </a:rPr>
+              <a:t>dbpass</a:t>
+            </a:r>
+            <a:endParaRPr lang="en-IN" dirty="0">
+              <a:latin typeface="+mj-lt"/>
+            </a:endParaRPr>
+          </a:p>
+          <a:p>
+            <a:pPr marL="0" indent="0">
+              <a:buNone/>
+            </a:pPr>
+            <a:endParaRPr lang="en-IN" dirty="0"/>
+          </a:p>
+          <a:p>
+            <a:pPr marL="0" indent="0">
+              <a:buNone/>
+            </a:pPr>
+            <a:r>
+              <a:rPr lang="en-IN" dirty="0"/>
+              <a:t>Inject the secret in environment variable:</a:t>
+            </a:r>
+          </a:p>
+          <a:p>
+            <a:pPr marL="0" indent="0">
+              <a:buNone/>
+            </a:pPr>
+            <a:r>
+              <a:rPr lang="en-IN" dirty="0">
+                <a:latin typeface="+mj-lt"/>
+              </a:rPr>
+              <a:t>environment: </a:t>
+            </a:r>
+          </a:p>
+          <a:p>
+            <a:pPr marL="0" indent="0">
+              <a:buNone/>
+            </a:pPr>
+            <a:r>
+              <a:rPr lang="en-IN" dirty="0">
+                <a:latin typeface="+mj-lt"/>
+              </a:rPr>
+              <a:t>	</a:t>
+            </a:r>
+            <a:r>
+              <a:rPr lang="en-IN" dirty="0" err="1">
+                <a:latin typeface="+mj-lt"/>
+              </a:rPr>
+              <a:t>dbpassword</a:t>
+            </a:r>
+            <a:r>
+              <a:rPr lang="en-IN" dirty="0">
+                <a:latin typeface="+mj-lt"/>
+              </a:rPr>
+              <a:t>: ${</a:t>
+            </a:r>
+            <a:r>
+              <a:rPr lang="en-IN" dirty="0" err="1">
+                <a:latin typeface="+mj-lt"/>
+              </a:rPr>
+              <a:t>dbpass</a:t>
+            </a:r>
+            <a:r>
+              <a:rPr lang="en-IN" dirty="0">
+                <a:latin typeface="+mj-lt"/>
+              </a:rPr>
+              <a:t>}</a:t>
+            </a:r>
+          </a:p>
+          <a:p>
+            <a:pPr marL="0" indent="0">
+              <a:buNone/>
+            </a:pPr>
+            <a:endParaRPr lang="en-IN" dirty="0"/>
+          </a:p>
+        </p:txBody>
+      </p:sp>
+    </p:spTree>
+    <p:extLst>
+      <p:ext uri="{BB962C8B-B14F-4D97-AF65-F5344CB8AC3E}">
+        <p14:creationId xmlns:p14="http://schemas.microsoft.com/office/powerpoint/2010/main" val="933417969"/>
+      </p:ext>
+    </p:extLst>
+  </p:cSld>
+  <p:clrMapOvr>
+    <a:masterClrMapping/>
+  </p:clrMapOvr>
+  <mc:AlternateContent xmlns:mc="http://schemas.openxmlformats.org/markup-compatibility/2006" xmlns:p14="http://schemas.microsoft.com/office/powerpoint/2010/main">
+    <mc:Choice Requires="p14">
+      <p:transition spd="med" p14:dur="700">
+        <p:fade/>
+      </p:transition>
+    </mc:Choice>
+    <mc:Fallback xmlns="">
+      <p:transition spd="med">
+        <p:fade/>
+      </p:transition>
+    </mc:Fallback>
+  </mc:AlternateContent>
 </p:sld>
 </file>
 
 <file path=ppt/theme/theme1.xml><?xml version="1.0" encoding="utf-8"?>
-<a:theme xmlns:a="http://schemas.openxmlformats.org/drawingml/2006/main" name="Office Theme">
+<a:theme xmlns:a="http://schemas.openxmlformats.org/drawingml/2006/main" name="Core-17">
   <a:themeElements>
     <a:clrScheme name="Office">
       <a:dk1>
@@ -5155,7 +11898,7 @@
   <a:extraClrSchemeLst/>
   <a:extLst>
     <a:ext uri="{05A4C25C-085E-4340-85A3-A5531E510DB2}">
-      <thm15:themeFamily xmlns:thm15="http://schemas.microsoft.com/office/thememl/2012/main" name="Office Theme" id="{62F939B6-93AF-4DB8-9C6B-D6C7DFDC589F}" vid="{4A3C46E8-61CC-4603-A589-7422A47A8E4A}"/>
+      <thm15:themeFamily xmlns:thm15="http://schemas.microsoft.com/office/thememl/2012/main" name="Core-17" id="{3B98E06F-B3B7-4882-A404-D90770740DF4}" vid="{32E2717A-F64A-4C0A-9F87-FB05C7D73722}"/>
     </a:ext>
   </a:extLst>
 </a:theme>
